--- a/output/figure_1.pptx
+++ b/output/figure_1.pptx
@@ -5,7 +5,9 @@
     <p:sldMasterId id="2147483648" r:id="rId1"/>
   </p:sldMasterIdLst>
   <p:sldIdLst>
-    <p:sldId id="256" r:id="rId2"/>
+    <p:sldId id="258" r:id="rId2"/>
+    <p:sldId id="256" r:id="rId3"/>
+    <p:sldId id="257" r:id="rId4"/>
   </p:sldIdLst>
   <p:sldSz cx="12192000" cy="6858000"/>
   <p:notesSz cx="6858000" cy="9144000"/>
@@ -259,7 +261,7 @@
           <a:p>
             <a:fld id="{F6465CF2-20FA-4A27-B5DD-24B9293428AE}" type="datetimeFigureOut">
               <a:rPr lang="en-US" smtClean="0"/>
-              <a:t>3/30/2020</a:t>
+              <a:t>4/8/2020</a:t>
             </a:fld>
             <a:endParaRPr lang="en-US"/>
           </a:p>
@@ -457,7 +459,7 @@
           <a:p>
             <a:fld id="{F6465CF2-20FA-4A27-B5DD-24B9293428AE}" type="datetimeFigureOut">
               <a:rPr lang="en-US" smtClean="0"/>
-              <a:t>3/30/2020</a:t>
+              <a:t>4/8/2020</a:t>
             </a:fld>
             <a:endParaRPr lang="en-US"/>
           </a:p>
@@ -665,7 +667,7 @@
           <a:p>
             <a:fld id="{F6465CF2-20FA-4A27-B5DD-24B9293428AE}" type="datetimeFigureOut">
               <a:rPr lang="en-US" smtClean="0"/>
-              <a:t>3/30/2020</a:t>
+              <a:t>4/8/2020</a:t>
             </a:fld>
             <a:endParaRPr lang="en-US"/>
           </a:p>
@@ -863,7 +865,7 @@
           <a:p>
             <a:fld id="{F6465CF2-20FA-4A27-B5DD-24B9293428AE}" type="datetimeFigureOut">
               <a:rPr lang="en-US" smtClean="0"/>
-              <a:t>3/30/2020</a:t>
+              <a:t>4/8/2020</a:t>
             </a:fld>
             <a:endParaRPr lang="en-US"/>
           </a:p>
@@ -1138,7 +1140,7 @@
           <a:p>
             <a:fld id="{F6465CF2-20FA-4A27-B5DD-24B9293428AE}" type="datetimeFigureOut">
               <a:rPr lang="en-US" smtClean="0"/>
-              <a:t>3/30/2020</a:t>
+              <a:t>4/8/2020</a:t>
             </a:fld>
             <a:endParaRPr lang="en-US"/>
           </a:p>
@@ -1403,7 +1405,7 @@
           <a:p>
             <a:fld id="{F6465CF2-20FA-4A27-B5DD-24B9293428AE}" type="datetimeFigureOut">
               <a:rPr lang="en-US" smtClean="0"/>
-              <a:t>3/30/2020</a:t>
+              <a:t>4/8/2020</a:t>
             </a:fld>
             <a:endParaRPr lang="en-US"/>
           </a:p>
@@ -1815,7 +1817,7 @@
           <a:p>
             <a:fld id="{F6465CF2-20FA-4A27-B5DD-24B9293428AE}" type="datetimeFigureOut">
               <a:rPr lang="en-US" smtClean="0"/>
-              <a:t>3/30/2020</a:t>
+              <a:t>4/8/2020</a:t>
             </a:fld>
             <a:endParaRPr lang="en-US"/>
           </a:p>
@@ -1956,7 +1958,7 @@
           <a:p>
             <a:fld id="{F6465CF2-20FA-4A27-B5DD-24B9293428AE}" type="datetimeFigureOut">
               <a:rPr lang="en-US" smtClean="0"/>
-              <a:t>3/30/2020</a:t>
+              <a:t>4/8/2020</a:t>
             </a:fld>
             <a:endParaRPr lang="en-US"/>
           </a:p>
@@ -2069,7 +2071,7 @@
           <a:p>
             <a:fld id="{F6465CF2-20FA-4A27-B5DD-24B9293428AE}" type="datetimeFigureOut">
               <a:rPr lang="en-US" smtClean="0"/>
-              <a:t>3/30/2020</a:t>
+              <a:t>4/8/2020</a:t>
             </a:fld>
             <a:endParaRPr lang="en-US"/>
           </a:p>
@@ -2380,7 +2382,7 @@
           <a:p>
             <a:fld id="{F6465CF2-20FA-4A27-B5DD-24B9293428AE}" type="datetimeFigureOut">
               <a:rPr lang="en-US" smtClean="0"/>
-              <a:t>3/30/2020</a:t>
+              <a:t>4/8/2020</a:t>
             </a:fld>
             <a:endParaRPr lang="en-US"/>
           </a:p>
@@ -2668,7 +2670,7 @@
           <a:p>
             <a:fld id="{F6465CF2-20FA-4A27-B5DD-24B9293428AE}" type="datetimeFigureOut">
               <a:rPr lang="en-US" smtClean="0"/>
-              <a:t>3/30/2020</a:t>
+              <a:t>4/8/2020</a:t>
             </a:fld>
             <a:endParaRPr lang="en-US"/>
           </a:p>
@@ -2909,7 +2911,7 @@
           <a:p>
             <a:fld id="{F6465CF2-20FA-4A27-B5DD-24B9293428AE}" type="datetimeFigureOut">
               <a:rPr lang="en-US" smtClean="0"/>
-              <a:t>3/30/2020</a:t>
+              <a:t>4/8/2020</a:t>
             </a:fld>
             <a:endParaRPr lang="en-US"/>
           </a:p>
@@ -3328,6 +3330,4736 @@
       </p:grpSpPr>
       <p:sp>
         <p:nvSpPr>
+          <p:cNvPr id="2" name="Title 1">
+            <a:extLst>
+              <a:ext uri="{FF2B5EF4-FFF2-40B4-BE49-F238E27FC236}">
+                <a16:creationId xmlns:a16="http://schemas.microsoft.com/office/drawing/2014/main" id="{952FA364-9667-4F92-9D88-A3185761DC50}"/>
+              </a:ext>
+            </a:extLst>
+          </p:cNvPr>
+          <p:cNvSpPr>
+            <a:spLocks noGrp="1"/>
+          </p:cNvSpPr>
+          <p:nvPr>
+            <p:ph type="title"/>
+          </p:nvPr>
+        </p:nvSpPr>
+        <p:spPr>
+          <a:xfrm>
+            <a:off x="1907590" y="63035"/>
+            <a:ext cx="10165671" cy="629173"/>
+          </a:xfrm>
+        </p:spPr>
+        <p:txBody>
+          <a:bodyPr>
+            <a:normAutofit fontScale="90000"/>
+          </a:bodyPr>
+          <a:lstStyle/>
+          <a:p>
+            <a:r>
+              <a:rPr lang="en-US" sz="2800" dirty="0">
+                <a:highlight>
+                  <a:srgbClr val="808000"/>
+                </a:highlight>
+                <a:latin typeface="+mn-lt"/>
+              </a:rPr>
+              <a:t>Is narrative disclosure more </a:t>
+            </a:r>
+            <a:r>
+              <a:rPr lang="en-US" sz="2800" dirty="0">
+                <a:highlight>
+                  <a:srgbClr val="FFFF00"/>
+                </a:highlight>
+                <a:latin typeface="+mn-lt"/>
+              </a:rPr>
+              <a:t>responsive</a:t>
+            </a:r>
+            <a:r>
+              <a:rPr lang="en-US" sz="2800" dirty="0">
+                <a:highlight>
+                  <a:srgbClr val="808000"/>
+                </a:highlight>
+                <a:latin typeface="+mn-lt"/>
+              </a:rPr>
+              <a:t> to bad news than good news? </a:t>
+            </a:r>
+          </a:p>
+        </p:txBody>
+      </p:sp>
+      <p:sp>
+        <p:nvSpPr>
+          <p:cNvPr id="4" name="Content Placeholder 2">
+            <a:extLst>
+              <a:ext uri="{FF2B5EF4-FFF2-40B4-BE49-F238E27FC236}">
+                <a16:creationId xmlns:a16="http://schemas.microsoft.com/office/drawing/2014/main" id="{4A15DF00-072F-4197-AEEB-B4C97DAA899F}"/>
+              </a:ext>
+            </a:extLst>
+          </p:cNvPr>
+          <p:cNvSpPr txBox="1">
+            <a:spLocks/>
+          </p:cNvSpPr>
+          <p:nvPr/>
+        </p:nvSpPr>
+        <p:spPr>
+          <a:xfrm>
+            <a:off x="8904849" y="607603"/>
+            <a:ext cx="1773878" cy="367378"/>
+          </a:xfrm>
+          <a:prstGeom prst="rect">
+            <a:avLst/>
+          </a:prstGeom>
+        </p:spPr>
+        <p:txBody>
+          <a:bodyPr vert="horz" lIns="91440" tIns="45720" rIns="91440" bIns="45720" rtlCol="0">
+            <a:normAutofit fontScale="85000" lnSpcReduction="20000"/>
+          </a:bodyPr>
+          <a:lstStyle>
+            <a:lvl1pPr marL="228600" indent="-228600" algn="l" defTabSz="914400" rtl="0" eaLnBrk="1" latinLnBrk="0" hangingPunct="1">
+              <a:lnSpc>
+                <a:spcPct val="90000"/>
+              </a:lnSpc>
+              <a:spcBef>
+                <a:spcPts val="1000"/>
+              </a:spcBef>
+              <a:buFont typeface="Arial" panose="020B0604020202020204" pitchFamily="34" charset="0"/>
+              <a:buChar char="•"/>
+              <a:defRPr sz="2800" kern="1200">
+                <a:solidFill>
+                  <a:schemeClr val="tx1"/>
+                </a:solidFill>
+                <a:latin typeface="+mn-lt"/>
+                <a:ea typeface="+mn-ea"/>
+                <a:cs typeface="+mn-cs"/>
+              </a:defRPr>
+            </a:lvl1pPr>
+            <a:lvl2pPr marL="685800" indent="-228600" algn="l" defTabSz="914400" rtl="0" eaLnBrk="1" latinLnBrk="0" hangingPunct="1">
+              <a:lnSpc>
+                <a:spcPct val="90000"/>
+              </a:lnSpc>
+              <a:spcBef>
+                <a:spcPts val="500"/>
+              </a:spcBef>
+              <a:buFont typeface="Arial" panose="020B0604020202020204" pitchFamily="34" charset="0"/>
+              <a:buChar char="•"/>
+              <a:defRPr sz="2400" kern="1200">
+                <a:solidFill>
+                  <a:schemeClr val="tx1"/>
+                </a:solidFill>
+                <a:latin typeface="+mn-lt"/>
+                <a:ea typeface="+mn-ea"/>
+                <a:cs typeface="+mn-cs"/>
+              </a:defRPr>
+            </a:lvl2pPr>
+            <a:lvl3pPr marL="1143000" indent="-228600" algn="l" defTabSz="914400" rtl="0" eaLnBrk="1" latinLnBrk="0" hangingPunct="1">
+              <a:lnSpc>
+                <a:spcPct val="90000"/>
+              </a:lnSpc>
+              <a:spcBef>
+                <a:spcPts val="500"/>
+              </a:spcBef>
+              <a:buFont typeface="Arial" panose="020B0604020202020204" pitchFamily="34" charset="0"/>
+              <a:buChar char="•"/>
+              <a:defRPr sz="2000" kern="1200">
+                <a:solidFill>
+                  <a:schemeClr val="tx1"/>
+                </a:solidFill>
+                <a:latin typeface="+mn-lt"/>
+                <a:ea typeface="+mn-ea"/>
+                <a:cs typeface="+mn-cs"/>
+              </a:defRPr>
+            </a:lvl3pPr>
+            <a:lvl4pPr marL="1600200" indent="-228600" algn="l" defTabSz="914400" rtl="0" eaLnBrk="1" latinLnBrk="0" hangingPunct="1">
+              <a:lnSpc>
+                <a:spcPct val="90000"/>
+              </a:lnSpc>
+              <a:spcBef>
+                <a:spcPts val="500"/>
+              </a:spcBef>
+              <a:buFont typeface="Arial" panose="020B0604020202020204" pitchFamily="34" charset="0"/>
+              <a:buChar char="•"/>
+              <a:defRPr sz="1800" kern="1200">
+                <a:solidFill>
+                  <a:schemeClr val="tx1"/>
+                </a:solidFill>
+                <a:latin typeface="+mn-lt"/>
+                <a:ea typeface="+mn-ea"/>
+                <a:cs typeface="+mn-cs"/>
+              </a:defRPr>
+            </a:lvl4pPr>
+            <a:lvl5pPr marL="2057400" indent="-228600" algn="l" defTabSz="914400" rtl="0" eaLnBrk="1" latinLnBrk="0" hangingPunct="1">
+              <a:lnSpc>
+                <a:spcPct val="90000"/>
+              </a:lnSpc>
+              <a:spcBef>
+                <a:spcPts val="500"/>
+              </a:spcBef>
+              <a:buFont typeface="Arial" panose="020B0604020202020204" pitchFamily="34" charset="0"/>
+              <a:buChar char="•"/>
+              <a:defRPr sz="1800" kern="1200">
+                <a:solidFill>
+                  <a:schemeClr val="tx1"/>
+                </a:solidFill>
+                <a:latin typeface="+mn-lt"/>
+                <a:ea typeface="+mn-ea"/>
+                <a:cs typeface="+mn-cs"/>
+              </a:defRPr>
+            </a:lvl5pPr>
+            <a:lvl6pPr marL="2514600" indent="-228600" algn="l" defTabSz="914400" rtl="0" eaLnBrk="1" latinLnBrk="0" hangingPunct="1">
+              <a:lnSpc>
+                <a:spcPct val="90000"/>
+              </a:lnSpc>
+              <a:spcBef>
+                <a:spcPts val="500"/>
+              </a:spcBef>
+              <a:buFont typeface="Arial" panose="020B0604020202020204" pitchFamily="34" charset="0"/>
+              <a:buChar char="•"/>
+              <a:defRPr sz="1800" kern="1200">
+                <a:solidFill>
+                  <a:schemeClr val="tx1"/>
+                </a:solidFill>
+                <a:latin typeface="+mn-lt"/>
+                <a:ea typeface="+mn-ea"/>
+                <a:cs typeface="+mn-cs"/>
+              </a:defRPr>
+            </a:lvl6pPr>
+            <a:lvl7pPr marL="2971800" indent="-228600" algn="l" defTabSz="914400" rtl="0" eaLnBrk="1" latinLnBrk="0" hangingPunct="1">
+              <a:lnSpc>
+                <a:spcPct val="90000"/>
+              </a:lnSpc>
+              <a:spcBef>
+                <a:spcPts val="500"/>
+              </a:spcBef>
+              <a:buFont typeface="Arial" panose="020B0604020202020204" pitchFamily="34" charset="0"/>
+              <a:buChar char="•"/>
+              <a:defRPr sz="1800" kern="1200">
+                <a:solidFill>
+                  <a:schemeClr val="tx1"/>
+                </a:solidFill>
+                <a:latin typeface="+mn-lt"/>
+                <a:ea typeface="+mn-ea"/>
+                <a:cs typeface="+mn-cs"/>
+              </a:defRPr>
+            </a:lvl7pPr>
+            <a:lvl8pPr marL="3429000" indent="-228600" algn="l" defTabSz="914400" rtl="0" eaLnBrk="1" latinLnBrk="0" hangingPunct="1">
+              <a:lnSpc>
+                <a:spcPct val="90000"/>
+              </a:lnSpc>
+              <a:spcBef>
+                <a:spcPts val="500"/>
+              </a:spcBef>
+              <a:buFont typeface="Arial" panose="020B0604020202020204" pitchFamily="34" charset="0"/>
+              <a:buChar char="•"/>
+              <a:defRPr sz="1800" kern="1200">
+                <a:solidFill>
+                  <a:schemeClr val="tx1"/>
+                </a:solidFill>
+                <a:latin typeface="+mn-lt"/>
+                <a:ea typeface="+mn-ea"/>
+                <a:cs typeface="+mn-cs"/>
+              </a:defRPr>
+            </a:lvl8pPr>
+            <a:lvl9pPr marL="3886200" indent="-228600" algn="l" defTabSz="914400" rtl="0" eaLnBrk="1" latinLnBrk="0" hangingPunct="1">
+              <a:lnSpc>
+                <a:spcPct val="90000"/>
+              </a:lnSpc>
+              <a:spcBef>
+                <a:spcPts val="500"/>
+              </a:spcBef>
+              <a:buFont typeface="Arial" panose="020B0604020202020204" pitchFamily="34" charset="0"/>
+              <a:buChar char="•"/>
+              <a:defRPr sz="1800" kern="1200">
+                <a:solidFill>
+                  <a:schemeClr val="tx1"/>
+                </a:solidFill>
+                <a:latin typeface="+mn-lt"/>
+                <a:ea typeface="+mn-ea"/>
+                <a:cs typeface="+mn-cs"/>
+              </a:defRPr>
+            </a:lvl9pPr>
+          </a:lstStyle>
+          <a:p>
+            <a:r>
+              <a:rPr lang="en-US" dirty="0"/>
+              <a:t>Timeliness</a:t>
+            </a:r>
+          </a:p>
+        </p:txBody>
+      </p:sp>
+      <p:sp>
+        <p:nvSpPr>
+          <p:cNvPr id="5" name="Content Placeholder 2">
+            <a:extLst>
+              <a:ext uri="{FF2B5EF4-FFF2-40B4-BE49-F238E27FC236}">
+                <a16:creationId xmlns:a16="http://schemas.microsoft.com/office/drawing/2014/main" id="{9D24AA09-07E1-46D6-9CE9-25F099D1DD55}"/>
+              </a:ext>
+            </a:extLst>
+          </p:cNvPr>
+          <p:cNvSpPr txBox="1">
+            <a:spLocks/>
+          </p:cNvSpPr>
+          <p:nvPr/>
+        </p:nvSpPr>
+        <p:spPr>
+          <a:xfrm>
+            <a:off x="2724520" y="899561"/>
+            <a:ext cx="1903519" cy="447058"/>
+          </a:xfrm>
+          <a:prstGeom prst="rect">
+            <a:avLst/>
+          </a:prstGeom>
+        </p:spPr>
+        <p:txBody>
+          <a:bodyPr vert="horz" lIns="91440" tIns="45720" rIns="91440" bIns="45720" rtlCol="0">
+            <a:normAutofit/>
+          </a:bodyPr>
+          <a:lstStyle>
+            <a:lvl1pPr marL="228600" indent="-228600" algn="l" defTabSz="914400" rtl="0" eaLnBrk="1" latinLnBrk="0" hangingPunct="1">
+              <a:lnSpc>
+                <a:spcPct val="90000"/>
+              </a:lnSpc>
+              <a:spcBef>
+                <a:spcPts val="1000"/>
+              </a:spcBef>
+              <a:buFont typeface="Arial" panose="020B0604020202020204" pitchFamily="34" charset="0"/>
+              <a:buChar char="•"/>
+              <a:defRPr sz="2800" kern="1200">
+                <a:solidFill>
+                  <a:schemeClr val="tx1"/>
+                </a:solidFill>
+                <a:latin typeface="+mn-lt"/>
+                <a:ea typeface="+mn-ea"/>
+                <a:cs typeface="+mn-cs"/>
+              </a:defRPr>
+            </a:lvl1pPr>
+            <a:lvl2pPr marL="685800" indent="-228600" algn="l" defTabSz="914400" rtl="0" eaLnBrk="1" latinLnBrk="0" hangingPunct="1">
+              <a:lnSpc>
+                <a:spcPct val="90000"/>
+              </a:lnSpc>
+              <a:spcBef>
+                <a:spcPts val="500"/>
+              </a:spcBef>
+              <a:buFont typeface="Arial" panose="020B0604020202020204" pitchFamily="34" charset="0"/>
+              <a:buChar char="•"/>
+              <a:defRPr sz="2400" kern="1200">
+                <a:solidFill>
+                  <a:schemeClr val="tx1"/>
+                </a:solidFill>
+                <a:latin typeface="+mn-lt"/>
+                <a:ea typeface="+mn-ea"/>
+                <a:cs typeface="+mn-cs"/>
+              </a:defRPr>
+            </a:lvl2pPr>
+            <a:lvl3pPr marL="1143000" indent="-228600" algn="l" defTabSz="914400" rtl="0" eaLnBrk="1" latinLnBrk="0" hangingPunct="1">
+              <a:lnSpc>
+                <a:spcPct val="90000"/>
+              </a:lnSpc>
+              <a:spcBef>
+                <a:spcPts val="500"/>
+              </a:spcBef>
+              <a:buFont typeface="Arial" panose="020B0604020202020204" pitchFamily="34" charset="0"/>
+              <a:buChar char="•"/>
+              <a:defRPr sz="2000" kern="1200">
+                <a:solidFill>
+                  <a:schemeClr val="tx1"/>
+                </a:solidFill>
+                <a:latin typeface="+mn-lt"/>
+                <a:ea typeface="+mn-ea"/>
+                <a:cs typeface="+mn-cs"/>
+              </a:defRPr>
+            </a:lvl3pPr>
+            <a:lvl4pPr marL="1600200" indent="-228600" algn="l" defTabSz="914400" rtl="0" eaLnBrk="1" latinLnBrk="0" hangingPunct="1">
+              <a:lnSpc>
+                <a:spcPct val="90000"/>
+              </a:lnSpc>
+              <a:spcBef>
+                <a:spcPts val="500"/>
+              </a:spcBef>
+              <a:buFont typeface="Arial" panose="020B0604020202020204" pitchFamily="34" charset="0"/>
+              <a:buChar char="•"/>
+              <a:defRPr sz="1800" kern="1200">
+                <a:solidFill>
+                  <a:schemeClr val="tx1"/>
+                </a:solidFill>
+                <a:latin typeface="+mn-lt"/>
+                <a:ea typeface="+mn-ea"/>
+                <a:cs typeface="+mn-cs"/>
+              </a:defRPr>
+            </a:lvl4pPr>
+            <a:lvl5pPr marL="2057400" indent="-228600" algn="l" defTabSz="914400" rtl="0" eaLnBrk="1" latinLnBrk="0" hangingPunct="1">
+              <a:lnSpc>
+                <a:spcPct val="90000"/>
+              </a:lnSpc>
+              <a:spcBef>
+                <a:spcPts val="500"/>
+              </a:spcBef>
+              <a:buFont typeface="Arial" panose="020B0604020202020204" pitchFamily="34" charset="0"/>
+              <a:buChar char="•"/>
+              <a:defRPr sz="1800" kern="1200">
+                <a:solidFill>
+                  <a:schemeClr val="tx1"/>
+                </a:solidFill>
+                <a:latin typeface="+mn-lt"/>
+                <a:ea typeface="+mn-ea"/>
+                <a:cs typeface="+mn-cs"/>
+              </a:defRPr>
+            </a:lvl5pPr>
+            <a:lvl6pPr marL="2514600" indent="-228600" algn="l" defTabSz="914400" rtl="0" eaLnBrk="1" latinLnBrk="0" hangingPunct="1">
+              <a:lnSpc>
+                <a:spcPct val="90000"/>
+              </a:lnSpc>
+              <a:spcBef>
+                <a:spcPts val="500"/>
+              </a:spcBef>
+              <a:buFont typeface="Arial" panose="020B0604020202020204" pitchFamily="34" charset="0"/>
+              <a:buChar char="•"/>
+              <a:defRPr sz="1800" kern="1200">
+                <a:solidFill>
+                  <a:schemeClr val="tx1"/>
+                </a:solidFill>
+                <a:latin typeface="+mn-lt"/>
+                <a:ea typeface="+mn-ea"/>
+                <a:cs typeface="+mn-cs"/>
+              </a:defRPr>
+            </a:lvl6pPr>
+            <a:lvl7pPr marL="2971800" indent="-228600" algn="l" defTabSz="914400" rtl="0" eaLnBrk="1" latinLnBrk="0" hangingPunct="1">
+              <a:lnSpc>
+                <a:spcPct val="90000"/>
+              </a:lnSpc>
+              <a:spcBef>
+                <a:spcPts val="500"/>
+              </a:spcBef>
+              <a:buFont typeface="Arial" panose="020B0604020202020204" pitchFamily="34" charset="0"/>
+              <a:buChar char="•"/>
+              <a:defRPr sz="1800" kern="1200">
+                <a:solidFill>
+                  <a:schemeClr val="tx1"/>
+                </a:solidFill>
+                <a:latin typeface="+mn-lt"/>
+                <a:ea typeface="+mn-ea"/>
+                <a:cs typeface="+mn-cs"/>
+              </a:defRPr>
+            </a:lvl7pPr>
+            <a:lvl8pPr marL="3429000" indent="-228600" algn="l" defTabSz="914400" rtl="0" eaLnBrk="1" latinLnBrk="0" hangingPunct="1">
+              <a:lnSpc>
+                <a:spcPct val="90000"/>
+              </a:lnSpc>
+              <a:spcBef>
+                <a:spcPts val="500"/>
+              </a:spcBef>
+              <a:buFont typeface="Arial" panose="020B0604020202020204" pitchFamily="34" charset="0"/>
+              <a:buChar char="•"/>
+              <a:defRPr sz="1800" kern="1200">
+                <a:solidFill>
+                  <a:schemeClr val="tx1"/>
+                </a:solidFill>
+                <a:latin typeface="+mn-lt"/>
+                <a:ea typeface="+mn-ea"/>
+                <a:cs typeface="+mn-cs"/>
+              </a:defRPr>
+            </a:lvl8pPr>
+            <a:lvl9pPr marL="3886200" indent="-228600" algn="l" defTabSz="914400" rtl="0" eaLnBrk="1" latinLnBrk="0" hangingPunct="1">
+              <a:lnSpc>
+                <a:spcPct val="90000"/>
+              </a:lnSpc>
+              <a:spcBef>
+                <a:spcPts val="500"/>
+              </a:spcBef>
+              <a:buFont typeface="Arial" panose="020B0604020202020204" pitchFamily="34" charset="0"/>
+              <a:buChar char="•"/>
+              <a:defRPr sz="1800" kern="1200">
+                <a:solidFill>
+                  <a:schemeClr val="tx1"/>
+                </a:solidFill>
+                <a:latin typeface="+mn-lt"/>
+                <a:ea typeface="+mn-ea"/>
+                <a:cs typeface="+mn-cs"/>
+              </a:defRPr>
+            </a:lvl9pPr>
+          </a:lstStyle>
+          <a:p>
+            <a:r>
+              <a:rPr lang="en-US" sz="2000" dirty="0"/>
+              <a:t>Quantity</a:t>
+            </a:r>
+          </a:p>
+        </p:txBody>
+      </p:sp>
+      <p:sp>
+        <p:nvSpPr>
+          <p:cNvPr id="11" name="Content Placeholder 2">
+            <a:extLst>
+              <a:ext uri="{FF2B5EF4-FFF2-40B4-BE49-F238E27FC236}">
+                <a16:creationId xmlns:a16="http://schemas.microsoft.com/office/drawing/2014/main" id="{F7CEDDA2-B0B5-4C4E-BE5A-C8901F180043}"/>
+              </a:ext>
+            </a:extLst>
+          </p:cNvPr>
+          <p:cNvSpPr txBox="1">
+            <a:spLocks/>
+          </p:cNvSpPr>
+          <p:nvPr/>
+        </p:nvSpPr>
+        <p:spPr>
+          <a:xfrm>
+            <a:off x="8355543" y="1375023"/>
+            <a:ext cx="3175614" cy="709204"/>
+          </a:xfrm>
+          <a:prstGeom prst="rect">
+            <a:avLst/>
+          </a:prstGeom>
+        </p:spPr>
+        <p:txBody>
+          <a:bodyPr vert="horz" lIns="91440" tIns="45720" rIns="91440" bIns="45720" rtlCol="0">
+            <a:normAutofit fontScale="62500" lnSpcReduction="20000"/>
+          </a:bodyPr>
+          <a:lstStyle>
+            <a:lvl1pPr marL="228600" indent="-228600" algn="l" defTabSz="914400" rtl="0" eaLnBrk="1" latinLnBrk="0" hangingPunct="1">
+              <a:lnSpc>
+                <a:spcPct val="90000"/>
+              </a:lnSpc>
+              <a:spcBef>
+                <a:spcPts val="1000"/>
+              </a:spcBef>
+              <a:buFont typeface="Arial" panose="020B0604020202020204" pitchFamily="34" charset="0"/>
+              <a:buChar char="•"/>
+              <a:defRPr sz="2800" kern="1200">
+                <a:solidFill>
+                  <a:schemeClr val="tx1"/>
+                </a:solidFill>
+                <a:latin typeface="+mn-lt"/>
+                <a:ea typeface="+mn-ea"/>
+                <a:cs typeface="+mn-cs"/>
+              </a:defRPr>
+            </a:lvl1pPr>
+            <a:lvl2pPr marL="685800" indent="-228600" algn="l" defTabSz="914400" rtl="0" eaLnBrk="1" latinLnBrk="0" hangingPunct="1">
+              <a:lnSpc>
+                <a:spcPct val="90000"/>
+              </a:lnSpc>
+              <a:spcBef>
+                <a:spcPts val="500"/>
+              </a:spcBef>
+              <a:buFont typeface="Arial" panose="020B0604020202020204" pitchFamily="34" charset="0"/>
+              <a:buChar char="•"/>
+              <a:defRPr sz="2400" kern="1200">
+                <a:solidFill>
+                  <a:schemeClr val="tx1"/>
+                </a:solidFill>
+                <a:latin typeface="+mn-lt"/>
+                <a:ea typeface="+mn-ea"/>
+                <a:cs typeface="+mn-cs"/>
+              </a:defRPr>
+            </a:lvl2pPr>
+            <a:lvl3pPr marL="1143000" indent="-228600" algn="l" defTabSz="914400" rtl="0" eaLnBrk="1" latinLnBrk="0" hangingPunct="1">
+              <a:lnSpc>
+                <a:spcPct val="90000"/>
+              </a:lnSpc>
+              <a:spcBef>
+                <a:spcPts val="500"/>
+              </a:spcBef>
+              <a:buFont typeface="Arial" panose="020B0604020202020204" pitchFamily="34" charset="0"/>
+              <a:buChar char="•"/>
+              <a:defRPr sz="2000" kern="1200">
+                <a:solidFill>
+                  <a:schemeClr val="tx1"/>
+                </a:solidFill>
+                <a:latin typeface="+mn-lt"/>
+                <a:ea typeface="+mn-ea"/>
+                <a:cs typeface="+mn-cs"/>
+              </a:defRPr>
+            </a:lvl3pPr>
+            <a:lvl4pPr marL="1600200" indent="-228600" algn="l" defTabSz="914400" rtl="0" eaLnBrk="1" latinLnBrk="0" hangingPunct="1">
+              <a:lnSpc>
+                <a:spcPct val="90000"/>
+              </a:lnSpc>
+              <a:spcBef>
+                <a:spcPts val="500"/>
+              </a:spcBef>
+              <a:buFont typeface="Arial" panose="020B0604020202020204" pitchFamily="34" charset="0"/>
+              <a:buChar char="•"/>
+              <a:defRPr sz="1800" kern="1200">
+                <a:solidFill>
+                  <a:schemeClr val="tx1"/>
+                </a:solidFill>
+                <a:latin typeface="+mn-lt"/>
+                <a:ea typeface="+mn-ea"/>
+                <a:cs typeface="+mn-cs"/>
+              </a:defRPr>
+            </a:lvl4pPr>
+            <a:lvl5pPr marL="2057400" indent="-228600" algn="l" defTabSz="914400" rtl="0" eaLnBrk="1" latinLnBrk="0" hangingPunct="1">
+              <a:lnSpc>
+                <a:spcPct val="90000"/>
+              </a:lnSpc>
+              <a:spcBef>
+                <a:spcPts val="500"/>
+              </a:spcBef>
+              <a:buFont typeface="Arial" panose="020B0604020202020204" pitchFamily="34" charset="0"/>
+              <a:buChar char="•"/>
+              <a:defRPr sz="1800" kern="1200">
+                <a:solidFill>
+                  <a:schemeClr val="tx1"/>
+                </a:solidFill>
+                <a:latin typeface="+mn-lt"/>
+                <a:ea typeface="+mn-ea"/>
+                <a:cs typeface="+mn-cs"/>
+              </a:defRPr>
+            </a:lvl5pPr>
+            <a:lvl6pPr marL="2514600" indent="-228600" algn="l" defTabSz="914400" rtl="0" eaLnBrk="1" latinLnBrk="0" hangingPunct="1">
+              <a:lnSpc>
+                <a:spcPct val="90000"/>
+              </a:lnSpc>
+              <a:spcBef>
+                <a:spcPts val="500"/>
+              </a:spcBef>
+              <a:buFont typeface="Arial" panose="020B0604020202020204" pitchFamily="34" charset="0"/>
+              <a:buChar char="•"/>
+              <a:defRPr sz="1800" kern="1200">
+                <a:solidFill>
+                  <a:schemeClr val="tx1"/>
+                </a:solidFill>
+                <a:latin typeface="+mn-lt"/>
+                <a:ea typeface="+mn-ea"/>
+                <a:cs typeface="+mn-cs"/>
+              </a:defRPr>
+            </a:lvl6pPr>
+            <a:lvl7pPr marL="2971800" indent="-228600" algn="l" defTabSz="914400" rtl="0" eaLnBrk="1" latinLnBrk="0" hangingPunct="1">
+              <a:lnSpc>
+                <a:spcPct val="90000"/>
+              </a:lnSpc>
+              <a:spcBef>
+                <a:spcPts val="500"/>
+              </a:spcBef>
+              <a:buFont typeface="Arial" panose="020B0604020202020204" pitchFamily="34" charset="0"/>
+              <a:buChar char="•"/>
+              <a:defRPr sz="1800" kern="1200">
+                <a:solidFill>
+                  <a:schemeClr val="tx1"/>
+                </a:solidFill>
+                <a:latin typeface="+mn-lt"/>
+                <a:ea typeface="+mn-ea"/>
+                <a:cs typeface="+mn-cs"/>
+              </a:defRPr>
+            </a:lvl7pPr>
+            <a:lvl8pPr marL="3429000" indent="-228600" algn="l" defTabSz="914400" rtl="0" eaLnBrk="1" latinLnBrk="0" hangingPunct="1">
+              <a:lnSpc>
+                <a:spcPct val="90000"/>
+              </a:lnSpc>
+              <a:spcBef>
+                <a:spcPts val="500"/>
+              </a:spcBef>
+              <a:buFont typeface="Arial" panose="020B0604020202020204" pitchFamily="34" charset="0"/>
+              <a:buChar char="•"/>
+              <a:defRPr sz="1800" kern="1200">
+                <a:solidFill>
+                  <a:schemeClr val="tx1"/>
+                </a:solidFill>
+                <a:latin typeface="+mn-lt"/>
+                <a:ea typeface="+mn-ea"/>
+                <a:cs typeface="+mn-cs"/>
+              </a:defRPr>
+            </a:lvl8pPr>
+            <a:lvl9pPr marL="3886200" indent="-228600" algn="l" defTabSz="914400" rtl="0" eaLnBrk="1" latinLnBrk="0" hangingPunct="1">
+              <a:lnSpc>
+                <a:spcPct val="90000"/>
+              </a:lnSpc>
+              <a:spcBef>
+                <a:spcPts val="500"/>
+              </a:spcBef>
+              <a:buFont typeface="Arial" panose="020B0604020202020204" pitchFamily="34" charset="0"/>
+              <a:buChar char="•"/>
+              <a:defRPr sz="1800" kern="1200">
+                <a:solidFill>
+                  <a:schemeClr val="tx1"/>
+                </a:solidFill>
+                <a:latin typeface="+mn-lt"/>
+                <a:ea typeface="+mn-ea"/>
+                <a:cs typeface="+mn-cs"/>
+              </a:defRPr>
+            </a:lvl9pPr>
+          </a:lstStyle>
+          <a:p>
+            <a:r>
+              <a:rPr lang="en-US" dirty="0"/>
+              <a:t>TLAG: Time lag between the news release date and document filing date</a:t>
+            </a:r>
+          </a:p>
+        </p:txBody>
+      </p:sp>
+      <p:sp>
+        <p:nvSpPr>
+          <p:cNvPr id="12" name="Content Placeholder 2">
+            <a:extLst>
+              <a:ext uri="{FF2B5EF4-FFF2-40B4-BE49-F238E27FC236}">
+                <a16:creationId xmlns:a16="http://schemas.microsoft.com/office/drawing/2014/main" id="{E61090EA-359A-4780-9EAB-51C0A1F2144F}"/>
+              </a:ext>
+            </a:extLst>
+          </p:cNvPr>
+          <p:cNvSpPr txBox="1">
+            <a:spLocks/>
+          </p:cNvSpPr>
+          <p:nvPr/>
+        </p:nvSpPr>
+        <p:spPr>
+          <a:xfrm>
+            <a:off x="2004315" y="1358233"/>
+            <a:ext cx="3175614" cy="620250"/>
+          </a:xfrm>
+          <a:prstGeom prst="rect">
+            <a:avLst/>
+          </a:prstGeom>
+        </p:spPr>
+        <p:txBody>
+          <a:bodyPr vert="horz" lIns="91440" tIns="45720" rIns="91440" bIns="45720" rtlCol="0">
+            <a:normAutofit/>
+          </a:bodyPr>
+          <a:lstStyle>
+            <a:lvl1pPr marL="228600" indent="-228600" algn="l" defTabSz="914400" rtl="0" eaLnBrk="1" latinLnBrk="0" hangingPunct="1">
+              <a:lnSpc>
+                <a:spcPct val="90000"/>
+              </a:lnSpc>
+              <a:spcBef>
+                <a:spcPts val="1000"/>
+              </a:spcBef>
+              <a:buFont typeface="Arial" panose="020B0604020202020204" pitchFamily="34" charset="0"/>
+              <a:buChar char="•"/>
+              <a:defRPr sz="2800" kern="1200">
+                <a:solidFill>
+                  <a:schemeClr val="tx1"/>
+                </a:solidFill>
+                <a:latin typeface="+mn-lt"/>
+                <a:ea typeface="+mn-ea"/>
+                <a:cs typeface="+mn-cs"/>
+              </a:defRPr>
+            </a:lvl1pPr>
+            <a:lvl2pPr marL="685800" indent="-228600" algn="l" defTabSz="914400" rtl="0" eaLnBrk="1" latinLnBrk="0" hangingPunct="1">
+              <a:lnSpc>
+                <a:spcPct val="90000"/>
+              </a:lnSpc>
+              <a:spcBef>
+                <a:spcPts val="500"/>
+              </a:spcBef>
+              <a:buFont typeface="Arial" panose="020B0604020202020204" pitchFamily="34" charset="0"/>
+              <a:buChar char="•"/>
+              <a:defRPr sz="2400" kern="1200">
+                <a:solidFill>
+                  <a:schemeClr val="tx1"/>
+                </a:solidFill>
+                <a:latin typeface="+mn-lt"/>
+                <a:ea typeface="+mn-ea"/>
+                <a:cs typeface="+mn-cs"/>
+              </a:defRPr>
+            </a:lvl2pPr>
+            <a:lvl3pPr marL="1143000" indent="-228600" algn="l" defTabSz="914400" rtl="0" eaLnBrk="1" latinLnBrk="0" hangingPunct="1">
+              <a:lnSpc>
+                <a:spcPct val="90000"/>
+              </a:lnSpc>
+              <a:spcBef>
+                <a:spcPts val="500"/>
+              </a:spcBef>
+              <a:buFont typeface="Arial" panose="020B0604020202020204" pitchFamily="34" charset="0"/>
+              <a:buChar char="•"/>
+              <a:defRPr sz="2000" kern="1200">
+                <a:solidFill>
+                  <a:schemeClr val="tx1"/>
+                </a:solidFill>
+                <a:latin typeface="+mn-lt"/>
+                <a:ea typeface="+mn-ea"/>
+                <a:cs typeface="+mn-cs"/>
+              </a:defRPr>
+            </a:lvl3pPr>
+            <a:lvl4pPr marL="1600200" indent="-228600" algn="l" defTabSz="914400" rtl="0" eaLnBrk="1" latinLnBrk="0" hangingPunct="1">
+              <a:lnSpc>
+                <a:spcPct val="90000"/>
+              </a:lnSpc>
+              <a:spcBef>
+                <a:spcPts val="500"/>
+              </a:spcBef>
+              <a:buFont typeface="Arial" panose="020B0604020202020204" pitchFamily="34" charset="0"/>
+              <a:buChar char="•"/>
+              <a:defRPr sz="1800" kern="1200">
+                <a:solidFill>
+                  <a:schemeClr val="tx1"/>
+                </a:solidFill>
+                <a:latin typeface="+mn-lt"/>
+                <a:ea typeface="+mn-ea"/>
+                <a:cs typeface="+mn-cs"/>
+              </a:defRPr>
+            </a:lvl4pPr>
+            <a:lvl5pPr marL="2057400" indent="-228600" algn="l" defTabSz="914400" rtl="0" eaLnBrk="1" latinLnBrk="0" hangingPunct="1">
+              <a:lnSpc>
+                <a:spcPct val="90000"/>
+              </a:lnSpc>
+              <a:spcBef>
+                <a:spcPts val="500"/>
+              </a:spcBef>
+              <a:buFont typeface="Arial" panose="020B0604020202020204" pitchFamily="34" charset="0"/>
+              <a:buChar char="•"/>
+              <a:defRPr sz="1800" kern="1200">
+                <a:solidFill>
+                  <a:schemeClr val="tx1"/>
+                </a:solidFill>
+                <a:latin typeface="+mn-lt"/>
+                <a:ea typeface="+mn-ea"/>
+                <a:cs typeface="+mn-cs"/>
+              </a:defRPr>
+            </a:lvl5pPr>
+            <a:lvl6pPr marL="2514600" indent="-228600" algn="l" defTabSz="914400" rtl="0" eaLnBrk="1" latinLnBrk="0" hangingPunct="1">
+              <a:lnSpc>
+                <a:spcPct val="90000"/>
+              </a:lnSpc>
+              <a:spcBef>
+                <a:spcPts val="500"/>
+              </a:spcBef>
+              <a:buFont typeface="Arial" panose="020B0604020202020204" pitchFamily="34" charset="0"/>
+              <a:buChar char="•"/>
+              <a:defRPr sz="1800" kern="1200">
+                <a:solidFill>
+                  <a:schemeClr val="tx1"/>
+                </a:solidFill>
+                <a:latin typeface="+mn-lt"/>
+                <a:ea typeface="+mn-ea"/>
+                <a:cs typeface="+mn-cs"/>
+              </a:defRPr>
+            </a:lvl6pPr>
+            <a:lvl7pPr marL="2971800" indent="-228600" algn="l" defTabSz="914400" rtl="0" eaLnBrk="1" latinLnBrk="0" hangingPunct="1">
+              <a:lnSpc>
+                <a:spcPct val="90000"/>
+              </a:lnSpc>
+              <a:spcBef>
+                <a:spcPts val="500"/>
+              </a:spcBef>
+              <a:buFont typeface="Arial" panose="020B0604020202020204" pitchFamily="34" charset="0"/>
+              <a:buChar char="•"/>
+              <a:defRPr sz="1800" kern="1200">
+                <a:solidFill>
+                  <a:schemeClr val="tx1"/>
+                </a:solidFill>
+                <a:latin typeface="+mn-lt"/>
+                <a:ea typeface="+mn-ea"/>
+                <a:cs typeface="+mn-cs"/>
+              </a:defRPr>
+            </a:lvl7pPr>
+            <a:lvl8pPr marL="3429000" indent="-228600" algn="l" defTabSz="914400" rtl="0" eaLnBrk="1" latinLnBrk="0" hangingPunct="1">
+              <a:lnSpc>
+                <a:spcPct val="90000"/>
+              </a:lnSpc>
+              <a:spcBef>
+                <a:spcPts val="500"/>
+              </a:spcBef>
+              <a:buFont typeface="Arial" panose="020B0604020202020204" pitchFamily="34" charset="0"/>
+              <a:buChar char="•"/>
+              <a:defRPr sz="1800" kern="1200">
+                <a:solidFill>
+                  <a:schemeClr val="tx1"/>
+                </a:solidFill>
+                <a:latin typeface="+mn-lt"/>
+                <a:ea typeface="+mn-ea"/>
+                <a:cs typeface="+mn-cs"/>
+              </a:defRPr>
+            </a:lvl8pPr>
+            <a:lvl9pPr marL="3886200" indent="-228600" algn="l" defTabSz="914400" rtl="0" eaLnBrk="1" latinLnBrk="0" hangingPunct="1">
+              <a:lnSpc>
+                <a:spcPct val="90000"/>
+              </a:lnSpc>
+              <a:spcBef>
+                <a:spcPts val="500"/>
+              </a:spcBef>
+              <a:buFont typeface="Arial" panose="020B0604020202020204" pitchFamily="34" charset="0"/>
+              <a:buChar char="•"/>
+              <a:defRPr sz="1800" kern="1200">
+                <a:solidFill>
+                  <a:schemeClr val="tx1"/>
+                </a:solidFill>
+                <a:latin typeface="+mn-lt"/>
+                <a:ea typeface="+mn-ea"/>
+                <a:cs typeface="+mn-cs"/>
+              </a:defRPr>
+            </a:lvl9pPr>
+          </a:lstStyle>
+          <a:p>
+            <a:r>
+              <a:rPr lang="en-US" sz="1800" dirty="0"/>
+              <a:t>NW: Total number of words in the document</a:t>
+            </a:r>
+          </a:p>
+        </p:txBody>
+      </p:sp>
+      <p:sp>
+        <p:nvSpPr>
+          <p:cNvPr id="13" name="Content Placeholder 2">
+            <a:extLst>
+              <a:ext uri="{FF2B5EF4-FFF2-40B4-BE49-F238E27FC236}">
+                <a16:creationId xmlns:a16="http://schemas.microsoft.com/office/drawing/2014/main" id="{1B38BFC5-54F6-42CE-91A8-9684313C295F}"/>
+              </a:ext>
+            </a:extLst>
+          </p:cNvPr>
+          <p:cNvSpPr txBox="1">
+            <a:spLocks/>
+          </p:cNvSpPr>
+          <p:nvPr/>
+        </p:nvSpPr>
+        <p:spPr>
+          <a:xfrm>
+            <a:off x="5179929" y="1343667"/>
+            <a:ext cx="3175614" cy="405644"/>
+          </a:xfrm>
+          <a:prstGeom prst="rect">
+            <a:avLst/>
+          </a:prstGeom>
+        </p:spPr>
+        <p:txBody>
+          <a:bodyPr vert="horz" lIns="91440" tIns="45720" rIns="91440" bIns="45720" rtlCol="0">
+            <a:normAutofit/>
+          </a:bodyPr>
+          <a:lstStyle>
+            <a:lvl1pPr marL="228600" indent="-228600" algn="l" defTabSz="914400" rtl="0" eaLnBrk="1" latinLnBrk="0" hangingPunct="1">
+              <a:lnSpc>
+                <a:spcPct val="90000"/>
+              </a:lnSpc>
+              <a:spcBef>
+                <a:spcPts val="1000"/>
+              </a:spcBef>
+              <a:buFont typeface="Arial" panose="020B0604020202020204" pitchFamily="34" charset="0"/>
+              <a:buChar char="•"/>
+              <a:defRPr sz="2800" kern="1200">
+                <a:solidFill>
+                  <a:schemeClr val="tx1"/>
+                </a:solidFill>
+                <a:latin typeface="+mn-lt"/>
+                <a:ea typeface="+mn-ea"/>
+                <a:cs typeface="+mn-cs"/>
+              </a:defRPr>
+            </a:lvl1pPr>
+            <a:lvl2pPr marL="685800" indent="-228600" algn="l" defTabSz="914400" rtl="0" eaLnBrk="1" latinLnBrk="0" hangingPunct="1">
+              <a:lnSpc>
+                <a:spcPct val="90000"/>
+              </a:lnSpc>
+              <a:spcBef>
+                <a:spcPts val="500"/>
+              </a:spcBef>
+              <a:buFont typeface="Arial" panose="020B0604020202020204" pitchFamily="34" charset="0"/>
+              <a:buChar char="•"/>
+              <a:defRPr sz="2400" kern="1200">
+                <a:solidFill>
+                  <a:schemeClr val="tx1"/>
+                </a:solidFill>
+                <a:latin typeface="+mn-lt"/>
+                <a:ea typeface="+mn-ea"/>
+                <a:cs typeface="+mn-cs"/>
+              </a:defRPr>
+            </a:lvl2pPr>
+            <a:lvl3pPr marL="1143000" indent="-228600" algn="l" defTabSz="914400" rtl="0" eaLnBrk="1" latinLnBrk="0" hangingPunct="1">
+              <a:lnSpc>
+                <a:spcPct val="90000"/>
+              </a:lnSpc>
+              <a:spcBef>
+                <a:spcPts val="500"/>
+              </a:spcBef>
+              <a:buFont typeface="Arial" panose="020B0604020202020204" pitchFamily="34" charset="0"/>
+              <a:buChar char="•"/>
+              <a:defRPr sz="2000" kern="1200">
+                <a:solidFill>
+                  <a:schemeClr val="tx1"/>
+                </a:solidFill>
+                <a:latin typeface="+mn-lt"/>
+                <a:ea typeface="+mn-ea"/>
+                <a:cs typeface="+mn-cs"/>
+              </a:defRPr>
+            </a:lvl3pPr>
+            <a:lvl4pPr marL="1600200" indent="-228600" algn="l" defTabSz="914400" rtl="0" eaLnBrk="1" latinLnBrk="0" hangingPunct="1">
+              <a:lnSpc>
+                <a:spcPct val="90000"/>
+              </a:lnSpc>
+              <a:spcBef>
+                <a:spcPts val="500"/>
+              </a:spcBef>
+              <a:buFont typeface="Arial" panose="020B0604020202020204" pitchFamily="34" charset="0"/>
+              <a:buChar char="•"/>
+              <a:defRPr sz="1800" kern="1200">
+                <a:solidFill>
+                  <a:schemeClr val="tx1"/>
+                </a:solidFill>
+                <a:latin typeface="+mn-lt"/>
+                <a:ea typeface="+mn-ea"/>
+                <a:cs typeface="+mn-cs"/>
+              </a:defRPr>
+            </a:lvl4pPr>
+            <a:lvl5pPr marL="2057400" indent="-228600" algn="l" defTabSz="914400" rtl="0" eaLnBrk="1" latinLnBrk="0" hangingPunct="1">
+              <a:lnSpc>
+                <a:spcPct val="90000"/>
+              </a:lnSpc>
+              <a:spcBef>
+                <a:spcPts val="500"/>
+              </a:spcBef>
+              <a:buFont typeface="Arial" panose="020B0604020202020204" pitchFamily="34" charset="0"/>
+              <a:buChar char="•"/>
+              <a:defRPr sz="1800" kern="1200">
+                <a:solidFill>
+                  <a:schemeClr val="tx1"/>
+                </a:solidFill>
+                <a:latin typeface="+mn-lt"/>
+                <a:ea typeface="+mn-ea"/>
+                <a:cs typeface="+mn-cs"/>
+              </a:defRPr>
+            </a:lvl5pPr>
+            <a:lvl6pPr marL="2514600" indent="-228600" algn="l" defTabSz="914400" rtl="0" eaLnBrk="1" latinLnBrk="0" hangingPunct="1">
+              <a:lnSpc>
+                <a:spcPct val="90000"/>
+              </a:lnSpc>
+              <a:spcBef>
+                <a:spcPts val="500"/>
+              </a:spcBef>
+              <a:buFont typeface="Arial" panose="020B0604020202020204" pitchFamily="34" charset="0"/>
+              <a:buChar char="•"/>
+              <a:defRPr sz="1800" kern="1200">
+                <a:solidFill>
+                  <a:schemeClr val="tx1"/>
+                </a:solidFill>
+                <a:latin typeface="+mn-lt"/>
+                <a:ea typeface="+mn-ea"/>
+                <a:cs typeface="+mn-cs"/>
+              </a:defRPr>
+            </a:lvl6pPr>
+            <a:lvl7pPr marL="2971800" indent="-228600" algn="l" defTabSz="914400" rtl="0" eaLnBrk="1" latinLnBrk="0" hangingPunct="1">
+              <a:lnSpc>
+                <a:spcPct val="90000"/>
+              </a:lnSpc>
+              <a:spcBef>
+                <a:spcPts val="500"/>
+              </a:spcBef>
+              <a:buFont typeface="Arial" panose="020B0604020202020204" pitchFamily="34" charset="0"/>
+              <a:buChar char="•"/>
+              <a:defRPr sz="1800" kern="1200">
+                <a:solidFill>
+                  <a:schemeClr val="tx1"/>
+                </a:solidFill>
+                <a:latin typeface="+mn-lt"/>
+                <a:ea typeface="+mn-ea"/>
+                <a:cs typeface="+mn-cs"/>
+              </a:defRPr>
+            </a:lvl7pPr>
+            <a:lvl8pPr marL="3429000" indent="-228600" algn="l" defTabSz="914400" rtl="0" eaLnBrk="1" latinLnBrk="0" hangingPunct="1">
+              <a:lnSpc>
+                <a:spcPct val="90000"/>
+              </a:lnSpc>
+              <a:spcBef>
+                <a:spcPts val="500"/>
+              </a:spcBef>
+              <a:buFont typeface="Arial" panose="020B0604020202020204" pitchFamily="34" charset="0"/>
+              <a:buChar char="•"/>
+              <a:defRPr sz="1800" kern="1200">
+                <a:solidFill>
+                  <a:schemeClr val="tx1"/>
+                </a:solidFill>
+                <a:latin typeface="+mn-lt"/>
+                <a:ea typeface="+mn-ea"/>
+                <a:cs typeface="+mn-cs"/>
+              </a:defRPr>
+            </a:lvl8pPr>
+            <a:lvl9pPr marL="3886200" indent="-228600" algn="l" defTabSz="914400" rtl="0" eaLnBrk="1" latinLnBrk="0" hangingPunct="1">
+              <a:lnSpc>
+                <a:spcPct val="90000"/>
+              </a:lnSpc>
+              <a:spcBef>
+                <a:spcPts val="500"/>
+              </a:spcBef>
+              <a:buFont typeface="Arial" panose="020B0604020202020204" pitchFamily="34" charset="0"/>
+              <a:buChar char="•"/>
+              <a:defRPr sz="1800" kern="1200">
+                <a:solidFill>
+                  <a:schemeClr val="tx1"/>
+                </a:solidFill>
+                <a:latin typeface="+mn-lt"/>
+                <a:ea typeface="+mn-ea"/>
+                <a:cs typeface="+mn-cs"/>
+              </a:defRPr>
+            </a:lvl9pPr>
+          </a:lstStyle>
+          <a:p>
+            <a:r>
+              <a:rPr lang="en-US" sz="1800" dirty="0"/>
+              <a:t>TONE: Tone of the document</a:t>
+            </a:r>
+          </a:p>
+        </p:txBody>
+      </p:sp>
+      <p:sp>
+        <p:nvSpPr>
+          <p:cNvPr id="14" name="Content Placeholder 2">
+            <a:extLst>
+              <a:ext uri="{FF2B5EF4-FFF2-40B4-BE49-F238E27FC236}">
+                <a16:creationId xmlns:a16="http://schemas.microsoft.com/office/drawing/2014/main" id="{6E4735FE-D003-4191-B7DE-78C79EDC814C}"/>
+              </a:ext>
+            </a:extLst>
+          </p:cNvPr>
+          <p:cNvSpPr txBox="1">
+            <a:spLocks/>
+          </p:cNvSpPr>
+          <p:nvPr/>
+        </p:nvSpPr>
+        <p:spPr>
+          <a:xfrm>
+            <a:off x="1907590" y="2117739"/>
+            <a:ext cx="9934481" cy="2144898"/>
+          </a:xfrm>
+          <a:prstGeom prst="rect">
+            <a:avLst/>
+          </a:prstGeom>
+        </p:spPr>
+        <p:txBody>
+          <a:bodyPr vert="horz" lIns="91440" tIns="45720" rIns="91440" bIns="45720" rtlCol="0">
+            <a:normAutofit fontScale="62500" lnSpcReduction="20000"/>
+          </a:bodyPr>
+          <a:lstStyle>
+            <a:lvl1pPr marL="228600" indent="-228600" algn="l" defTabSz="914400" rtl="0" eaLnBrk="1" latinLnBrk="0" hangingPunct="1">
+              <a:lnSpc>
+                <a:spcPct val="90000"/>
+              </a:lnSpc>
+              <a:spcBef>
+                <a:spcPts val="1000"/>
+              </a:spcBef>
+              <a:buFont typeface="Arial" panose="020B0604020202020204" pitchFamily="34" charset="0"/>
+              <a:buChar char="•"/>
+              <a:defRPr sz="2800" kern="1200">
+                <a:solidFill>
+                  <a:schemeClr val="tx1"/>
+                </a:solidFill>
+                <a:latin typeface="+mn-lt"/>
+                <a:ea typeface="+mn-ea"/>
+                <a:cs typeface="+mn-cs"/>
+              </a:defRPr>
+            </a:lvl1pPr>
+            <a:lvl2pPr marL="685800" indent="-228600" algn="l" defTabSz="914400" rtl="0" eaLnBrk="1" latinLnBrk="0" hangingPunct="1">
+              <a:lnSpc>
+                <a:spcPct val="90000"/>
+              </a:lnSpc>
+              <a:spcBef>
+                <a:spcPts val="500"/>
+              </a:spcBef>
+              <a:buFont typeface="Arial" panose="020B0604020202020204" pitchFamily="34" charset="0"/>
+              <a:buChar char="•"/>
+              <a:defRPr sz="2400" kern="1200">
+                <a:solidFill>
+                  <a:schemeClr val="tx1"/>
+                </a:solidFill>
+                <a:latin typeface="+mn-lt"/>
+                <a:ea typeface="+mn-ea"/>
+                <a:cs typeface="+mn-cs"/>
+              </a:defRPr>
+            </a:lvl2pPr>
+            <a:lvl3pPr marL="1143000" indent="-228600" algn="l" defTabSz="914400" rtl="0" eaLnBrk="1" latinLnBrk="0" hangingPunct="1">
+              <a:lnSpc>
+                <a:spcPct val="90000"/>
+              </a:lnSpc>
+              <a:spcBef>
+                <a:spcPts val="500"/>
+              </a:spcBef>
+              <a:buFont typeface="Arial" panose="020B0604020202020204" pitchFamily="34" charset="0"/>
+              <a:buChar char="•"/>
+              <a:defRPr sz="2000" kern="1200">
+                <a:solidFill>
+                  <a:schemeClr val="tx1"/>
+                </a:solidFill>
+                <a:latin typeface="+mn-lt"/>
+                <a:ea typeface="+mn-ea"/>
+                <a:cs typeface="+mn-cs"/>
+              </a:defRPr>
+            </a:lvl3pPr>
+            <a:lvl4pPr marL="1600200" indent="-228600" algn="l" defTabSz="914400" rtl="0" eaLnBrk="1" latinLnBrk="0" hangingPunct="1">
+              <a:lnSpc>
+                <a:spcPct val="90000"/>
+              </a:lnSpc>
+              <a:spcBef>
+                <a:spcPts val="500"/>
+              </a:spcBef>
+              <a:buFont typeface="Arial" panose="020B0604020202020204" pitchFamily="34" charset="0"/>
+              <a:buChar char="•"/>
+              <a:defRPr sz="1800" kern="1200">
+                <a:solidFill>
+                  <a:schemeClr val="tx1"/>
+                </a:solidFill>
+                <a:latin typeface="+mn-lt"/>
+                <a:ea typeface="+mn-ea"/>
+                <a:cs typeface="+mn-cs"/>
+              </a:defRPr>
+            </a:lvl4pPr>
+            <a:lvl5pPr marL="2057400" indent="-228600" algn="l" defTabSz="914400" rtl="0" eaLnBrk="1" latinLnBrk="0" hangingPunct="1">
+              <a:lnSpc>
+                <a:spcPct val="90000"/>
+              </a:lnSpc>
+              <a:spcBef>
+                <a:spcPts val="500"/>
+              </a:spcBef>
+              <a:buFont typeface="Arial" panose="020B0604020202020204" pitchFamily="34" charset="0"/>
+              <a:buChar char="•"/>
+              <a:defRPr sz="1800" kern="1200">
+                <a:solidFill>
+                  <a:schemeClr val="tx1"/>
+                </a:solidFill>
+                <a:latin typeface="+mn-lt"/>
+                <a:ea typeface="+mn-ea"/>
+                <a:cs typeface="+mn-cs"/>
+              </a:defRPr>
+            </a:lvl5pPr>
+            <a:lvl6pPr marL="2514600" indent="-228600" algn="l" defTabSz="914400" rtl="0" eaLnBrk="1" latinLnBrk="0" hangingPunct="1">
+              <a:lnSpc>
+                <a:spcPct val="90000"/>
+              </a:lnSpc>
+              <a:spcBef>
+                <a:spcPts val="500"/>
+              </a:spcBef>
+              <a:buFont typeface="Arial" panose="020B0604020202020204" pitchFamily="34" charset="0"/>
+              <a:buChar char="•"/>
+              <a:defRPr sz="1800" kern="1200">
+                <a:solidFill>
+                  <a:schemeClr val="tx1"/>
+                </a:solidFill>
+                <a:latin typeface="+mn-lt"/>
+                <a:ea typeface="+mn-ea"/>
+                <a:cs typeface="+mn-cs"/>
+              </a:defRPr>
+            </a:lvl6pPr>
+            <a:lvl7pPr marL="2971800" indent="-228600" algn="l" defTabSz="914400" rtl="0" eaLnBrk="1" latinLnBrk="0" hangingPunct="1">
+              <a:lnSpc>
+                <a:spcPct val="90000"/>
+              </a:lnSpc>
+              <a:spcBef>
+                <a:spcPts val="500"/>
+              </a:spcBef>
+              <a:buFont typeface="Arial" panose="020B0604020202020204" pitchFamily="34" charset="0"/>
+              <a:buChar char="•"/>
+              <a:defRPr sz="1800" kern="1200">
+                <a:solidFill>
+                  <a:schemeClr val="tx1"/>
+                </a:solidFill>
+                <a:latin typeface="+mn-lt"/>
+                <a:ea typeface="+mn-ea"/>
+                <a:cs typeface="+mn-cs"/>
+              </a:defRPr>
+            </a:lvl7pPr>
+            <a:lvl8pPr marL="3429000" indent="-228600" algn="l" defTabSz="914400" rtl="0" eaLnBrk="1" latinLnBrk="0" hangingPunct="1">
+              <a:lnSpc>
+                <a:spcPct val="90000"/>
+              </a:lnSpc>
+              <a:spcBef>
+                <a:spcPts val="500"/>
+              </a:spcBef>
+              <a:buFont typeface="Arial" panose="020B0604020202020204" pitchFamily="34" charset="0"/>
+              <a:buChar char="•"/>
+              <a:defRPr sz="1800" kern="1200">
+                <a:solidFill>
+                  <a:schemeClr val="tx1"/>
+                </a:solidFill>
+                <a:latin typeface="+mn-lt"/>
+                <a:ea typeface="+mn-ea"/>
+                <a:cs typeface="+mn-cs"/>
+              </a:defRPr>
+            </a:lvl8pPr>
+            <a:lvl9pPr marL="3886200" indent="-228600" algn="l" defTabSz="914400" rtl="0" eaLnBrk="1" latinLnBrk="0" hangingPunct="1">
+              <a:lnSpc>
+                <a:spcPct val="90000"/>
+              </a:lnSpc>
+              <a:spcBef>
+                <a:spcPts val="500"/>
+              </a:spcBef>
+              <a:buFont typeface="Arial" panose="020B0604020202020204" pitchFamily="34" charset="0"/>
+              <a:buChar char="•"/>
+              <a:defRPr sz="1800" kern="1200">
+                <a:solidFill>
+                  <a:schemeClr val="tx1"/>
+                </a:solidFill>
+                <a:latin typeface="+mn-lt"/>
+                <a:ea typeface="+mn-ea"/>
+                <a:cs typeface="+mn-cs"/>
+              </a:defRPr>
+            </a:lvl9pPr>
+          </a:lstStyle>
+          <a:p>
+            <a:pPr marL="0" indent="0">
+              <a:buNone/>
+            </a:pPr>
+            <a:r>
+              <a:rPr lang="en-US" sz="2900" b="1" dirty="0" err="1">
+                <a:highlight>
+                  <a:srgbClr val="C0C0C0"/>
+                </a:highlight>
+              </a:rPr>
+              <a:t>Doc_measure</a:t>
+            </a:r>
+            <a:r>
+              <a:rPr lang="en-US" sz="2900" b="1" dirty="0">
+                <a:highlight>
+                  <a:srgbClr val="C0C0C0"/>
+                </a:highlight>
+              </a:rPr>
+              <a:t> = b</a:t>
+            </a:r>
+            <a:r>
+              <a:rPr lang="en-US" sz="2900" b="1" baseline="-25000" dirty="0">
+                <a:highlight>
+                  <a:srgbClr val="C0C0C0"/>
+                </a:highlight>
+              </a:rPr>
+              <a:t>0</a:t>
+            </a:r>
+            <a:r>
+              <a:rPr lang="en-US" sz="2900" b="1" dirty="0">
+                <a:highlight>
+                  <a:srgbClr val="C0C0C0"/>
+                </a:highlight>
+              </a:rPr>
+              <a:t> + b</a:t>
+            </a:r>
+            <a:r>
+              <a:rPr lang="en-US" sz="2900" b="1" baseline="-25000" dirty="0">
+                <a:highlight>
+                  <a:srgbClr val="C0C0C0"/>
+                </a:highlight>
+              </a:rPr>
+              <a:t>1</a:t>
+            </a:r>
+            <a:r>
+              <a:rPr lang="en-US" sz="2900" b="1" dirty="0">
+                <a:highlight>
+                  <a:srgbClr val="C0C0C0"/>
+                </a:highlight>
+              </a:rPr>
+              <a:t>*RET + b</a:t>
+            </a:r>
+            <a:r>
+              <a:rPr lang="en-US" sz="2900" b="1" baseline="-25000" dirty="0">
+                <a:highlight>
+                  <a:srgbClr val="C0C0C0"/>
+                </a:highlight>
+              </a:rPr>
+              <a:t>2</a:t>
+            </a:r>
+            <a:r>
+              <a:rPr lang="en-US" sz="2900" b="1" dirty="0">
+                <a:highlight>
+                  <a:srgbClr val="C0C0C0"/>
+                </a:highlight>
+              </a:rPr>
+              <a:t>*NEG + b</a:t>
+            </a:r>
+            <a:r>
+              <a:rPr lang="en-US" sz="2900" b="1" baseline="-25000" dirty="0">
+                <a:highlight>
+                  <a:srgbClr val="C0C0C0"/>
+                </a:highlight>
+              </a:rPr>
+              <a:t>3</a:t>
+            </a:r>
+            <a:r>
+              <a:rPr lang="en-US" sz="2900" b="1" dirty="0">
+                <a:highlight>
+                  <a:srgbClr val="C0C0C0"/>
+                </a:highlight>
+              </a:rPr>
+              <a:t>*RET*NEG + controls</a:t>
+            </a:r>
+            <a:r>
+              <a:rPr lang="en-US" sz="2900" dirty="0"/>
+              <a:t>, where </a:t>
+            </a:r>
+            <a:r>
+              <a:rPr lang="en-US" sz="2900" dirty="0" err="1"/>
+              <a:t>doc_measure</a:t>
+            </a:r>
+            <a:r>
+              <a:rPr lang="en-US" sz="2900" dirty="0"/>
+              <a:t> = NW, TONE, TLAG</a:t>
+            </a:r>
+          </a:p>
+          <a:p>
+            <a:r>
+              <a:rPr lang="en-US" sz="2200" dirty="0"/>
+              <a:t>If narrative disclosure is more responsive to bad news than good news, then I expect:</a:t>
+            </a:r>
+          </a:p>
+          <a:p>
+            <a:pPr lvl="1"/>
+            <a:r>
+              <a:rPr lang="en-US" sz="2200" b="1" dirty="0"/>
+              <a:t>NW: b</a:t>
+            </a:r>
+            <a:r>
+              <a:rPr lang="en-US" sz="2200" b="1" baseline="-25000" dirty="0"/>
+              <a:t>3</a:t>
+            </a:r>
+            <a:r>
+              <a:rPr lang="en-US" sz="2200" b="1" dirty="0"/>
+              <a:t> should be positive </a:t>
+            </a:r>
+          </a:p>
+          <a:p>
+            <a:pPr lvl="2"/>
+            <a:r>
+              <a:rPr lang="en-US" sz="2200" dirty="0"/>
+              <a:t>bad news reporting requires more careful explanation than good news which translate into longer document</a:t>
+            </a:r>
+          </a:p>
+          <a:p>
+            <a:pPr lvl="1"/>
+            <a:r>
+              <a:rPr lang="en-US" sz="2200" b="1" dirty="0"/>
+              <a:t>TONE: b</a:t>
+            </a:r>
+            <a:r>
+              <a:rPr lang="en-US" sz="2200" b="1" baseline="-25000" dirty="0"/>
+              <a:t>1</a:t>
+            </a:r>
+            <a:r>
+              <a:rPr lang="en-US" sz="2200" b="1" dirty="0"/>
+              <a:t>, b</a:t>
+            </a:r>
+            <a:r>
+              <a:rPr lang="en-US" sz="2200" b="1" baseline="-25000" dirty="0"/>
+              <a:t>1</a:t>
+            </a:r>
+            <a:r>
+              <a:rPr lang="en-US" sz="2200" b="1" dirty="0"/>
+              <a:t>+b</a:t>
+            </a:r>
+            <a:r>
+              <a:rPr lang="en-US" sz="2200" b="1" baseline="-25000" dirty="0"/>
+              <a:t>3</a:t>
+            </a:r>
+            <a:r>
+              <a:rPr lang="en-US" sz="2200" b="1" dirty="0"/>
+              <a:t> and b</a:t>
+            </a:r>
+            <a:r>
+              <a:rPr lang="en-US" sz="2200" b="1" baseline="-25000" dirty="0"/>
+              <a:t>3</a:t>
+            </a:r>
+            <a:r>
+              <a:rPr lang="en-US" sz="2200" b="1" dirty="0"/>
+              <a:t> should be positive </a:t>
+            </a:r>
+          </a:p>
+          <a:p>
+            <a:pPr lvl="2"/>
+            <a:r>
+              <a:rPr lang="en-US" sz="2200" dirty="0"/>
+              <a:t>positive b</a:t>
+            </a:r>
+            <a:r>
+              <a:rPr lang="en-US" sz="2200" baseline="-25000" dirty="0"/>
+              <a:t>1</a:t>
+            </a:r>
+            <a:r>
+              <a:rPr lang="en-US" sz="2200" dirty="0"/>
+              <a:t> and b</a:t>
+            </a:r>
+            <a:r>
+              <a:rPr lang="en-US" sz="2200" baseline="-25000" dirty="0"/>
+              <a:t>1</a:t>
+            </a:r>
+            <a:r>
+              <a:rPr lang="en-US" sz="2200" dirty="0"/>
+              <a:t>+b</a:t>
+            </a:r>
+            <a:r>
+              <a:rPr lang="en-US" sz="2200" baseline="-25000" dirty="0"/>
+              <a:t>3</a:t>
+            </a:r>
+            <a:r>
+              <a:rPr lang="en-US" sz="2200" dirty="0"/>
+              <a:t> means that tone is consistent with news: good news – positive tone, bad news – negative tone</a:t>
+            </a:r>
+          </a:p>
+          <a:p>
+            <a:pPr lvl="2"/>
+            <a:r>
+              <a:rPr lang="en-US" sz="2200" dirty="0"/>
+              <a:t>positive b</a:t>
+            </a:r>
+            <a:r>
+              <a:rPr lang="en-US" sz="2200" baseline="-25000" dirty="0"/>
+              <a:t>3</a:t>
+            </a:r>
+            <a:r>
+              <a:rPr lang="en-US" sz="2200" dirty="0"/>
+              <a:t> means that firms uses more sentimental words to attract investors attention to bad news than good news</a:t>
+            </a:r>
+          </a:p>
+          <a:p>
+            <a:pPr lvl="1"/>
+            <a:r>
+              <a:rPr lang="en-US" sz="2200" b="1" dirty="0"/>
+              <a:t>TLAG: b</a:t>
+            </a:r>
+            <a:r>
+              <a:rPr lang="en-US" sz="2200" b="1" baseline="-25000" dirty="0"/>
+              <a:t>3</a:t>
+            </a:r>
+            <a:r>
+              <a:rPr lang="en-US" sz="2200" b="1" dirty="0"/>
+              <a:t> should be negative</a:t>
+            </a:r>
+          </a:p>
+          <a:p>
+            <a:pPr lvl="2"/>
+            <a:r>
+              <a:rPr lang="en-US" sz="2200" dirty="0"/>
+              <a:t>bad news reporting is more timely than good news which translate into shorter lag</a:t>
+            </a:r>
+          </a:p>
+        </p:txBody>
+      </p:sp>
+      <p:sp>
+        <p:nvSpPr>
+          <p:cNvPr id="15" name="Content Placeholder 2">
+            <a:extLst>
+              <a:ext uri="{FF2B5EF4-FFF2-40B4-BE49-F238E27FC236}">
+                <a16:creationId xmlns:a16="http://schemas.microsoft.com/office/drawing/2014/main" id="{FC3B630A-94D2-4DD5-BA2A-1B597FA6D4B1}"/>
+              </a:ext>
+            </a:extLst>
+          </p:cNvPr>
+          <p:cNvSpPr txBox="1">
+            <a:spLocks/>
+          </p:cNvSpPr>
+          <p:nvPr/>
+        </p:nvSpPr>
+        <p:spPr>
+          <a:xfrm>
+            <a:off x="96078" y="682864"/>
+            <a:ext cx="1462603" cy="447058"/>
+          </a:xfrm>
+          <a:prstGeom prst="rect">
+            <a:avLst/>
+          </a:prstGeom>
+        </p:spPr>
+        <p:txBody>
+          <a:bodyPr vert="horz" lIns="91440" tIns="45720" rIns="91440" bIns="45720" rtlCol="0">
+            <a:noAutofit/>
+          </a:bodyPr>
+          <a:lstStyle>
+            <a:lvl1pPr marL="228600" indent="-228600" algn="l" defTabSz="914400" rtl="0" eaLnBrk="1" latinLnBrk="0" hangingPunct="1">
+              <a:lnSpc>
+                <a:spcPct val="90000"/>
+              </a:lnSpc>
+              <a:spcBef>
+                <a:spcPts val="1000"/>
+              </a:spcBef>
+              <a:buFont typeface="Arial" panose="020B0604020202020204" pitchFamily="34" charset="0"/>
+              <a:buChar char="•"/>
+              <a:defRPr sz="2800" kern="1200">
+                <a:solidFill>
+                  <a:schemeClr val="tx1"/>
+                </a:solidFill>
+                <a:latin typeface="+mn-lt"/>
+                <a:ea typeface="+mn-ea"/>
+                <a:cs typeface="+mn-cs"/>
+              </a:defRPr>
+            </a:lvl1pPr>
+            <a:lvl2pPr marL="685800" indent="-228600" algn="l" defTabSz="914400" rtl="0" eaLnBrk="1" latinLnBrk="0" hangingPunct="1">
+              <a:lnSpc>
+                <a:spcPct val="90000"/>
+              </a:lnSpc>
+              <a:spcBef>
+                <a:spcPts val="500"/>
+              </a:spcBef>
+              <a:buFont typeface="Arial" panose="020B0604020202020204" pitchFamily="34" charset="0"/>
+              <a:buChar char="•"/>
+              <a:defRPr sz="2400" kern="1200">
+                <a:solidFill>
+                  <a:schemeClr val="tx1"/>
+                </a:solidFill>
+                <a:latin typeface="+mn-lt"/>
+                <a:ea typeface="+mn-ea"/>
+                <a:cs typeface="+mn-cs"/>
+              </a:defRPr>
+            </a:lvl2pPr>
+            <a:lvl3pPr marL="1143000" indent="-228600" algn="l" defTabSz="914400" rtl="0" eaLnBrk="1" latinLnBrk="0" hangingPunct="1">
+              <a:lnSpc>
+                <a:spcPct val="90000"/>
+              </a:lnSpc>
+              <a:spcBef>
+                <a:spcPts val="500"/>
+              </a:spcBef>
+              <a:buFont typeface="Arial" panose="020B0604020202020204" pitchFamily="34" charset="0"/>
+              <a:buChar char="•"/>
+              <a:defRPr sz="2000" kern="1200">
+                <a:solidFill>
+                  <a:schemeClr val="tx1"/>
+                </a:solidFill>
+                <a:latin typeface="+mn-lt"/>
+                <a:ea typeface="+mn-ea"/>
+                <a:cs typeface="+mn-cs"/>
+              </a:defRPr>
+            </a:lvl3pPr>
+            <a:lvl4pPr marL="1600200" indent="-228600" algn="l" defTabSz="914400" rtl="0" eaLnBrk="1" latinLnBrk="0" hangingPunct="1">
+              <a:lnSpc>
+                <a:spcPct val="90000"/>
+              </a:lnSpc>
+              <a:spcBef>
+                <a:spcPts val="500"/>
+              </a:spcBef>
+              <a:buFont typeface="Arial" panose="020B0604020202020204" pitchFamily="34" charset="0"/>
+              <a:buChar char="•"/>
+              <a:defRPr sz="1800" kern="1200">
+                <a:solidFill>
+                  <a:schemeClr val="tx1"/>
+                </a:solidFill>
+                <a:latin typeface="+mn-lt"/>
+                <a:ea typeface="+mn-ea"/>
+                <a:cs typeface="+mn-cs"/>
+              </a:defRPr>
+            </a:lvl4pPr>
+            <a:lvl5pPr marL="2057400" indent="-228600" algn="l" defTabSz="914400" rtl="0" eaLnBrk="1" latinLnBrk="0" hangingPunct="1">
+              <a:lnSpc>
+                <a:spcPct val="90000"/>
+              </a:lnSpc>
+              <a:spcBef>
+                <a:spcPts val="500"/>
+              </a:spcBef>
+              <a:buFont typeface="Arial" panose="020B0604020202020204" pitchFamily="34" charset="0"/>
+              <a:buChar char="•"/>
+              <a:defRPr sz="1800" kern="1200">
+                <a:solidFill>
+                  <a:schemeClr val="tx1"/>
+                </a:solidFill>
+                <a:latin typeface="+mn-lt"/>
+                <a:ea typeface="+mn-ea"/>
+                <a:cs typeface="+mn-cs"/>
+              </a:defRPr>
+            </a:lvl5pPr>
+            <a:lvl6pPr marL="2514600" indent="-228600" algn="l" defTabSz="914400" rtl="0" eaLnBrk="1" latinLnBrk="0" hangingPunct="1">
+              <a:lnSpc>
+                <a:spcPct val="90000"/>
+              </a:lnSpc>
+              <a:spcBef>
+                <a:spcPts val="500"/>
+              </a:spcBef>
+              <a:buFont typeface="Arial" panose="020B0604020202020204" pitchFamily="34" charset="0"/>
+              <a:buChar char="•"/>
+              <a:defRPr sz="1800" kern="1200">
+                <a:solidFill>
+                  <a:schemeClr val="tx1"/>
+                </a:solidFill>
+                <a:latin typeface="+mn-lt"/>
+                <a:ea typeface="+mn-ea"/>
+                <a:cs typeface="+mn-cs"/>
+              </a:defRPr>
+            </a:lvl6pPr>
+            <a:lvl7pPr marL="2971800" indent="-228600" algn="l" defTabSz="914400" rtl="0" eaLnBrk="1" latinLnBrk="0" hangingPunct="1">
+              <a:lnSpc>
+                <a:spcPct val="90000"/>
+              </a:lnSpc>
+              <a:spcBef>
+                <a:spcPts val="500"/>
+              </a:spcBef>
+              <a:buFont typeface="Arial" panose="020B0604020202020204" pitchFamily="34" charset="0"/>
+              <a:buChar char="•"/>
+              <a:defRPr sz="1800" kern="1200">
+                <a:solidFill>
+                  <a:schemeClr val="tx1"/>
+                </a:solidFill>
+                <a:latin typeface="+mn-lt"/>
+                <a:ea typeface="+mn-ea"/>
+                <a:cs typeface="+mn-cs"/>
+              </a:defRPr>
+            </a:lvl7pPr>
+            <a:lvl8pPr marL="3429000" indent="-228600" algn="l" defTabSz="914400" rtl="0" eaLnBrk="1" latinLnBrk="0" hangingPunct="1">
+              <a:lnSpc>
+                <a:spcPct val="90000"/>
+              </a:lnSpc>
+              <a:spcBef>
+                <a:spcPts val="500"/>
+              </a:spcBef>
+              <a:buFont typeface="Arial" panose="020B0604020202020204" pitchFamily="34" charset="0"/>
+              <a:buChar char="•"/>
+              <a:defRPr sz="1800" kern="1200">
+                <a:solidFill>
+                  <a:schemeClr val="tx1"/>
+                </a:solidFill>
+                <a:latin typeface="+mn-lt"/>
+                <a:ea typeface="+mn-ea"/>
+                <a:cs typeface="+mn-cs"/>
+              </a:defRPr>
+            </a:lvl8pPr>
+            <a:lvl9pPr marL="3886200" indent="-228600" algn="l" defTabSz="914400" rtl="0" eaLnBrk="1" latinLnBrk="0" hangingPunct="1">
+              <a:lnSpc>
+                <a:spcPct val="90000"/>
+              </a:lnSpc>
+              <a:spcBef>
+                <a:spcPts val="500"/>
+              </a:spcBef>
+              <a:buFont typeface="Arial" panose="020B0604020202020204" pitchFamily="34" charset="0"/>
+              <a:buChar char="•"/>
+              <a:defRPr sz="1800" kern="1200">
+                <a:solidFill>
+                  <a:schemeClr val="tx1"/>
+                </a:solidFill>
+                <a:latin typeface="+mn-lt"/>
+                <a:ea typeface="+mn-ea"/>
+                <a:cs typeface="+mn-cs"/>
+              </a:defRPr>
+            </a:lvl9pPr>
+          </a:lstStyle>
+          <a:p>
+            <a:pPr marL="0" indent="0">
+              <a:buNone/>
+            </a:pPr>
+            <a:r>
+              <a:rPr lang="en-US" sz="2600" dirty="0"/>
+              <a:t>Concept</a:t>
+            </a:r>
+          </a:p>
+        </p:txBody>
+      </p:sp>
+      <p:sp>
+        <p:nvSpPr>
+          <p:cNvPr id="16" name="Content Placeholder 2">
+            <a:extLst>
+              <a:ext uri="{FF2B5EF4-FFF2-40B4-BE49-F238E27FC236}">
+                <a16:creationId xmlns:a16="http://schemas.microsoft.com/office/drawing/2014/main" id="{A719F144-04F5-4385-8D44-042CA48DF688}"/>
+              </a:ext>
+            </a:extLst>
+          </p:cNvPr>
+          <p:cNvSpPr txBox="1">
+            <a:spLocks/>
+          </p:cNvSpPr>
+          <p:nvPr/>
+        </p:nvSpPr>
+        <p:spPr>
+          <a:xfrm>
+            <a:off x="94972" y="1364475"/>
+            <a:ext cx="1464816" cy="447058"/>
+          </a:xfrm>
+          <a:prstGeom prst="rect">
+            <a:avLst/>
+          </a:prstGeom>
+        </p:spPr>
+        <p:txBody>
+          <a:bodyPr vert="horz" lIns="91440" tIns="45720" rIns="91440" bIns="45720" rtlCol="0">
+            <a:normAutofit fontScale="92500" lnSpcReduction="10000"/>
+          </a:bodyPr>
+          <a:lstStyle>
+            <a:lvl1pPr marL="228600" indent="-228600" algn="l" defTabSz="914400" rtl="0" eaLnBrk="1" latinLnBrk="0" hangingPunct="1">
+              <a:lnSpc>
+                <a:spcPct val="90000"/>
+              </a:lnSpc>
+              <a:spcBef>
+                <a:spcPts val="1000"/>
+              </a:spcBef>
+              <a:buFont typeface="Arial" panose="020B0604020202020204" pitchFamily="34" charset="0"/>
+              <a:buChar char="•"/>
+              <a:defRPr sz="2800" kern="1200">
+                <a:solidFill>
+                  <a:schemeClr val="tx1"/>
+                </a:solidFill>
+                <a:latin typeface="+mn-lt"/>
+                <a:ea typeface="+mn-ea"/>
+                <a:cs typeface="+mn-cs"/>
+              </a:defRPr>
+            </a:lvl1pPr>
+            <a:lvl2pPr marL="685800" indent="-228600" algn="l" defTabSz="914400" rtl="0" eaLnBrk="1" latinLnBrk="0" hangingPunct="1">
+              <a:lnSpc>
+                <a:spcPct val="90000"/>
+              </a:lnSpc>
+              <a:spcBef>
+                <a:spcPts val="500"/>
+              </a:spcBef>
+              <a:buFont typeface="Arial" panose="020B0604020202020204" pitchFamily="34" charset="0"/>
+              <a:buChar char="•"/>
+              <a:defRPr sz="2400" kern="1200">
+                <a:solidFill>
+                  <a:schemeClr val="tx1"/>
+                </a:solidFill>
+                <a:latin typeface="+mn-lt"/>
+                <a:ea typeface="+mn-ea"/>
+                <a:cs typeface="+mn-cs"/>
+              </a:defRPr>
+            </a:lvl2pPr>
+            <a:lvl3pPr marL="1143000" indent="-228600" algn="l" defTabSz="914400" rtl="0" eaLnBrk="1" latinLnBrk="0" hangingPunct="1">
+              <a:lnSpc>
+                <a:spcPct val="90000"/>
+              </a:lnSpc>
+              <a:spcBef>
+                <a:spcPts val="500"/>
+              </a:spcBef>
+              <a:buFont typeface="Arial" panose="020B0604020202020204" pitchFamily="34" charset="0"/>
+              <a:buChar char="•"/>
+              <a:defRPr sz="2000" kern="1200">
+                <a:solidFill>
+                  <a:schemeClr val="tx1"/>
+                </a:solidFill>
+                <a:latin typeface="+mn-lt"/>
+                <a:ea typeface="+mn-ea"/>
+                <a:cs typeface="+mn-cs"/>
+              </a:defRPr>
+            </a:lvl3pPr>
+            <a:lvl4pPr marL="1600200" indent="-228600" algn="l" defTabSz="914400" rtl="0" eaLnBrk="1" latinLnBrk="0" hangingPunct="1">
+              <a:lnSpc>
+                <a:spcPct val="90000"/>
+              </a:lnSpc>
+              <a:spcBef>
+                <a:spcPts val="500"/>
+              </a:spcBef>
+              <a:buFont typeface="Arial" panose="020B0604020202020204" pitchFamily="34" charset="0"/>
+              <a:buChar char="•"/>
+              <a:defRPr sz="1800" kern="1200">
+                <a:solidFill>
+                  <a:schemeClr val="tx1"/>
+                </a:solidFill>
+                <a:latin typeface="+mn-lt"/>
+                <a:ea typeface="+mn-ea"/>
+                <a:cs typeface="+mn-cs"/>
+              </a:defRPr>
+            </a:lvl4pPr>
+            <a:lvl5pPr marL="2057400" indent="-228600" algn="l" defTabSz="914400" rtl="0" eaLnBrk="1" latinLnBrk="0" hangingPunct="1">
+              <a:lnSpc>
+                <a:spcPct val="90000"/>
+              </a:lnSpc>
+              <a:spcBef>
+                <a:spcPts val="500"/>
+              </a:spcBef>
+              <a:buFont typeface="Arial" panose="020B0604020202020204" pitchFamily="34" charset="0"/>
+              <a:buChar char="•"/>
+              <a:defRPr sz="1800" kern="1200">
+                <a:solidFill>
+                  <a:schemeClr val="tx1"/>
+                </a:solidFill>
+                <a:latin typeface="+mn-lt"/>
+                <a:ea typeface="+mn-ea"/>
+                <a:cs typeface="+mn-cs"/>
+              </a:defRPr>
+            </a:lvl5pPr>
+            <a:lvl6pPr marL="2514600" indent="-228600" algn="l" defTabSz="914400" rtl="0" eaLnBrk="1" latinLnBrk="0" hangingPunct="1">
+              <a:lnSpc>
+                <a:spcPct val="90000"/>
+              </a:lnSpc>
+              <a:spcBef>
+                <a:spcPts val="500"/>
+              </a:spcBef>
+              <a:buFont typeface="Arial" panose="020B0604020202020204" pitchFamily="34" charset="0"/>
+              <a:buChar char="•"/>
+              <a:defRPr sz="1800" kern="1200">
+                <a:solidFill>
+                  <a:schemeClr val="tx1"/>
+                </a:solidFill>
+                <a:latin typeface="+mn-lt"/>
+                <a:ea typeface="+mn-ea"/>
+                <a:cs typeface="+mn-cs"/>
+              </a:defRPr>
+            </a:lvl6pPr>
+            <a:lvl7pPr marL="2971800" indent="-228600" algn="l" defTabSz="914400" rtl="0" eaLnBrk="1" latinLnBrk="0" hangingPunct="1">
+              <a:lnSpc>
+                <a:spcPct val="90000"/>
+              </a:lnSpc>
+              <a:spcBef>
+                <a:spcPts val="500"/>
+              </a:spcBef>
+              <a:buFont typeface="Arial" panose="020B0604020202020204" pitchFamily="34" charset="0"/>
+              <a:buChar char="•"/>
+              <a:defRPr sz="1800" kern="1200">
+                <a:solidFill>
+                  <a:schemeClr val="tx1"/>
+                </a:solidFill>
+                <a:latin typeface="+mn-lt"/>
+                <a:ea typeface="+mn-ea"/>
+                <a:cs typeface="+mn-cs"/>
+              </a:defRPr>
+            </a:lvl7pPr>
+            <a:lvl8pPr marL="3429000" indent="-228600" algn="l" defTabSz="914400" rtl="0" eaLnBrk="1" latinLnBrk="0" hangingPunct="1">
+              <a:lnSpc>
+                <a:spcPct val="90000"/>
+              </a:lnSpc>
+              <a:spcBef>
+                <a:spcPts val="500"/>
+              </a:spcBef>
+              <a:buFont typeface="Arial" panose="020B0604020202020204" pitchFamily="34" charset="0"/>
+              <a:buChar char="•"/>
+              <a:defRPr sz="1800" kern="1200">
+                <a:solidFill>
+                  <a:schemeClr val="tx1"/>
+                </a:solidFill>
+                <a:latin typeface="+mn-lt"/>
+                <a:ea typeface="+mn-ea"/>
+                <a:cs typeface="+mn-cs"/>
+              </a:defRPr>
+            </a:lvl8pPr>
+            <a:lvl9pPr marL="3886200" indent="-228600" algn="l" defTabSz="914400" rtl="0" eaLnBrk="1" latinLnBrk="0" hangingPunct="1">
+              <a:lnSpc>
+                <a:spcPct val="90000"/>
+              </a:lnSpc>
+              <a:spcBef>
+                <a:spcPts val="500"/>
+              </a:spcBef>
+              <a:buFont typeface="Arial" panose="020B0604020202020204" pitchFamily="34" charset="0"/>
+              <a:buChar char="•"/>
+              <a:defRPr sz="1800" kern="1200">
+                <a:solidFill>
+                  <a:schemeClr val="tx1"/>
+                </a:solidFill>
+                <a:latin typeface="+mn-lt"/>
+                <a:ea typeface="+mn-ea"/>
+                <a:cs typeface="+mn-cs"/>
+              </a:defRPr>
+            </a:lvl9pPr>
+          </a:lstStyle>
+          <a:p>
+            <a:pPr marL="0" indent="0">
+              <a:buNone/>
+            </a:pPr>
+            <a:r>
+              <a:rPr lang="en-US" dirty="0"/>
+              <a:t>Measure</a:t>
+            </a:r>
+          </a:p>
+        </p:txBody>
+      </p:sp>
+      <p:sp>
+        <p:nvSpPr>
+          <p:cNvPr id="17" name="Content Placeholder 2">
+            <a:extLst>
+              <a:ext uri="{FF2B5EF4-FFF2-40B4-BE49-F238E27FC236}">
+                <a16:creationId xmlns:a16="http://schemas.microsoft.com/office/drawing/2014/main" id="{AFE924EE-E69B-423C-A869-334716AE9F13}"/>
+              </a:ext>
+            </a:extLst>
+          </p:cNvPr>
+          <p:cNvSpPr txBox="1">
+            <a:spLocks/>
+          </p:cNvSpPr>
+          <p:nvPr/>
+        </p:nvSpPr>
+        <p:spPr>
+          <a:xfrm>
+            <a:off x="118739" y="2092456"/>
+            <a:ext cx="1464816" cy="447058"/>
+          </a:xfrm>
+          <a:prstGeom prst="rect">
+            <a:avLst/>
+          </a:prstGeom>
+        </p:spPr>
+        <p:txBody>
+          <a:bodyPr vert="horz" lIns="91440" tIns="45720" rIns="91440" bIns="45720" rtlCol="0">
+            <a:normAutofit fontScale="92500" lnSpcReduction="10000"/>
+          </a:bodyPr>
+          <a:lstStyle>
+            <a:lvl1pPr marL="228600" indent="-228600" algn="l" defTabSz="914400" rtl="0" eaLnBrk="1" latinLnBrk="0" hangingPunct="1">
+              <a:lnSpc>
+                <a:spcPct val="90000"/>
+              </a:lnSpc>
+              <a:spcBef>
+                <a:spcPts val="1000"/>
+              </a:spcBef>
+              <a:buFont typeface="Arial" panose="020B0604020202020204" pitchFamily="34" charset="0"/>
+              <a:buChar char="•"/>
+              <a:defRPr sz="2800" kern="1200">
+                <a:solidFill>
+                  <a:schemeClr val="tx1"/>
+                </a:solidFill>
+                <a:latin typeface="+mn-lt"/>
+                <a:ea typeface="+mn-ea"/>
+                <a:cs typeface="+mn-cs"/>
+              </a:defRPr>
+            </a:lvl1pPr>
+            <a:lvl2pPr marL="685800" indent="-228600" algn="l" defTabSz="914400" rtl="0" eaLnBrk="1" latinLnBrk="0" hangingPunct="1">
+              <a:lnSpc>
+                <a:spcPct val="90000"/>
+              </a:lnSpc>
+              <a:spcBef>
+                <a:spcPts val="500"/>
+              </a:spcBef>
+              <a:buFont typeface="Arial" panose="020B0604020202020204" pitchFamily="34" charset="0"/>
+              <a:buChar char="•"/>
+              <a:defRPr sz="2400" kern="1200">
+                <a:solidFill>
+                  <a:schemeClr val="tx1"/>
+                </a:solidFill>
+                <a:latin typeface="+mn-lt"/>
+                <a:ea typeface="+mn-ea"/>
+                <a:cs typeface="+mn-cs"/>
+              </a:defRPr>
+            </a:lvl2pPr>
+            <a:lvl3pPr marL="1143000" indent="-228600" algn="l" defTabSz="914400" rtl="0" eaLnBrk="1" latinLnBrk="0" hangingPunct="1">
+              <a:lnSpc>
+                <a:spcPct val="90000"/>
+              </a:lnSpc>
+              <a:spcBef>
+                <a:spcPts val="500"/>
+              </a:spcBef>
+              <a:buFont typeface="Arial" panose="020B0604020202020204" pitchFamily="34" charset="0"/>
+              <a:buChar char="•"/>
+              <a:defRPr sz="2000" kern="1200">
+                <a:solidFill>
+                  <a:schemeClr val="tx1"/>
+                </a:solidFill>
+                <a:latin typeface="+mn-lt"/>
+                <a:ea typeface="+mn-ea"/>
+                <a:cs typeface="+mn-cs"/>
+              </a:defRPr>
+            </a:lvl3pPr>
+            <a:lvl4pPr marL="1600200" indent="-228600" algn="l" defTabSz="914400" rtl="0" eaLnBrk="1" latinLnBrk="0" hangingPunct="1">
+              <a:lnSpc>
+                <a:spcPct val="90000"/>
+              </a:lnSpc>
+              <a:spcBef>
+                <a:spcPts val="500"/>
+              </a:spcBef>
+              <a:buFont typeface="Arial" panose="020B0604020202020204" pitchFamily="34" charset="0"/>
+              <a:buChar char="•"/>
+              <a:defRPr sz="1800" kern="1200">
+                <a:solidFill>
+                  <a:schemeClr val="tx1"/>
+                </a:solidFill>
+                <a:latin typeface="+mn-lt"/>
+                <a:ea typeface="+mn-ea"/>
+                <a:cs typeface="+mn-cs"/>
+              </a:defRPr>
+            </a:lvl4pPr>
+            <a:lvl5pPr marL="2057400" indent="-228600" algn="l" defTabSz="914400" rtl="0" eaLnBrk="1" latinLnBrk="0" hangingPunct="1">
+              <a:lnSpc>
+                <a:spcPct val="90000"/>
+              </a:lnSpc>
+              <a:spcBef>
+                <a:spcPts val="500"/>
+              </a:spcBef>
+              <a:buFont typeface="Arial" panose="020B0604020202020204" pitchFamily="34" charset="0"/>
+              <a:buChar char="•"/>
+              <a:defRPr sz="1800" kern="1200">
+                <a:solidFill>
+                  <a:schemeClr val="tx1"/>
+                </a:solidFill>
+                <a:latin typeface="+mn-lt"/>
+                <a:ea typeface="+mn-ea"/>
+                <a:cs typeface="+mn-cs"/>
+              </a:defRPr>
+            </a:lvl5pPr>
+            <a:lvl6pPr marL="2514600" indent="-228600" algn="l" defTabSz="914400" rtl="0" eaLnBrk="1" latinLnBrk="0" hangingPunct="1">
+              <a:lnSpc>
+                <a:spcPct val="90000"/>
+              </a:lnSpc>
+              <a:spcBef>
+                <a:spcPts val="500"/>
+              </a:spcBef>
+              <a:buFont typeface="Arial" panose="020B0604020202020204" pitchFamily="34" charset="0"/>
+              <a:buChar char="•"/>
+              <a:defRPr sz="1800" kern="1200">
+                <a:solidFill>
+                  <a:schemeClr val="tx1"/>
+                </a:solidFill>
+                <a:latin typeface="+mn-lt"/>
+                <a:ea typeface="+mn-ea"/>
+                <a:cs typeface="+mn-cs"/>
+              </a:defRPr>
+            </a:lvl6pPr>
+            <a:lvl7pPr marL="2971800" indent="-228600" algn="l" defTabSz="914400" rtl="0" eaLnBrk="1" latinLnBrk="0" hangingPunct="1">
+              <a:lnSpc>
+                <a:spcPct val="90000"/>
+              </a:lnSpc>
+              <a:spcBef>
+                <a:spcPts val="500"/>
+              </a:spcBef>
+              <a:buFont typeface="Arial" panose="020B0604020202020204" pitchFamily="34" charset="0"/>
+              <a:buChar char="•"/>
+              <a:defRPr sz="1800" kern="1200">
+                <a:solidFill>
+                  <a:schemeClr val="tx1"/>
+                </a:solidFill>
+                <a:latin typeface="+mn-lt"/>
+                <a:ea typeface="+mn-ea"/>
+                <a:cs typeface="+mn-cs"/>
+              </a:defRPr>
+            </a:lvl7pPr>
+            <a:lvl8pPr marL="3429000" indent="-228600" algn="l" defTabSz="914400" rtl="0" eaLnBrk="1" latinLnBrk="0" hangingPunct="1">
+              <a:lnSpc>
+                <a:spcPct val="90000"/>
+              </a:lnSpc>
+              <a:spcBef>
+                <a:spcPts val="500"/>
+              </a:spcBef>
+              <a:buFont typeface="Arial" panose="020B0604020202020204" pitchFamily="34" charset="0"/>
+              <a:buChar char="•"/>
+              <a:defRPr sz="1800" kern="1200">
+                <a:solidFill>
+                  <a:schemeClr val="tx1"/>
+                </a:solidFill>
+                <a:latin typeface="+mn-lt"/>
+                <a:ea typeface="+mn-ea"/>
+                <a:cs typeface="+mn-cs"/>
+              </a:defRPr>
+            </a:lvl8pPr>
+            <a:lvl9pPr marL="3886200" indent="-228600" algn="l" defTabSz="914400" rtl="0" eaLnBrk="1" latinLnBrk="0" hangingPunct="1">
+              <a:lnSpc>
+                <a:spcPct val="90000"/>
+              </a:lnSpc>
+              <a:spcBef>
+                <a:spcPts val="500"/>
+              </a:spcBef>
+              <a:buFont typeface="Arial" panose="020B0604020202020204" pitchFamily="34" charset="0"/>
+              <a:buChar char="•"/>
+              <a:defRPr sz="1800" kern="1200">
+                <a:solidFill>
+                  <a:schemeClr val="tx1"/>
+                </a:solidFill>
+                <a:latin typeface="+mn-lt"/>
+                <a:ea typeface="+mn-ea"/>
+                <a:cs typeface="+mn-cs"/>
+              </a:defRPr>
+            </a:lvl9pPr>
+          </a:lstStyle>
+          <a:p>
+            <a:pPr marL="0" indent="0">
+              <a:buNone/>
+            </a:pPr>
+            <a:r>
+              <a:rPr lang="en-US" dirty="0"/>
+              <a:t>Model</a:t>
+            </a:r>
+          </a:p>
+        </p:txBody>
+      </p:sp>
+      <p:sp>
+        <p:nvSpPr>
+          <p:cNvPr id="18" name="Content Placeholder 2">
+            <a:extLst>
+              <a:ext uri="{FF2B5EF4-FFF2-40B4-BE49-F238E27FC236}">
+                <a16:creationId xmlns:a16="http://schemas.microsoft.com/office/drawing/2014/main" id="{C554AD7C-B01D-48AC-95A6-170E7BB52F73}"/>
+              </a:ext>
+            </a:extLst>
+          </p:cNvPr>
+          <p:cNvSpPr txBox="1">
+            <a:spLocks/>
+          </p:cNvSpPr>
+          <p:nvPr/>
+        </p:nvSpPr>
+        <p:spPr>
+          <a:xfrm>
+            <a:off x="115680" y="164156"/>
+            <a:ext cx="1349135" cy="447058"/>
+          </a:xfrm>
+          <a:prstGeom prst="rect">
+            <a:avLst/>
+          </a:prstGeom>
+        </p:spPr>
+        <p:txBody>
+          <a:bodyPr vert="horz" lIns="91440" tIns="45720" rIns="91440" bIns="45720" rtlCol="0">
+            <a:noAutofit/>
+          </a:bodyPr>
+          <a:lstStyle>
+            <a:lvl1pPr marL="228600" indent="-228600" algn="l" defTabSz="914400" rtl="0" eaLnBrk="1" latinLnBrk="0" hangingPunct="1">
+              <a:lnSpc>
+                <a:spcPct val="90000"/>
+              </a:lnSpc>
+              <a:spcBef>
+                <a:spcPts val="1000"/>
+              </a:spcBef>
+              <a:buFont typeface="Arial" panose="020B0604020202020204" pitchFamily="34" charset="0"/>
+              <a:buChar char="•"/>
+              <a:defRPr sz="2800" kern="1200">
+                <a:solidFill>
+                  <a:schemeClr val="tx1"/>
+                </a:solidFill>
+                <a:latin typeface="+mn-lt"/>
+                <a:ea typeface="+mn-ea"/>
+                <a:cs typeface="+mn-cs"/>
+              </a:defRPr>
+            </a:lvl1pPr>
+            <a:lvl2pPr marL="685800" indent="-228600" algn="l" defTabSz="914400" rtl="0" eaLnBrk="1" latinLnBrk="0" hangingPunct="1">
+              <a:lnSpc>
+                <a:spcPct val="90000"/>
+              </a:lnSpc>
+              <a:spcBef>
+                <a:spcPts val="500"/>
+              </a:spcBef>
+              <a:buFont typeface="Arial" panose="020B0604020202020204" pitchFamily="34" charset="0"/>
+              <a:buChar char="•"/>
+              <a:defRPr sz="2400" kern="1200">
+                <a:solidFill>
+                  <a:schemeClr val="tx1"/>
+                </a:solidFill>
+                <a:latin typeface="+mn-lt"/>
+                <a:ea typeface="+mn-ea"/>
+                <a:cs typeface="+mn-cs"/>
+              </a:defRPr>
+            </a:lvl2pPr>
+            <a:lvl3pPr marL="1143000" indent="-228600" algn="l" defTabSz="914400" rtl="0" eaLnBrk="1" latinLnBrk="0" hangingPunct="1">
+              <a:lnSpc>
+                <a:spcPct val="90000"/>
+              </a:lnSpc>
+              <a:spcBef>
+                <a:spcPts val="500"/>
+              </a:spcBef>
+              <a:buFont typeface="Arial" panose="020B0604020202020204" pitchFamily="34" charset="0"/>
+              <a:buChar char="•"/>
+              <a:defRPr sz="2000" kern="1200">
+                <a:solidFill>
+                  <a:schemeClr val="tx1"/>
+                </a:solidFill>
+                <a:latin typeface="+mn-lt"/>
+                <a:ea typeface="+mn-ea"/>
+                <a:cs typeface="+mn-cs"/>
+              </a:defRPr>
+            </a:lvl3pPr>
+            <a:lvl4pPr marL="1600200" indent="-228600" algn="l" defTabSz="914400" rtl="0" eaLnBrk="1" latinLnBrk="0" hangingPunct="1">
+              <a:lnSpc>
+                <a:spcPct val="90000"/>
+              </a:lnSpc>
+              <a:spcBef>
+                <a:spcPts val="500"/>
+              </a:spcBef>
+              <a:buFont typeface="Arial" panose="020B0604020202020204" pitchFamily="34" charset="0"/>
+              <a:buChar char="•"/>
+              <a:defRPr sz="1800" kern="1200">
+                <a:solidFill>
+                  <a:schemeClr val="tx1"/>
+                </a:solidFill>
+                <a:latin typeface="+mn-lt"/>
+                <a:ea typeface="+mn-ea"/>
+                <a:cs typeface="+mn-cs"/>
+              </a:defRPr>
+            </a:lvl4pPr>
+            <a:lvl5pPr marL="2057400" indent="-228600" algn="l" defTabSz="914400" rtl="0" eaLnBrk="1" latinLnBrk="0" hangingPunct="1">
+              <a:lnSpc>
+                <a:spcPct val="90000"/>
+              </a:lnSpc>
+              <a:spcBef>
+                <a:spcPts val="500"/>
+              </a:spcBef>
+              <a:buFont typeface="Arial" panose="020B0604020202020204" pitchFamily="34" charset="0"/>
+              <a:buChar char="•"/>
+              <a:defRPr sz="1800" kern="1200">
+                <a:solidFill>
+                  <a:schemeClr val="tx1"/>
+                </a:solidFill>
+                <a:latin typeface="+mn-lt"/>
+                <a:ea typeface="+mn-ea"/>
+                <a:cs typeface="+mn-cs"/>
+              </a:defRPr>
+            </a:lvl5pPr>
+            <a:lvl6pPr marL="2514600" indent="-228600" algn="l" defTabSz="914400" rtl="0" eaLnBrk="1" latinLnBrk="0" hangingPunct="1">
+              <a:lnSpc>
+                <a:spcPct val="90000"/>
+              </a:lnSpc>
+              <a:spcBef>
+                <a:spcPts val="500"/>
+              </a:spcBef>
+              <a:buFont typeface="Arial" panose="020B0604020202020204" pitchFamily="34" charset="0"/>
+              <a:buChar char="•"/>
+              <a:defRPr sz="1800" kern="1200">
+                <a:solidFill>
+                  <a:schemeClr val="tx1"/>
+                </a:solidFill>
+                <a:latin typeface="+mn-lt"/>
+                <a:ea typeface="+mn-ea"/>
+                <a:cs typeface="+mn-cs"/>
+              </a:defRPr>
+            </a:lvl6pPr>
+            <a:lvl7pPr marL="2971800" indent="-228600" algn="l" defTabSz="914400" rtl="0" eaLnBrk="1" latinLnBrk="0" hangingPunct="1">
+              <a:lnSpc>
+                <a:spcPct val="90000"/>
+              </a:lnSpc>
+              <a:spcBef>
+                <a:spcPts val="500"/>
+              </a:spcBef>
+              <a:buFont typeface="Arial" panose="020B0604020202020204" pitchFamily="34" charset="0"/>
+              <a:buChar char="•"/>
+              <a:defRPr sz="1800" kern="1200">
+                <a:solidFill>
+                  <a:schemeClr val="tx1"/>
+                </a:solidFill>
+                <a:latin typeface="+mn-lt"/>
+                <a:ea typeface="+mn-ea"/>
+                <a:cs typeface="+mn-cs"/>
+              </a:defRPr>
+            </a:lvl7pPr>
+            <a:lvl8pPr marL="3429000" indent="-228600" algn="l" defTabSz="914400" rtl="0" eaLnBrk="1" latinLnBrk="0" hangingPunct="1">
+              <a:lnSpc>
+                <a:spcPct val="90000"/>
+              </a:lnSpc>
+              <a:spcBef>
+                <a:spcPts val="500"/>
+              </a:spcBef>
+              <a:buFont typeface="Arial" panose="020B0604020202020204" pitchFamily="34" charset="0"/>
+              <a:buChar char="•"/>
+              <a:defRPr sz="1800" kern="1200">
+                <a:solidFill>
+                  <a:schemeClr val="tx1"/>
+                </a:solidFill>
+                <a:latin typeface="+mn-lt"/>
+                <a:ea typeface="+mn-ea"/>
+                <a:cs typeface="+mn-cs"/>
+              </a:defRPr>
+            </a:lvl8pPr>
+            <a:lvl9pPr marL="3886200" indent="-228600" algn="l" defTabSz="914400" rtl="0" eaLnBrk="1" latinLnBrk="0" hangingPunct="1">
+              <a:lnSpc>
+                <a:spcPct val="90000"/>
+              </a:lnSpc>
+              <a:spcBef>
+                <a:spcPts val="500"/>
+              </a:spcBef>
+              <a:buFont typeface="Arial" panose="020B0604020202020204" pitchFamily="34" charset="0"/>
+              <a:buChar char="•"/>
+              <a:defRPr sz="1800" kern="1200">
+                <a:solidFill>
+                  <a:schemeClr val="tx1"/>
+                </a:solidFill>
+                <a:latin typeface="+mn-lt"/>
+                <a:ea typeface="+mn-ea"/>
+                <a:cs typeface="+mn-cs"/>
+              </a:defRPr>
+            </a:lvl9pPr>
+          </a:lstStyle>
+          <a:p>
+            <a:pPr marL="0" indent="0">
+              <a:buNone/>
+            </a:pPr>
+            <a:r>
+              <a:rPr lang="en-US" sz="2600" dirty="0"/>
+              <a:t>Main RQ</a:t>
+            </a:r>
+          </a:p>
+        </p:txBody>
+      </p:sp>
+      <p:sp>
+        <p:nvSpPr>
+          <p:cNvPr id="19" name="Content Placeholder 2">
+            <a:extLst>
+              <a:ext uri="{FF2B5EF4-FFF2-40B4-BE49-F238E27FC236}">
+                <a16:creationId xmlns:a16="http://schemas.microsoft.com/office/drawing/2014/main" id="{E7D1615B-B47C-4477-A60F-A2246B543231}"/>
+              </a:ext>
+            </a:extLst>
+          </p:cNvPr>
+          <p:cNvSpPr txBox="1">
+            <a:spLocks/>
+          </p:cNvSpPr>
+          <p:nvPr/>
+        </p:nvSpPr>
+        <p:spPr>
+          <a:xfrm>
+            <a:off x="62884" y="3510072"/>
+            <a:ext cx="2030396" cy="447058"/>
+          </a:xfrm>
+          <a:prstGeom prst="rect">
+            <a:avLst/>
+          </a:prstGeom>
+        </p:spPr>
+        <p:txBody>
+          <a:bodyPr vert="horz" lIns="91440" tIns="45720" rIns="91440" bIns="45720" rtlCol="0">
+            <a:normAutofit lnSpcReduction="10000"/>
+          </a:bodyPr>
+          <a:lstStyle>
+            <a:lvl1pPr marL="228600" indent="-228600" algn="l" defTabSz="914400" rtl="0" eaLnBrk="1" latinLnBrk="0" hangingPunct="1">
+              <a:lnSpc>
+                <a:spcPct val="90000"/>
+              </a:lnSpc>
+              <a:spcBef>
+                <a:spcPts val="1000"/>
+              </a:spcBef>
+              <a:buFont typeface="Arial" panose="020B0604020202020204" pitchFamily="34" charset="0"/>
+              <a:buChar char="•"/>
+              <a:defRPr sz="2800" kern="1200">
+                <a:solidFill>
+                  <a:schemeClr val="tx1"/>
+                </a:solidFill>
+                <a:latin typeface="+mn-lt"/>
+                <a:ea typeface="+mn-ea"/>
+                <a:cs typeface="+mn-cs"/>
+              </a:defRPr>
+            </a:lvl1pPr>
+            <a:lvl2pPr marL="685800" indent="-228600" algn="l" defTabSz="914400" rtl="0" eaLnBrk="1" latinLnBrk="0" hangingPunct="1">
+              <a:lnSpc>
+                <a:spcPct val="90000"/>
+              </a:lnSpc>
+              <a:spcBef>
+                <a:spcPts val="500"/>
+              </a:spcBef>
+              <a:buFont typeface="Arial" panose="020B0604020202020204" pitchFamily="34" charset="0"/>
+              <a:buChar char="•"/>
+              <a:defRPr sz="2400" kern="1200">
+                <a:solidFill>
+                  <a:schemeClr val="tx1"/>
+                </a:solidFill>
+                <a:latin typeface="+mn-lt"/>
+                <a:ea typeface="+mn-ea"/>
+                <a:cs typeface="+mn-cs"/>
+              </a:defRPr>
+            </a:lvl2pPr>
+            <a:lvl3pPr marL="1143000" indent="-228600" algn="l" defTabSz="914400" rtl="0" eaLnBrk="1" latinLnBrk="0" hangingPunct="1">
+              <a:lnSpc>
+                <a:spcPct val="90000"/>
+              </a:lnSpc>
+              <a:spcBef>
+                <a:spcPts val="500"/>
+              </a:spcBef>
+              <a:buFont typeface="Arial" panose="020B0604020202020204" pitchFamily="34" charset="0"/>
+              <a:buChar char="•"/>
+              <a:defRPr sz="2000" kern="1200">
+                <a:solidFill>
+                  <a:schemeClr val="tx1"/>
+                </a:solidFill>
+                <a:latin typeface="+mn-lt"/>
+                <a:ea typeface="+mn-ea"/>
+                <a:cs typeface="+mn-cs"/>
+              </a:defRPr>
+            </a:lvl3pPr>
+            <a:lvl4pPr marL="1600200" indent="-228600" algn="l" defTabSz="914400" rtl="0" eaLnBrk="1" latinLnBrk="0" hangingPunct="1">
+              <a:lnSpc>
+                <a:spcPct val="90000"/>
+              </a:lnSpc>
+              <a:spcBef>
+                <a:spcPts val="500"/>
+              </a:spcBef>
+              <a:buFont typeface="Arial" panose="020B0604020202020204" pitchFamily="34" charset="0"/>
+              <a:buChar char="•"/>
+              <a:defRPr sz="1800" kern="1200">
+                <a:solidFill>
+                  <a:schemeClr val="tx1"/>
+                </a:solidFill>
+                <a:latin typeface="+mn-lt"/>
+                <a:ea typeface="+mn-ea"/>
+                <a:cs typeface="+mn-cs"/>
+              </a:defRPr>
+            </a:lvl4pPr>
+            <a:lvl5pPr marL="2057400" indent="-228600" algn="l" defTabSz="914400" rtl="0" eaLnBrk="1" latinLnBrk="0" hangingPunct="1">
+              <a:lnSpc>
+                <a:spcPct val="90000"/>
+              </a:lnSpc>
+              <a:spcBef>
+                <a:spcPts val="500"/>
+              </a:spcBef>
+              <a:buFont typeface="Arial" panose="020B0604020202020204" pitchFamily="34" charset="0"/>
+              <a:buChar char="•"/>
+              <a:defRPr sz="1800" kern="1200">
+                <a:solidFill>
+                  <a:schemeClr val="tx1"/>
+                </a:solidFill>
+                <a:latin typeface="+mn-lt"/>
+                <a:ea typeface="+mn-ea"/>
+                <a:cs typeface="+mn-cs"/>
+              </a:defRPr>
+            </a:lvl5pPr>
+            <a:lvl6pPr marL="2514600" indent="-228600" algn="l" defTabSz="914400" rtl="0" eaLnBrk="1" latinLnBrk="0" hangingPunct="1">
+              <a:lnSpc>
+                <a:spcPct val="90000"/>
+              </a:lnSpc>
+              <a:spcBef>
+                <a:spcPts val="500"/>
+              </a:spcBef>
+              <a:buFont typeface="Arial" panose="020B0604020202020204" pitchFamily="34" charset="0"/>
+              <a:buChar char="•"/>
+              <a:defRPr sz="1800" kern="1200">
+                <a:solidFill>
+                  <a:schemeClr val="tx1"/>
+                </a:solidFill>
+                <a:latin typeface="+mn-lt"/>
+                <a:ea typeface="+mn-ea"/>
+                <a:cs typeface="+mn-cs"/>
+              </a:defRPr>
+            </a:lvl6pPr>
+            <a:lvl7pPr marL="2971800" indent="-228600" algn="l" defTabSz="914400" rtl="0" eaLnBrk="1" latinLnBrk="0" hangingPunct="1">
+              <a:lnSpc>
+                <a:spcPct val="90000"/>
+              </a:lnSpc>
+              <a:spcBef>
+                <a:spcPts val="500"/>
+              </a:spcBef>
+              <a:buFont typeface="Arial" panose="020B0604020202020204" pitchFamily="34" charset="0"/>
+              <a:buChar char="•"/>
+              <a:defRPr sz="1800" kern="1200">
+                <a:solidFill>
+                  <a:schemeClr val="tx1"/>
+                </a:solidFill>
+                <a:latin typeface="+mn-lt"/>
+                <a:ea typeface="+mn-ea"/>
+                <a:cs typeface="+mn-cs"/>
+              </a:defRPr>
+            </a:lvl7pPr>
+            <a:lvl8pPr marL="3429000" indent="-228600" algn="l" defTabSz="914400" rtl="0" eaLnBrk="1" latinLnBrk="0" hangingPunct="1">
+              <a:lnSpc>
+                <a:spcPct val="90000"/>
+              </a:lnSpc>
+              <a:spcBef>
+                <a:spcPts val="500"/>
+              </a:spcBef>
+              <a:buFont typeface="Arial" panose="020B0604020202020204" pitchFamily="34" charset="0"/>
+              <a:buChar char="•"/>
+              <a:defRPr sz="1800" kern="1200">
+                <a:solidFill>
+                  <a:schemeClr val="tx1"/>
+                </a:solidFill>
+                <a:latin typeface="+mn-lt"/>
+                <a:ea typeface="+mn-ea"/>
+                <a:cs typeface="+mn-cs"/>
+              </a:defRPr>
+            </a:lvl8pPr>
+            <a:lvl9pPr marL="3886200" indent="-228600" algn="l" defTabSz="914400" rtl="0" eaLnBrk="1" latinLnBrk="0" hangingPunct="1">
+              <a:lnSpc>
+                <a:spcPct val="90000"/>
+              </a:lnSpc>
+              <a:spcBef>
+                <a:spcPts val="500"/>
+              </a:spcBef>
+              <a:buFont typeface="Arial" panose="020B0604020202020204" pitchFamily="34" charset="0"/>
+              <a:buChar char="•"/>
+              <a:defRPr sz="1800" kern="1200">
+                <a:solidFill>
+                  <a:schemeClr val="tx1"/>
+                </a:solidFill>
+                <a:latin typeface="+mn-lt"/>
+                <a:ea typeface="+mn-ea"/>
+                <a:cs typeface="+mn-cs"/>
+              </a:defRPr>
+            </a:lvl9pPr>
+          </a:lstStyle>
+          <a:p>
+            <a:pPr marL="0" indent="0">
+              <a:buNone/>
+            </a:pPr>
+            <a:endParaRPr lang="en-US" dirty="0"/>
+          </a:p>
+        </p:txBody>
+      </p:sp>
+      <p:sp>
+        <p:nvSpPr>
+          <p:cNvPr id="20" name="Content Placeholder 2">
+            <a:extLst>
+              <a:ext uri="{FF2B5EF4-FFF2-40B4-BE49-F238E27FC236}">
+                <a16:creationId xmlns:a16="http://schemas.microsoft.com/office/drawing/2014/main" id="{F0A322CA-1069-4849-A1B6-AAB718E41E91}"/>
+              </a:ext>
+            </a:extLst>
+          </p:cNvPr>
+          <p:cNvSpPr txBox="1">
+            <a:spLocks/>
+          </p:cNvSpPr>
+          <p:nvPr/>
+        </p:nvSpPr>
+        <p:spPr>
+          <a:xfrm>
+            <a:off x="27463" y="4184614"/>
+            <a:ext cx="1674555" cy="707513"/>
+          </a:xfrm>
+          <a:prstGeom prst="rect">
+            <a:avLst/>
+          </a:prstGeom>
+        </p:spPr>
+        <p:txBody>
+          <a:bodyPr vert="horz" lIns="91440" tIns="45720" rIns="91440" bIns="45720" rtlCol="0">
+            <a:noAutofit/>
+          </a:bodyPr>
+          <a:lstStyle>
+            <a:lvl1pPr marL="228600" indent="-228600" algn="l" defTabSz="914400" rtl="0" eaLnBrk="1" latinLnBrk="0" hangingPunct="1">
+              <a:lnSpc>
+                <a:spcPct val="90000"/>
+              </a:lnSpc>
+              <a:spcBef>
+                <a:spcPts val="1000"/>
+              </a:spcBef>
+              <a:buFont typeface="Arial" panose="020B0604020202020204" pitchFamily="34" charset="0"/>
+              <a:buChar char="•"/>
+              <a:defRPr sz="2800" kern="1200">
+                <a:solidFill>
+                  <a:schemeClr val="tx1"/>
+                </a:solidFill>
+                <a:latin typeface="+mn-lt"/>
+                <a:ea typeface="+mn-ea"/>
+                <a:cs typeface="+mn-cs"/>
+              </a:defRPr>
+            </a:lvl1pPr>
+            <a:lvl2pPr marL="685800" indent="-228600" algn="l" defTabSz="914400" rtl="0" eaLnBrk="1" latinLnBrk="0" hangingPunct="1">
+              <a:lnSpc>
+                <a:spcPct val="90000"/>
+              </a:lnSpc>
+              <a:spcBef>
+                <a:spcPts val="500"/>
+              </a:spcBef>
+              <a:buFont typeface="Arial" panose="020B0604020202020204" pitchFamily="34" charset="0"/>
+              <a:buChar char="•"/>
+              <a:defRPr sz="2400" kern="1200">
+                <a:solidFill>
+                  <a:schemeClr val="tx1"/>
+                </a:solidFill>
+                <a:latin typeface="+mn-lt"/>
+                <a:ea typeface="+mn-ea"/>
+                <a:cs typeface="+mn-cs"/>
+              </a:defRPr>
+            </a:lvl2pPr>
+            <a:lvl3pPr marL="1143000" indent="-228600" algn="l" defTabSz="914400" rtl="0" eaLnBrk="1" latinLnBrk="0" hangingPunct="1">
+              <a:lnSpc>
+                <a:spcPct val="90000"/>
+              </a:lnSpc>
+              <a:spcBef>
+                <a:spcPts val="500"/>
+              </a:spcBef>
+              <a:buFont typeface="Arial" panose="020B0604020202020204" pitchFamily="34" charset="0"/>
+              <a:buChar char="•"/>
+              <a:defRPr sz="2000" kern="1200">
+                <a:solidFill>
+                  <a:schemeClr val="tx1"/>
+                </a:solidFill>
+                <a:latin typeface="+mn-lt"/>
+                <a:ea typeface="+mn-ea"/>
+                <a:cs typeface="+mn-cs"/>
+              </a:defRPr>
+            </a:lvl3pPr>
+            <a:lvl4pPr marL="1600200" indent="-228600" algn="l" defTabSz="914400" rtl="0" eaLnBrk="1" latinLnBrk="0" hangingPunct="1">
+              <a:lnSpc>
+                <a:spcPct val="90000"/>
+              </a:lnSpc>
+              <a:spcBef>
+                <a:spcPts val="500"/>
+              </a:spcBef>
+              <a:buFont typeface="Arial" panose="020B0604020202020204" pitchFamily="34" charset="0"/>
+              <a:buChar char="•"/>
+              <a:defRPr sz="1800" kern="1200">
+                <a:solidFill>
+                  <a:schemeClr val="tx1"/>
+                </a:solidFill>
+                <a:latin typeface="+mn-lt"/>
+                <a:ea typeface="+mn-ea"/>
+                <a:cs typeface="+mn-cs"/>
+              </a:defRPr>
+            </a:lvl4pPr>
+            <a:lvl5pPr marL="2057400" indent="-228600" algn="l" defTabSz="914400" rtl="0" eaLnBrk="1" latinLnBrk="0" hangingPunct="1">
+              <a:lnSpc>
+                <a:spcPct val="90000"/>
+              </a:lnSpc>
+              <a:spcBef>
+                <a:spcPts val="500"/>
+              </a:spcBef>
+              <a:buFont typeface="Arial" panose="020B0604020202020204" pitchFamily="34" charset="0"/>
+              <a:buChar char="•"/>
+              <a:defRPr sz="1800" kern="1200">
+                <a:solidFill>
+                  <a:schemeClr val="tx1"/>
+                </a:solidFill>
+                <a:latin typeface="+mn-lt"/>
+                <a:ea typeface="+mn-ea"/>
+                <a:cs typeface="+mn-cs"/>
+              </a:defRPr>
+            </a:lvl5pPr>
+            <a:lvl6pPr marL="2514600" indent="-228600" algn="l" defTabSz="914400" rtl="0" eaLnBrk="1" latinLnBrk="0" hangingPunct="1">
+              <a:lnSpc>
+                <a:spcPct val="90000"/>
+              </a:lnSpc>
+              <a:spcBef>
+                <a:spcPts val="500"/>
+              </a:spcBef>
+              <a:buFont typeface="Arial" panose="020B0604020202020204" pitchFamily="34" charset="0"/>
+              <a:buChar char="•"/>
+              <a:defRPr sz="1800" kern="1200">
+                <a:solidFill>
+                  <a:schemeClr val="tx1"/>
+                </a:solidFill>
+                <a:latin typeface="+mn-lt"/>
+                <a:ea typeface="+mn-ea"/>
+                <a:cs typeface="+mn-cs"/>
+              </a:defRPr>
+            </a:lvl6pPr>
+            <a:lvl7pPr marL="2971800" indent="-228600" algn="l" defTabSz="914400" rtl="0" eaLnBrk="1" latinLnBrk="0" hangingPunct="1">
+              <a:lnSpc>
+                <a:spcPct val="90000"/>
+              </a:lnSpc>
+              <a:spcBef>
+                <a:spcPts val="500"/>
+              </a:spcBef>
+              <a:buFont typeface="Arial" panose="020B0604020202020204" pitchFamily="34" charset="0"/>
+              <a:buChar char="•"/>
+              <a:defRPr sz="1800" kern="1200">
+                <a:solidFill>
+                  <a:schemeClr val="tx1"/>
+                </a:solidFill>
+                <a:latin typeface="+mn-lt"/>
+                <a:ea typeface="+mn-ea"/>
+                <a:cs typeface="+mn-cs"/>
+              </a:defRPr>
+            </a:lvl7pPr>
+            <a:lvl8pPr marL="3429000" indent="-228600" algn="l" defTabSz="914400" rtl="0" eaLnBrk="1" latinLnBrk="0" hangingPunct="1">
+              <a:lnSpc>
+                <a:spcPct val="90000"/>
+              </a:lnSpc>
+              <a:spcBef>
+                <a:spcPts val="500"/>
+              </a:spcBef>
+              <a:buFont typeface="Arial" panose="020B0604020202020204" pitchFamily="34" charset="0"/>
+              <a:buChar char="•"/>
+              <a:defRPr sz="1800" kern="1200">
+                <a:solidFill>
+                  <a:schemeClr val="tx1"/>
+                </a:solidFill>
+                <a:latin typeface="+mn-lt"/>
+                <a:ea typeface="+mn-ea"/>
+                <a:cs typeface="+mn-cs"/>
+              </a:defRPr>
+            </a:lvl8pPr>
+            <a:lvl9pPr marL="3886200" indent="-228600" algn="l" defTabSz="914400" rtl="0" eaLnBrk="1" latinLnBrk="0" hangingPunct="1">
+              <a:lnSpc>
+                <a:spcPct val="90000"/>
+              </a:lnSpc>
+              <a:spcBef>
+                <a:spcPts val="500"/>
+              </a:spcBef>
+              <a:buFont typeface="Arial" panose="020B0604020202020204" pitchFamily="34" charset="0"/>
+              <a:buChar char="•"/>
+              <a:defRPr sz="1800" kern="1200">
+                <a:solidFill>
+                  <a:schemeClr val="tx1"/>
+                </a:solidFill>
+                <a:latin typeface="+mn-lt"/>
+                <a:ea typeface="+mn-ea"/>
+                <a:cs typeface="+mn-cs"/>
+              </a:defRPr>
+            </a:lvl9pPr>
+          </a:lstStyle>
+          <a:p>
+            <a:pPr marL="0" indent="0">
+              <a:buNone/>
+            </a:pPr>
+            <a:r>
+              <a:rPr lang="en-US" sz="2000" b="1" dirty="0"/>
+              <a:t>Additional RQ</a:t>
+            </a:r>
+          </a:p>
+        </p:txBody>
+      </p:sp>
+      <p:sp>
+        <p:nvSpPr>
+          <p:cNvPr id="21" name="Title 1">
+            <a:extLst>
+              <a:ext uri="{FF2B5EF4-FFF2-40B4-BE49-F238E27FC236}">
+                <a16:creationId xmlns:a16="http://schemas.microsoft.com/office/drawing/2014/main" id="{1651D02E-3F4A-49E6-AE0E-64E96146A89D}"/>
+              </a:ext>
+            </a:extLst>
+          </p:cNvPr>
+          <p:cNvSpPr txBox="1">
+            <a:spLocks/>
+          </p:cNvSpPr>
+          <p:nvPr/>
+        </p:nvSpPr>
+        <p:spPr>
+          <a:xfrm>
+            <a:off x="1907590" y="4176592"/>
+            <a:ext cx="10046932" cy="1018083"/>
+          </a:xfrm>
+          <a:prstGeom prst="rect">
+            <a:avLst/>
+          </a:prstGeom>
+        </p:spPr>
+        <p:txBody>
+          <a:bodyPr vert="horz" lIns="91440" tIns="45720" rIns="91440" bIns="45720" rtlCol="0" anchor="ctr">
+            <a:normAutofit/>
+          </a:bodyPr>
+          <a:lstStyle>
+            <a:lvl1pPr algn="l" defTabSz="914400" rtl="0" eaLnBrk="1" latinLnBrk="0" hangingPunct="1">
+              <a:lnSpc>
+                <a:spcPct val="90000"/>
+              </a:lnSpc>
+              <a:spcBef>
+                <a:spcPct val="0"/>
+              </a:spcBef>
+              <a:buNone/>
+              <a:defRPr sz="4400" kern="1200">
+                <a:solidFill>
+                  <a:schemeClr val="tx1"/>
+                </a:solidFill>
+                <a:latin typeface="+mj-lt"/>
+                <a:ea typeface="+mj-ea"/>
+                <a:cs typeface="+mj-cs"/>
+              </a:defRPr>
+            </a:lvl1pPr>
+          </a:lstStyle>
+          <a:p>
+            <a:r>
+              <a:rPr lang="en-US" sz="2000" dirty="0">
+                <a:highlight>
+                  <a:srgbClr val="FFFF00"/>
+                </a:highlight>
+                <a:latin typeface="+mn-lt"/>
+              </a:rPr>
+              <a:t>Factors</a:t>
+            </a:r>
+            <a:r>
+              <a:rPr lang="en-US" sz="2000" dirty="0">
+                <a:highlight>
+                  <a:srgbClr val="808000"/>
+                </a:highlight>
+                <a:latin typeface="+mn-lt"/>
+              </a:rPr>
+              <a:t> affecting the asymmetric responsiveness to good </a:t>
+            </a:r>
+            <a:r>
+              <a:rPr lang="en-US" sz="2000" dirty="0" err="1">
+                <a:highlight>
+                  <a:srgbClr val="808000"/>
+                </a:highlight>
+                <a:latin typeface="+mn-lt"/>
+              </a:rPr>
+              <a:t>v.s</a:t>
+            </a:r>
+            <a:r>
+              <a:rPr lang="en-US" sz="2000" dirty="0">
+                <a:highlight>
+                  <a:srgbClr val="808000"/>
+                </a:highlight>
+                <a:latin typeface="+mn-lt"/>
+              </a:rPr>
+              <a:t>. bad news in narrative disclosure?</a:t>
+            </a:r>
+          </a:p>
+          <a:p>
+            <a:pPr marL="342900" indent="-342900">
+              <a:buFont typeface="Arial" panose="020B0604020202020204" pitchFamily="34" charset="0"/>
+              <a:buChar char="•"/>
+            </a:pPr>
+            <a:r>
+              <a:rPr lang="en-US" sz="1400" b="1" dirty="0">
+                <a:latin typeface="+mn-lt"/>
+              </a:rPr>
+              <a:t>Policy: </a:t>
+            </a:r>
+            <a:r>
+              <a:rPr lang="en-US" sz="1400" dirty="0">
+                <a:latin typeface="+mn-lt"/>
+              </a:rPr>
+              <a:t>textual disclosure related to items that mainly apply conditional (PP&amp;E) </a:t>
+            </a:r>
+            <a:r>
+              <a:rPr lang="en-US" sz="1400" dirty="0" err="1">
+                <a:latin typeface="+mn-lt"/>
+              </a:rPr>
+              <a:t>v.s</a:t>
+            </a:r>
+            <a:r>
+              <a:rPr lang="en-US" sz="1400" dirty="0">
+                <a:latin typeface="+mn-lt"/>
+              </a:rPr>
+              <a:t>. unconditional (R&amp;D) conservative accounting policy in its numerical disclosure</a:t>
+            </a:r>
+          </a:p>
+          <a:p>
+            <a:pPr marL="342900" indent="-342900">
+              <a:buFont typeface="Arial" panose="020B0604020202020204" pitchFamily="34" charset="0"/>
+              <a:buChar char="•"/>
+            </a:pPr>
+            <a:r>
+              <a:rPr lang="en-US" sz="1400" b="1" dirty="0">
+                <a:latin typeface="+mn-lt"/>
+              </a:rPr>
+              <a:t>Purpose: </a:t>
+            </a:r>
+            <a:r>
+              <a:rPr lang="en-US" sz="1400" dirty="0">
+                <a:latin typeface="+mn-lt"/>
+              </a:rPr>
+              <a:t>text disclosure that aims to explain numerical disclosure (notes) </a:t>
+            </a:r>
+            <a:r>
+              <a:rPr lang="en-US" sz="1400" dirty="0" err="1">
+                <a:latin typeface="+mn-lt"/>
+              </a:rPr>
+              <a:t>v.s</a:t>
+            </a:r>
+            <a:r>
+              <a:rPr lang="en-US" sz="1400" dirty="0">
+                <a:latin typeface="+mn-lt"/>
+              </a:rPr>
+              <a:t>. to provide forward-looking information (MD&amp;A)</a:t>
+            </a:r>
+          </a:p>
+        </p:txBody>
+      </p:sp>
+      <p:sp>
+        <p:nvSpPr>
+          <p:cNvPr id="23" name="Content Placeholder 2">
+            <a:extLst>
+              <a:ext uri="{FF2B5EF4-FFF2-40B4-BE49-F238E27FC236}">
+                <a16:creationId xmlns:a16="http://schemas.microsoft.com/office/drawing/2014/main" id="{D878E3AE-BB5C-44A1-9701-C9BFFB4DCAC5}"/>
+              </a:ext>
+            </a:extLst>
+          </p:cNvPr>
+          <p:cNvSpPr txBox="1">
+            <a:spLocks/>
+          </p:cNvSpPr>
+          <p:nvPr/>
+        </p:nvSpPr>
+        <p:spPr>
+          <a:xfrm>
+            <a:off x="0" y="6267075"/>
+            <a:ext cx="1729483" cy="447058"/>
+          </a:xfrm>
+          <a:prstGeom prst="rect">
+            <a:avLst/>
+          </a:prstGeom>
+        </p:spPr>
+        <p:txBody>
+          <a:bodyPr vert="horz" lIns="91440" tIns="45720" rIns="91440" bIns="45720" rtlCol="0">
+            <a:noAutofit/>
+          </a:bodyPr>
+          <a:lstStyle>
+            <a:lvl1pPr marL="228600" indent="-228600" algn="l" defTabSz="914400" rtl="0" eaLnBrk="1" latinLnBrk="0" hangingPunct="1">
+              <a:lnSpc>
+                <a:spcPct val="90000"/>
+              </a:lnSpc>
+              <a:spcBef>
+                <a:spcPts val="1000"/>
+              </a:spcBef>
+              <a:buFont typeface="Arial" panose="020B0604020202020204" pitchFamily="34" charset="0"/>
+              <a:buChar char="•"/>
+              <a:defRPr sz="2800" kern="1200">
+                <a:solidFill>
+                  <a:schemeClr val="tx1"/>
+                </a:solidFill>
+                <a:latin typeface="+mn-lt"/>
+                <a:ea typeface="+mn-ea"/>
+                <a:cs typeface="+mn-cs"/>
+              </a:defRPr>
+            </a:lvl1pPr>
+            <a:lvl2pPr marL="685800" indent="-228600" algn="l" defTabSz="914400" rtl="0" eaLnBrk="1" latinLnBrk="0" hangingPunct="1">
+              <a:lnSpc>
+                <a:spcPct val="90000"/>
+              </a:lnSpc>
+              <a:spcBef>
+                <a:spcPts val="500"/>
+              </a:spcBef>
+              <a:buFont typeface="Arial" panose="020B0604020202020204" pitchFamily="34" charset="0"/>
+              <a:buChar char="•"/>
+              <a:defRPr sz="2400" kern="1200">
+                <a:solidFill>
+                  <a:schemeClr val="tx1"/>
+                </a:solidFill>
+                <a:latin typeface="+mn-lt"/>
+                <a:ea typeface="+mn-ea"/>
+                <a:cs typeface="+mn-cs"/>
+              </a:defRPr>
+            </a:lvl2pPr>
+            <a:lvl3pPr marL="1143000" indent="-228600" algn="l" defTabSz="914400" rtl="0" eaLnBrk="1" latinLnBrk="0" hangingPunct="1">
+              <a:lnSpc>
+                <a:spcPct val="90000"/>
+              </a:lnSpc>
+              <a:spcBef>
+                <a:spcPts val="500"/>
+              </a:spcBef>
+              <a:buFont typeface="Arial" panose="020B0604020202020204" pitchFamily="34" charset="0"/>
+              <a:buChar char="•"/>
+              <a:defRPr sz="2000" kern="1200">
+                <a:solidFill>
+                  <a:schemeClr val="tx1"/>
+                </a:solidFill>
+                <a:latin typeface="+mn-lt"/>
+                <a:ea typeface="+mn-ea"/>
+                <a:cs typeface="+mn-cs"/>
+              </a:defRPr>
+            </a:lvl3pPr>
+            <a:lvl4pPr marL="1600200" indent="-228600" algn="l" defTabSz="914400" rtl="0" eaLnBrk="1" latinLnBrk="0" hangingPunct="1">
+              <a:lnSpc>
+                <a:spcPct val="90000"/>
+              </a:lnSpc>
+              <a:spcBef>
+                <a:spcPts val="500"/>
+              </a:spcBef>
+              <a:buFont typeface="Arial" panose="020B0604020202020204" pitchFamily="34" charset="0"/>
+              <a:buChar char="•"/>
+              <a:defRPr sz="1800" kern="1200">
+                <a:solidFill>
+                  <a:schemeClr val="tx1"/>
+                </a:solidFill>
+                <a:latin typeface="+mn-lt"/>
+                <a:ea typeface="+mn-ea"/>
+                <a:cs typeface="+mn-cs"/>
+              </a:defRPr>
+            </a:lvl4pPr>
+            <a:lvl5pPr marL="2057400" indent="-228600" algn="l" defTabSz="914400" rtl="0" eaLnBrk="1" latinLnBrk="0" hangingPunct="1">
+              <a:lnSpc>
+                <a:spcPct val="90000"/>
+              </a:lnSpc>
+              <a:spcBef>
+                <a:spcPts val="500"/>
+              </a:spcBef>
+              <a:buFont typeface="Arial" panose="020B0604020202020204" pitchFamily="34" charset="0"/>
+              <a:buChar char="•"/>
+              <a:defRPr sz="1800" kern="1200">
+                <a:solidFill>
+                  <a:schemeClr val="tx1"/>
+                </a:solidFill>
+                <a:latin typeface="+mn-lt"/>
+                <a:ea typeface="+mn-ea"/>
+                <a:cs typeface="+mn-cs"/>
+              </a:defRPr>
+            </a:lvl5pPr>
+            <a:lvl6pPr marL="2514600" indent="-228600" algn="l" defTabSz="914400" rtl="0" eaLnBrk="1" latinLnBrk="0" hangingPunct="1">
+              <a:lnSpc>
+                <a:spcPct val="90000"/>
+              </a:lnSpc>
+              <a:spcBef>
+                <a:spcPts val="500"/>
+              </a:spcBef>
+              <a:buFont typeface="Arial" panose="020B0604020202020204" pitchFamily="34" charset="0"/>
+              <a:buChar char="•"/>
+              <a:defRPr sz="1800" kern="1200">
+                <a:solidFill>
+                  <a:schemeClr val="tx1"/>
+                </a:solidFill>
+                <a:latin typeface="+mn-lt"/>
+                <a:ea typeface="+mn-ea"/>
+                <a:cs typeface="+mn-cs"/>
+              </a:defRPr>
+            </a:lvl6pPr>
+            <a:lvl7pPr marL="2971800" indent="-228600" algn="l" defTabSz="914400" rtl="0" eaLnBrk="1" latinLnBrk="0" hangingPunct="1">
+              <a:lnSpc>
+                <a:spcPct val="90000"/>
+              </a:lnSpc>
+              <a:spcBef>
+                <a:spcPts val="500"/>
+              </a:spcBef>
+              <a:buFont typeface="Arial" panose="020B0604020202020204" pitchFamily="34" charset="0"/>
+              <a:buChar char="•"/>
+              <a:defRPr sz="1800" kern="1200">
+                <a:solidFill>
+                  <a:schemeClr val="tx1"/>
+                </a:solidFill>
+                <a:latin typeface="+mn-lt"/>
+                <a:ea typeface="+mn-ea"/>
+                <a:cs typeface="+mn-cs"/>
+              </a:defRPr>
+            </a:lvl7pPr>
+            <a:lvl8pPr marL="3429000" indent="-228600" algn="l" defTabSz="914400" rtl="0" eaLnBrk="1" latinLnBrk="0" hangingPunct="1">
+              <a:lnSpc>
+                <a:spcPct val="90000"/>
+              </a:lnSpc>
+              <a:spcBef>
+                <a:spcPts val="500"/>
+              </a:spcBef>
+              <a:buFont typeface="Arial" panose="020B0604020202020204" pitchFamily="34" charset="0"/>
+              <a:buChar char="•"/>
+              <a:defRPr sz="1800" kern="1200">
+                <a:solidFill>
+                  <a:schemeClr val="tx1"/>
+                </a:solidFill>
+                <a:latin typeface="+mn-lt"/>
+                <a:ea typeface="+mn-ea"/>
+                <a:cs typeface="+mn-cs"/>
+              </a:defRPr>
+            </a:lvl8pPr>
+            <a:lvl9pPr marL="3886200" indent="-228600" algn="l" defTabSz="914400" rtl="0" eaLnBrk="1" latinLnBrk="0" hangingPunct="1">
+              <a:lnSpc>
+                <a:spcPct val="90000"/>
+              </a:lnSpc>
+              <a:spcBef>
+                <a:spcPts val="500"/>
+              </a:spcBef>
+              <a:buFont typeface="Arial" panose="020B0604020202020204" pitchFamily="34" charset="0"/>
+              <a:buChar char="•"/>
+              <a:defRPr sz="1800" kern="1200">
+                <a:solidFill>
+                  <a:schemeClr val="tx1"/>
+                </a:solidFill>
+                <a:latin typeface="+mn-lt"/>
+                <a:ea typeface="+mn-ea"/>
+                <a:cs typeface="+mn-cs"/>
+              </a:defRPr>
+            </a:lvl9pPr>
+          </a:lstStyle>
+          <a:p>
+            <a:pPr marL="0" indent="0">
+              <a:buNone/>
+            </a:pPr>
+            <a:r>
+              <a:rPr lang="en-US" sz="2600" dirty="0"/>
+              <a:t>Robustness</a:t>
+            </a:r>
+          </a:p>
+        </p:txBody>
+      </p:sp>
+      <p:sp>
+        <p:nvSpPr>
+          <p:cNvPr id="24" name="Content Placeholder 2">
+            <a:extLst>
+              <a:ext uri="{FF2B5EF4-FFF2-40B4-BE49-F238E27FC236}">
+                <a16:creationId xmlns:a16="http://schemas.microsoft.com/office/drawing/2014/main" id="{2CEBC994-7DFD-4FA0-89B5-B164C27D07F7}"/>
+              </a:ext>
+            </a:extLst>
+          </p:cNvPr>
+          <p:cNvSpPr txBox="1">
+            <a:spLocks/>
+          </p:cNvSpPr>
+          <p:nvPr/>
+        </p:nvSpPr>
+        <p:spPr>
+          <a:xfrm>
+            <a:off x="1907590" y="6405255"/>
+            <a:ext cx="9815742" cy="326538"/>
+          </a:xfrm>
+          <a:prstGeom prst="rect">
+            <a:avLst/>
+          </a:prstGeom>
+        </p:spPr>
+        <p:txBody>
+          <a:bodyPr vert="horz" lIns="91440" tIns="45720" rIns="91440" bIns="45720" rtlCol="0">
+            <a:normAutofit lnSpcReduction="10000"/>
+          </a:bodyPr>
+          <a:lstStyle>
+            <a:lvl1pPr marL="228600" indent="-228600" algn="l" defTabSz="914400" rtl="0" eaLnBrk="1" latinLnBrk="0" hangingPunct="1">
+              <a:lnSpc>
+                <a:spcPct val="90000"/>
+              </a:lnSpc>
+              <a:spcBef>
+                <a:spcPts val="1000"/>
+              </a:spcBef>
+              <a:buFont typeface="Arial" panose="020B0604020202020204" pitchFamily="34" charset="0"/>
+              <a:buChar char="•"/>
+              <a:defRPr sz="2800" kern="1200">
+                <a:solidFill>
+                  <a:schemeClr val="tx1"/>
+                </a:solidFill>
+                <a:latin typeface="+mn-lt"/>
+                <a:ea typeface="+mn-ea"/>
+                <a:cs typeface="+mn-cs"/>
+              </a:defRPr>
+            </a:lvl1pPr>
+            <a:lvl2pPr marL="685800" indent="-228600" algn="l" defTabSz="914400" rtl="0" eaLnBrk="1" latinLnBrk="0" hangingPunct="1">
+              <a:lnSpc>
+                <a:spcPct val="90000"/>
+              </a:lnSpc>
+              <a:spcBef>
+                <a:spcPts val="500"/>
+              </a:spcBef>
+              <a:buFont typeface="Arial" panose="020B0604020202020204" pitchFamily="34" charset="0"/>
+              <a:buChar char="•"/>
+              <a:defRPr sz="2400" kern="1200">
+                <a:solidFill>
+                  <a:schemeClr val="tx1"/>
+                </a:solidFill>
+                <a:latin typeface="+mn-lt"/>
+                <a:ea typeface="+mn-ea"/>
+                <a:cs typeface="+mn-cs"/>
+              </a:defRPr>
+            </a:lvl2pPr>
+            <a:lvl3pPr marL="1143000" indent="-228600" algn="l" defTabSz="914400" rtl="0" eaLnBrk="1" latinLnBrk="0" hangingPunct="1">
+              <a:lnSpc>
+                <a:spcPct val="90000"/>
+              </a:lnSpc>
+              <a:spcBef>
+                <a:spcPts val="500"/>
+              </a:spcBef>
+              <a:buFont typeface="Arial" panose="020B0604020202020204" pitchFamily="34" charset="0"/>
+              <a:buChar char="•"/>
+              <a:defRPr sz="2000" kern="1200">
+                <a:solidFill>
+                  <a:schemeClr val="tx1"/>
+                </a:solidFill>
+                <a:latin typeface="+mn-lt"/>
+                <a:ea typeface="+mn-ea"/>
+                <a:cs typeface="+mn-cs"/>
+              </a:defRPr>
+            </a:lvl3pPr>
+            <a:lvl4pPr marL="1600200" indent="-228600" algn="l" defTabSz="914400" rtl="0" eaLnBrk="1" latinLnBrk="0" hangingPunct="1">
+              <a:lnSpc>
+                <a:spcPct val="90000"/>
+              </a:lnSpc>
+              <a:spcBef>
+                <a:spcPts val="500"/>
+              </a:spcBef>
+              <a:buFont typeface="Arial" panose="020B0604020202020204" pitchFamily="34" charset="0"/>
+              <a:buChar char="•"/>
+              <a:defRPr sz="1800" kern="1200">
+                <a:solidFill>
+                  <a:schemeClr val="tx1"/>
+                </a:solidFill>
+                <a:latin typeface="+mn-lt"/>
+                <a:ea typeface="+mn-ea"/>
+                <a:cs typeface="+mn-cs"/>
+              </a:defRPr>
+            </a:lvl4pPr>
+            <a:lvl5pPr marL="2057400" indent="-228600" algn="l" defTabSz="914400" rtl="0" eaLnBrk="1" latinLnBrk="0" hangingPunct="1">
+              <a:lnSpc>
+                <a:spcPct val="90000"/>
+              </a:lnSpc>
+              <a:spcBef>
+                <a:spcPts val="500"/>
+              </a:spcBef>
+              <a:buFont typeface="Arial" panose="020B0604020202020204" pitchFamily="34" charset="0"/>
+              <a:buChar char="•"/>
+              <a:defRPr sz="1800" kern="1200">
+                <a:solidFill>
+                  <a:schemeClr val="tx1"/>
+                </a:solidFill>
+                <a:latin typeface="+mn-lt"/>
+                <a:ea typeface="+mn-ea"/>
+                <a:cs typeface="+mn-cs"/>
+              </a:defRPr>
+            </a:lvl5pPr>
+            <a:lvl6pPr marL="2514600" indent="-228600" algn="l" defTabSz="914400" rtl="0" eaLnBrk="1" latinLnBrk="0" hangingPunct="1">
+              <a:lnSpc>
+                <a:spcPct val="90000"/>
+              </a:lnSpc>
+              <a:spcBef>
+                <a:spcPts val="500"/>
+              </a:spcBef>
+              <a:buFont typeface="Arial" panose="020B0604020202020204" pitchFamily="34" charset="0"/>
+              <a:buChar char="•"/>
+              <a:defRPr sz="1800" kern="1200">
+                <a:solidFill>
+                  <a:schemeClr val="tx1"/>
+                </a:solidFill>
+                <a:latin typeface="+mn-lt"/>
+                <a:ea typeface="+mn-ea"/>
+                <a:cs typeface="+mn-cs"/>
+              </a:defRPr>
+            </a:lvl6pPr>
+            <a:lvl7pPr marL="2971800" indent="-228600" algn="l" defTabSz="914400" rtl="0" eaLnBrk="1" latinLnBrk="0" hangingPunct="1">
+              <a:lnSpc>
+                <a:spcPct val="90000"/>
+              </a:lnSpc>
+              <a:spcBef>
+                <a:spcPts val="500"/>
+              </a:spcBef>
+              <a:buFont typeface="Arial" panose="020B0604020202020204" pitchFamily="34" charset="0"/>
+              <a:buChar char="•"/>
+              <a:defRPr sz="1800" kern="1200">
+                <a:solidFill>
+                  <a:schemeClr val="tx1"/>
+                </a:solidFill>
+                <a:latin typeface="+mn-lt"/>
+                <a:ea typeface="+mn-ea"/>
+                <a:cs typeface="+mn-cs"/>
+              </a:defRPr>
+            </a:lvl7pPr>
+            <a:lvl8pPr marL="3429000" indent="-228600" algn="l" defTabSz="914400" rtl="0" eaLnBrk="1" latinLnBrk="0" hangingPunct="1">
+              <a:lnSpc>
+                <a:spcPct val="90000"/>
+              </a:lnSpc>
+              <a:spcBef>
+                <a:spcPts val="500"/>
+              </a:spcBef>
+              <a:buFont typeface="Arial" panose="020B0604020202020204" pitchFamily="34" charset="0"/>
+              <a:buChar char="•"/>
+              <a:defRPr sz="1800" kern="1200">
+                <a:solidFill>
+                  <a:schemeClr val="tx1"/>
+                </a:solidFill>
+                <a:latin typeface="+mn-lt"/>
+                <a:ea typeface="+mn-ea"/>
+                <a:cs typeface="+mn-cs"/>
+              </a:defRPr>
+            </a:lvl8pPr>
+            <a:lvl9pPr marL="3886200" indent="-228600" algn="l" defTabSz="914400" rtl="0" eaLnBrk="1" latinLnBrk="0" hangingPunct="1">
+              <a:lnSpc>
+                <a:spcPct val="90000"/>
+              </a:lnSpc>
+              <a:spcBef>
+                <a:spcPts val="500"/>
+              </a:spcBef>
+              <a:buFont typeface="Arial" panose="020B0604020202020204" pitchFamily="34" charset="0"/>
+              <a:buChar char="•"/>
+              <a:defRPr sz="1800" kern="1200">
+                <a:solidFill>
+                  <a:schemeClr val="tx1"/>
+                </a:solidFill>
+                <a:latin typeface="+mn-lt"/>
+                <a:ea typeface="+mn-ea"/>
+                <a:cs typeface="+mn-cs"/>
+              </a:defRPr>
+            </a:lvl9pPr>
+          </a:lstStyle>
+          <a:p>
+            <a:r>
+              <a:rPr lang="en-US" sz="1800" dirty="0"/>
+              <a:t>Other news proxy: tariff / oil price (case study for specific industries)</a:t>
+            </a:r>
+          </a:p>
+        </p:txBody>
+      </p:sp>
+      <p:sp>
+        <p:nvSpPr>
+          <p:cNvPr id="25" name="Content Placeholder 2">
+            <a:extLst>
+              <a:ext uri="{FF2B5EF4-FFF2-40B4-BE49-F238E27FC236}">
+                <a16:creationId xmlns:a16="http://schemas.microsoft.com/office/drawing/2014/main" id="{34145B39-2359-4589-98F0-9A1C49FE2803}"/>
+              </a:ext>
+            </a:extLst>
+          </p:cNvPr>
+          <p:cNvSpPr txBox="1">
+            <a:spLocks/>
+          </p:cNvSpPr>
+          <p:nvPr/>
+        </p:nvSpPr>
+        <p:spPr>
+          <a:xfrm>
+            <a:off x="4249823" y="569389"/>
+            <a:ext cx="1423760" cy="440207"/>
+          </a:xfrm>
+          <a:prstGeom prst="rect">
+            <a:avLst/>
+          </a:prstGeom>
+        </p:spPr>
+        <p:txBody>
+          <a:bodyPr vert="horz" lIns="91440" tIns="45720" rIns="91440" bIns="45720" rtlCol="0">
+            <a:normAutofit/>
+          </a:bodyPr>
+          <a:lstStyle>
+            <a:lvl1pPr marL="228600" indent="-228600" algn="l" defTabSz="914400" rtl="0" eaLnBrk="1" latinLnBrk="0" hangingPunct="1">
+              <a:lnSpc>
+                <a:spcPct val="90000"/>
+              </a:lnSpc>
+              <a:spcBef>
+                <a:spcPts val="1000"/>
+              </a:spcBef>
+              <a:buFont typeface="Arial" panose="020B0604020202020204" pitchFamily="34" charset="0"/>
+              <a:buChar char="•"/>
+              <a:defRPr sz="2800" kern="1200">
+                <a:solidFill>
+                  <a:schemeClr val="tx1"/>
+                </a:solidFill>
+                <a:latin typeface="+mn-lt"/>
+                <a:ea typeface="+mn-ea"/>
+                <a:cs typeface="+mn-cs"/>
+              </a:defRPr>
+            </a:lvl1pPr>
+            <a:lvl2pPr marL="685800" indent="-228600" algn="l" defTabSz="914400" rtl="0" eaLnBrk="1" latinLnBrk="0" hangingPunct="1">
+              <a:lnSpc>
+                <a:spcPct val="90000"/>
+              </a:lnSpc>
+              <a:spcBef>
+                <a:spcPts val="500"/>
+              </a:spcBef>
+              <a:buFont typeface="Arial" panose="020B0604020202020204" pitchFamily="34" charset="0"/>
+              <a:buChar char="•"/>
+              <a:defRPr sz="2400" kern="1200">
+                <a:solidFill>
+                  <a:schemeClr val="tx1"/>
+                </a:solidFill>
+                <a:latin typeface="+mn-lt"/>
+                <a:ea typeface="+mn-ea"/>
+                <a:cs typeface="+mn-cs"/>
+              </a:defRPr>
+            </a:lvl2pPr>
+            <a:lvl3pPr marL="1143000" indent="-228600" algn="l" defTabSz="914400" rtl="0" eaLnBrk="1" latinLnBrk="0" hangingPunct="1">
+              <a:lnSpc>
+                <a:spcPct val="90000"/>
+              </a:lnSpc>
+              <a:spcBef>
+                <a:spcPts val="500"/>
+              </a:spcBef>
+              <a:buFont typeface="Arial" panose="020B0604020202020204" pitchFamily="34" charset="0"/>
+              <a:buChar char="•"/>
+              <a:defRPr sz="2000" kern="1200">
+                <a:solidFill>
+                  <a:schemeClr val="tx1"/>
+                </a:solidFill>
+                <a:latin typeface="+mn-lt"/>
+                <a:ea typeface="+mn-ea"/>
+                <a:cs typeface="+mn-cs"/>
+              </a:defRPr>
+            </a:lvl3pPr>
+            <a:lvl4pPr marL="1600200" indent="-228600" algn="l" defTabSz="914400" rtl="0" eaLnBrk="1" latinLnBrk="0" hangingPunct="1">
+              <a:lnSpc>
+                <a:spcPct val="90000"/>
+              </a:lnSpc>
+              <a:spcBef>
+                <a:spcPts val="500"/>
+              </a:spcBef>
+              <a:buFont typeface="Arial" panose="020B0604020202020204" pitchFamily="34" charset="0"/>
+              <a:buChar char="•"/>
+              <a:defRPr sz="1800" kern="1200">
+                <a:solidFill>
+                  <a:schemeClr val="tx1"/>
+                </a:solidFill>
+                <a:latin typeface="+mn-lt"/>
+                <a:ea typeface="+mn-ea"/>
+                <a:cs typeface="+mn-cs"/>
+              </a:defRPr>
+            </a:lvl4pPr>
+            <a:lvl5pPr marL="2057400" indent="-228600" algn="l" defTabSz="914400" rtl="0" eaLnBrk="1" latinLnBrk="0" hangingPunct="1">
+              <a:lnSpc>
+                <a:spcPct val="90000"/>
+              </a:lnSpc>
+              <a:spcBef>
+                <a:spcPts val="500"/>
+              </a:spcBef>
+              <a:buFont typeface="Arial" panose="020B0604020202020204" pitchFamily="34" charset="0"/>
+              <a:buChar char="•"/>
+              <a:defRPr sz="1800" kern="1200">
+                <a:solidFill>
+                  <a:schemeClr val="tx1"/>
+                </a:solidFill>
+                <a:latin typeface="+mn-lt"/>
+                <a:ea typeface="+mn-ea"/>
+                <a:cs typeface="+mn-cs"/>
+              </a:defRPr>
+            </a:lvl5pPr>
+            <a:lvl6pPr marL="2514600" indent="-228600" algn="l" defTabSz="914400" rtl="0" eaLnBrk="1" latinLnBrk="0" hangingPunct="1">
+              <a:lnSpc>
+                <a:spcPct val="90000"/>
+              </a:lnSpc>
+              <a:spcBef>
+                <a:spcPts val="500"/>
+              </a:spcBef>
+              <a:buFont typeface="Arial" panose="020B0604020202020204" pitchFamily="34" charset="0"/>
+              <a:buChar char="•"/>
+              <a:defRPr sz="1800" kern="1200">
+                <a:solidFill>
+                  <a:schemeClr val="tx1"/>
+                </a:solidFill>
+                <a:latin typeface="+mn-lt"/>
+                <a:ea typeface="+mn-ea"/>
+                <a:cs typeface="+mn-cs"/>
+              </a:defRPr>
+            </a:lvl6pPr>
+            <a:lvl7pPr marL="2971800" indent="-228600" algn="l" defTabSz="914400" rtl="0" eaLnBrk="1" latinLnBrk="0" hangingPunct="1">
+              <a:lnSpc>
+                <a:spcPct val="90000"/>
+              </a:lnSpc>
+              <a:spcBef>
+                <a:spcPts val="500"/>
+              </a:spcBef>
+              <a:buFont typeface="Arial" panose="020B0604020202020204" pitchFamily="34" charset="0"/>
+              <a:buChar char="•"/>
+              <a:defRPr sz="1800" kern="1200">
+                <a:solidFill>
+                  <a:schemeClr val="tx1"/>
+                </a:solidFill>
+                <a:latin typeface="+mn-lt"/>
+                <a:ea typeface="+mn-ea"/>
+                <a:cs typeface="+mn-cs"/>
+              </a:defRPr>
+            </a:lvl7pPr>
+            <a:lvl8pPr marL="3429000" indent="-228600" algn="l" defTabSz="914400" rtl="0" eaLnBrk="1" latinLnBrk="0" hangingPunct="1">
+              <a:lnSpc>
+                <a:spcPct val="90000"/>
+              </a:lnSpc>
+              <a:spcBef>
+                <a:spcPts val="500"/>
+              </a:spcBef>
+              <a:buFont typeface="Arial" panose="020B0604020202020204" pitchFamily="34" charset="0"/>
+              <a:buChar char="•"/>
+              <a:defRPr sz="1800" kern="1200">
+                <a:solidFill>
+                  <a:schemeClr val="tx1"/>
+                </a:solidFill>
+                <a:latin typeface="+mn-lt"/>
+                <a:ea typeface="+mn-ea"/>
+                <a:cs typeface="+mn-cs"/>
+              </a:defRPr>
+            </a:lvl8pPr>
+            <a:lvl9pPr marL="3886200" indent="-228600" algn="l" defTabSz="914400" rtl="0" eaLnBrk="1" latinLnBrk="0" hangingPunct="1">
+              <a:lnSpc>
+                <a:spcPct val="90000"/>
+              </a:lnSpc>
+              <a:spcBef>
+                <a:spcPts val="500"/>
+              </a:spcBef>
+              <a:buFont typeface="Arial" panose="020B0604020202020204" pitchFamily="34" charset="0"/>
+              <a:buChar char="•"/>
+              <a:defRPr sz="1800" kern="1200">
+                <a:solidFill>
+                  <a:schemeClr val="tx1"/>
+                </a:solidFill>
+                <a:latin typeface="+mn-lt"/>
+                <a:ea typeface="+mn-ea"/>
+                <a:cs typeface="+mn-cs"/>
+              </a:defRPr>
+            </a:lvl9pPr>
+          </a:lstStyle>
+          <a:p>
+            <a:r>
+              <a:rPr lang="en-US" sz="2400" dirty="0"/>
+              <a:t>Content</a:t>
+            </a:r>
+          </a:p>
+        </p:txBody>
+      </p:sp>
+      <p:sp>
+        <p:nvSpPr>
+          <p:cNvPr id="26" name="Content Placeholder 2">
+            <a:extLst>
+              <a:ext uri="{FF2B5EF4-FFF2-40B4-BE49-F238E27FC236}">
+                <a16:creationId xmlns:a16="http://schemas.microsoft.com/office/drawing/2014/main" id="{8751D73F-E6CD-4814-A51F-7B3CAE3808B4}"/>
+              </a:ext>
+            </a:extLst>
+          </p:cNvPr>
+          <p:cNvSpPr txBox="1">
+            <a:spLocks/>
+          </p:cNvSpPr>
+          <p:nvPr/>
+        </p:nvSpPr>
+        <p:spPr>
+          <a:xfrm>
+            <a:off x="6038666" y="908031"/>
+            <a:ext cx="1239914" cy="405644"/>
+          </a:xfrm>
+          <a:prstGeom prst="rect">
+            <a:avLst/>
+          </a:prstGeom>
+        </p:spPr>
+        <p:txBody>
+          <a:bodyPr vert="horz" lIns="91440" tIns="45720" rIns="91440" bIns="45720" rtlCol="0">
+            <a:normAutofit/>
+          </a:bodyPr>
+          <a:lstStyle>
+            <a:lvl1pPr marL="228600" indent="-228600" algn="l" defTabSz="914400" rtl="0" eaLnBrk="1" latinLnBrk="0" hangingPunct="1">
+              <a:lnSpc>
+                <a:spcPct val="90000"/>
+              </a:lnSpc>
+              <a:spcBef>
+                <a:spcPts val="1000"/>
+              </a:spcBef>
+              <a:buFont typeface="Arial" panose="020B0604020202020204" pitchFamily="34" charset="0"/>
+              <a:buChar char="•"/>
+              <a:defRPr sz="2800" kern="1200">
+                <a:solidFill>
+                  <a:schemeClr val="tx1"/>
+                </a:solidFill>
+                <a:latin typeface="+mn-lt"/>
+                <a:ea typeface="+mn-ea"/>
+                <a:cs typeface="+mn-cs"/>
+              </a:defRPr>
+            </a:lvl1pPr>
+            <a:lvl2pPr marL="685800" indent="-228600" algn="l" defTabSz="914400" rtl="0" eaLnBrk="1" latinLnBrk="0" hangingPunct="1">
+              <a:lnSpc>
+                <a:spcPct val="90000"/>
+              </a:lnSpc>
+              <a:spcBef>
+                <a:spcPts val="500"/>
+              </a:spcBef>
+              <a:buFont typeface="Arial" panose="020B0604020202020204" pitchFamily="34" charset="0"/>
+              <a:buChar char="•"/>
+              <a:defRPr sz="2400" kern="1200">
+                <a:solidFill>
+                  <a:schemeClr val="tx1"/>
+                </a:solidFill>
+                <a:latin typeface="+mn-lt"/>
+                <a:ea typeface="+mn-ea"/>
+                <a:cs typeface="+mn-cs"/>
+              </a:defRPr>
+            </a:lvl2pPr>
+            <a:lvl3pPr marL="1143000" indent="-228600" algn="l" defTabSz="914400" rtl="0" eaLnBrk="1" latinLnBrk="0" hangingPunct="1">
+              <a:lnSpc>
+                <a:spcPct val="90000"/>
+              </a:lnSpc>
+              <a:spcBef>
+                <a:spcPts val="500"/>
+              </a:spcBef>
+              <a:buFont typeface="Arial" panose="020B0604020202020204" pitchFamily="34" charset="0"/>
+              <a:buChar char="•"/>
+              <a:defRPr sz="2000" kern="1200">
+                <a:solidFill>
+                  <a:schemeClr val="tx1"/>
+                </a:solidFill>
+                <a:latin typeface="+mn-lt"/>
+                <a:ea typeface="+mn-ea"/>
+                <a:cs typeface="+mn-cs"/>
+              </a:defRPr>
+            </a:lvl3pPr>
+            <a:lvl4pPr marL="1600200" indent="-228600" algn="l" defTabSz="914400" rtl="0" eaLnBrk="1" latinLnBrk="0" hangingPunct="1">
+              <a:lnSpc>
+                <a:spcPct val="90000"/>
+              </a:lnSpc>
+              <a:spcBef>
+                <a:spcPts val="500"/>
+              </a:spcBef>
+              <a:buFont typeface="Arial" panose="020B0604020202020204" pitchFamily="34" charset="0"/>
+              <a:buChar char="•"/>
+              <a:defRPr sz="1800" kern="1200">
+                <a:solidFill>
+                  <a:schemeClr val="tx1"/>
+                </a:solidFill>
+                <a:latin typeface="+mn-lt"/>
+                <a:ea typeface="+mn-ea"/>
+                <a:cs typeface="+mn-cs"/>
+              </a:defRPr>
+            </a:lvl4pPr>
+            <a:lvl5pPr marL="2057400" indent="-228600" algn="l" defTabSz="914400" rtl="0" eaLnBrk="1" latinLnBrk="0" hangingPunct="1">
+              <a:lnSpc>
+                <a:spcPct val="90000"/>
+              </a:lnSpc>
+              <a:spcBef>
+                <a:spcPts val="500"/>
+              </a:spcBef>
+              <a:buFont typeface="Arial" panose="020B0604020202020204" pitchFamily="34" charset="0"/>
+              <a:buChar char="•"/>
+              <a:defRPr sz="1800" kern="1200">
+                <a:solidFill>
+                  <a:schemeClr val="tx1"/>
+                </a:solidFill>
+                <a:latin typeface="+mn-lt"/>
+                <a:ea typeface="+mn-ea"/>
+                <a:cs typeface="+mn-cs"/>
+              </a:defRPr>
+            </a:lvl5pPr>
+            <a:lvl6pPr marL="2514600" indent="-228600" algn="l" defTabSz="914400" rtl="0" eaLnBrk="1" latinLnBrk="0" hangingPunct="1">
+              <a:lnSpc>
+                <a:spcPct val="90000"/>
+              </a:lnSpc>
+              <a:spcBef>
+                <a:spcPts val="500"/>
+              </a:spcBef>
+              <a:buFont typeface="Arial" panose="020B0604020202020204" pitchFamily="34" charset="0"/>
+              <a:buChar char="•"/>
+              <a:defRPr sz="1800" kern="1200">
+                <a:solidFill>
+                  <a:schemeClr val="tx1"/>
+                </a:solidFill>
+                <a:latin typeface="+mn-lt"/>
+                <a:ea typeface="+mn-ea"/>
+                <a:cs typeface="+mn-cs"/>
+              </a:defRPr>
+            </a:lvl6pPr>
+            <a:lvl7pPr marL="2971800" indent="-228600" algn="l" defTabSz="914400" rtl="0" eaLnBrk="1" latinLnBrk="0" hangingPunct="1">
+              <a:lnSpc>
+                <a:spcPct val="90000"/>
+              </a:lnSpc>
+              <a:spcBef>
+                <a:spcPts val="500"/>
+              </a:spcBef>
+              <a:buFont typeface="Arial" panose="020B0604020202020204" pitchFamily="34" charset="0"/>
+              <a:buChar char="•"/>
+              <a:defRPr sz="1800" kern="1200">
+                <a:solidFill>
+                  <a:schemeClr val="tx1"/>
+                </a:solidFill>
+                <a:latin typeface="+mn-lt"/>
+                <a:ea typeface="+mn-ea"/>
+                <a:cs typeface="+mn-cs"/>
+              </a:defRPr>
+            </a:lvl7pPr>
+            <a:lvl8pPr marL="3429000" indent="-228600" algn="l" defTabSz="914400" rtl="0" eaLnBrk="1" latinLnBrk="0" hangingPunct="1">
+              <a:lnSpc>
+                <a:spcPct val="90000"/>
+              </a:lnSpc>
+              <a:spcBef>
+                <a:spcPts val="500"/>
+              </a:spcBef>
+              <a:buFont typeface="Arial" panose="020B0604020202020204" pitchFamily="34" charset="0"/>
+              <a:buChar char="•"/>
+              <a:defRPr sz="1800" kern="1200">
+                <a:solidFill>
+                  <a:schemeClr val="tx1"/>
+                </a:solidFill>
+                <a:latin typeface="+mn-lt"/>
+                <a:ea typeface="+mn-ea"/>
+                <a:cs typeface="+mn-cs"/>
+              </a:defRPr>
+            </a:lvl8pPr>
+            <a:lvl9pPr marL="3886200" indent="-228600" algn="l" defTabSz="914400" rtl="0" eaLnBrk="1" latinLnBrk="0" hangingPunct="1">
+              <a:lnSpc>
+                <a:spcPct val="90000"/>
+              </a:lnSpc>
+              <a:spcBef>
+                <a:spcPts val="500"/>
+              </a:spcBef>
+              <a:buFont typeface="Arial" panose="020B0604020202020204" pitchFamily="34" charset="0"/>
+              <a:buChar char="•"/>
+              <a:defRPr sz="1800" kern="1200">
+                <a:solidFill>
+                  <a:schemeClr val="tx1"/>
+                </a:solidFill>
+                <a:latin typeface="+mn-lt"/>
+                <a:ea typeface="+mn-ea"/>
+                <a:cs typeface="+mn-cs"/>
+              </a:defRPr>
+            </a:lvl9pPr>
+          </a:lstStyle>
+          <a:p>
+            <a:r>
+              <a:rPr lang="en-US" sz="2000" dirty="0"/>
+              <a:t>Quality</a:t>
+            </a:r>
+          </a:p>
+        </p:txBody>
+      </p:sp>
+      <p:sp>
+        <p:nvSpPr>
+          <p:cNvPr id="30" name="Content Placeholder 2">
+            <a:extLst>
+              <a:ext uri="{FF2B5EF4-FFF2-40B4-BE49-F238E27FC236}">
+                <a16:creationId xmlns:a16="http://schemas.microsoft.com/office/drawing/2014/main" id="{AD076BF8-EF6E-4F08-899A-4D1368A5705A}"/>
+              </a:ext>
+            </a:extLst>
+          </p:cNvPr>
+          <p:cNvSpPr txBox="1">
+            <a:spLocks/>
+          </p:cNvSpPr>
+          <p:nvPr/>
+        </p:nvSpPr>
+        <p:spPr>
+          <a:xfrm>
+            <a:off x="1907590" y="5224853"/>
+            <a:ext cx="10165671" cy="1130087"/>
+          </a:xfrm>
+          <a:prstGeom prst="rect">
+            <a:avLst/>
+          </a:prstGeom>
+        </p:spPr>
+        <p:txBody>
+          <a:bodyPr vert="horz" lIns="91440" tIns="45720" rIns="91440" bIns="45720" rtlCol="0">
+            <a:noAutofit/>
+          </a:bodyPr>
+          <a:lstStyle>
+            <a:lvl1pPr marL="228600" indent="-228600" algn="l" defTabSz="914400" rtl="0" eaLnBrk="1" latinLnBrk="0" hangingPunct="1">
+              <a:lnSpc>
+                <a:spcPct val="90000"/>
+              </a:lnSpc>
+              <a:spcBef>
+                <a:spcPts val="1000"/>
+              </a:spcBef>
+              <a:buFont typeface="Arial" panose="020B0604020202020204" pitchFamily="34" charset="0"/>
+              <a:buChar char="•"/>
+              <a:defRPr sz="2800" kern="1200">
+                <a:solidFill>
+                  <a:schemeClr val="tx1"/>
+                </a:solidFill>
+                <a:latin typeface="+mn-lt"/>
+                <a:ea typeface="+mn-ea"/>
+                <a:cs typeface="+mn-cs"/>
+              </a:defRPr>
+            </a:lvl1pPr>
+            <a:lvl2pPr marL="685800" indent="-228600" algn="l" defTabSz="914400" rtl="0" eaLnBrk="1" latinLnBrk="0" hangingPunct="1">
+              <a:lnSpc>
+                <a:spcPct val="90000"/>
+              </a:lnSpc>
+              <a:spcBef>
+                <a:spcPts val="500"/>
+              </a:spcBef>
+              <a:buFont typeface="Arial" panose="020B0604020202020204" pitchFamily="34" charset="0"/>
+              <a:buChar char="•"/>
+              <a:defRPr sz="2400" kern="1200">
+                <a:solidFill>
+                  <a:schemeClr val="tx1"/>
+                </a:solidFill>
+                <a:latin typeface="+mn-lt"/>
+                <a:ea typeface="+mn-ea"/>
+                <a:cs typeface="+mn-cs"/>
+              </a:defRPr>
+            </a:lvl2pPr>
+            <a:lvl3pPr marL="1143000" indent="-228600" algn="l" defTabSz="914400" rtl="0" eaLnBrk="1" latinLnBrk="0" hangingPunct="1">
+              <a:lnSpc>
+                <a:spcPct val="90000"/>
+              </a:lnSpc>
+              <a:spcBef>
+                <a:spcPts val="500"/>
+              </a:spcBef>
+              <a:buFont typeface="Arial" panose="020B0604020202020204" pitchFamily="34" charset="0"/>
+              <a:buChar char="•"/>
+              <a:defRPr sz="2000" kern="1200">
+                <a:solidFill>
+                  <a:schemeClr val="tx1"/>
+                </a:solidFill>
+                <a:latin typeface="+mn-lt"/>
+                <a:ea typeface="+mn-ea"/>
+                <a:cs typeface="+mn-cs"/>
+              </a:defRPr>
+            </a:lvl3pPr>
+            <a:lvl4pPr marL="1600200" indent="-228600" algn="l" defTabSz="914400" rtl="0" eaLnBrk="1" latinLnBrk="0" hangingPunct="1">
+              <a:lnSpc>
+                <a:spcPct val="90000"/>
+              </a:lnSpc>
+              <a:spcBef>
+                <a:spcPts val="500"/>
+              </a:spcBef>
+              <a:buFont typeface="Arial" panose="020B0604020202020204" pitchFamily="34" charset="0"/>
+              <a:buChar char="•"/>
+              <a:defRPr sz="1800" kern="1200">
+                <a:solidFill>
+                  <a:schemeClr val="tx1"/>
+                </a:solidFill>
+                <a:latin typeface="+mn-lt"/>
+                <a:ea typeface="+mn-ea"/>
+                <a:cs typeface="+mn-cs"/>
+              </a:defRPr>
+            </a:lvl4pPr>
+            <a:lvl5pPr marL="2057400" indent="-228600" algn="l" defTabSz="914400" rtl="0" eaLnBrk="1" latinLnBrk="0" hangingPunct="1">
+              <a:lnSpc>
+                <a:spcPct val="90000"/>
+              </a:lnSpc>
+              <a:spcBef>
+                <a:spcPts val="500"/>
+              </a:spcBef>
+              <a:buFont typeface="Arial" panose="020B0604020202020204" pitchFamily="34" charset="0"/>
+              <a:buChar char="•"/>
+              <a:defRPr sz="1800" kern="1200">
+                <a:solidFill>
+                  <a:schemeClr val="tx1"/>
+                </a:solidFill>
+                <a:latin typeface="+mn-lt"/>
+                <a:ea typeface="+mn-ea"/>
+                <a:cs typeface="+mn-cs"/>
+              </a:defRPr>
+            </a:lvl5pPr>
+            <a:lvl6pPr marL="2514600" indent="-228600" algn="l" defTabSz="914400" rtl="0" eaLnBrk="1" latinLnBrk="0" hangingPunct="1">
+              <a:lnSpc>
+                <a:spcPct val="90000"/>
+              </a:lnSpc>
+              <a:spcBef>
+                <a:spcPts val="500"/>
+              </a:spcBef>
+              <a:buFont typeface="Arial" panose="020B0604020202020204" pitchFamily="34" charset="0"/>
+              <a:buChar char="•"/>
+              <a:defRPr sz="1800" kern="1200">
+                <a:solidFill>
+                  <a:schemeClr val="tx1"/>
+                </a:solidFill>
+                <a:latin typeface="+mn-lt"/>
+                <a:ea typeface="+mn-ea"/>
+                <a:cs typeface="+mn-cs"/>
+              </a:defRPr>
+            </a:lvl6pPr>
+            <a:lvl7pPr marL="2971800" indent="-228600" algn="l" defTabSz="914400" rtl="0" eaLnBrk="1" latinLnBrk="0" hangingPunct="1">
+              <a:lnSpc>
+                <a:spcPct val="90000"/>
+              </a:lnSpc>
+              <a:spcBef>
+                <a:spcPts val="500"/>
+              </a:spcBef>
+              <a:buFont typeface="Arial" panose="020B0604020202020204" pitchFamily="34" charset="0"/>
+              <a:buChar char="•"/>
+              <a:defRPr sz="1800" kern="1200">
+                <a:solidFill>
+                  <a:schemeClr val="tx1"/>
+                </a:solidFill>
+                <a:latin typeface="+mn-lt"/>
+                <a:ea typeface="+mn-ea"/>
+                <a:cs typeface="+mn-cs"/>
+              </a:defRPr>
+            </a:lvl7pPr>
+            <a:lvl8pPr marL="3429000" indent="-228600" algn="l" defTabSz="914400" rtl="0" eaLnBrk="1" latinLnBrk="0" hangingPunct="1">
+              <a:lnSpc>
+                <a:spcPct val="90000"/>
+              </a:lnSpc>
+              <a:spcBef>
+                <a:spcPts val="500"/>
+              </a:spcBef>
+              <a:buFont typeface="Arial" panose="020B0604020202020204" pitchFamily="34" charset="0"/>
+              <a:buChar char="•"/>
+              <a:defRPr sz="1800" kern="1200">
+                <a:solidFill>
+                  <a:schemeClr val="tx1"/>
+                </a:solidFill>
+                <a:latin typeface="+mn-lt"/>
+                <a:ea typeface="+mn-ea"/>
+                <a:cs typeface="+mn-cs"/>
+              </a:defRPr>
+            </a:lvl8pPr>
+            <a:lvl9pPr marL="3886200" indent="-228600" algn="l" defTabSz="914400" rtl="0" eaLnBrk="1" latinLnBrk="0" hangingPunct="1">
+              <a:lnSpc>
+                <a:spcPct val="90000"/>
+              </a:lnSpc>
+              <a:spcBef>
+                <a:spcPts val="500"/>
+              </a:spcBef>
+              <a:buFont typeface="Arial" panose="020B0604020202020204" pitchFamily="34" charset="0"/>
+              <a:buChar char="•"/>
+              <a:defRPr sz="1800" kern="1200">
+                <a:solidFill>
+                  <a:schemeClr val="tx1"/>
+                </a:solidFill>
+                <a:latin typeface="+mn-lt"/>
+                <a:ea typeface="+mn-ea"/>
+                <a:cs typeface="+mn-cs"/>
+              </a:defRPr>
+            </a:lvl9pPr>
+          </a:lstStyle>
+          <a:p>
+            <a:pPr marL="0" indent="0">
+              <a:buNone/>
+            </a:pPr>
+            <a:r>
+              <a:rPr lang="en-US" sz="1400" b="1" dirty="0" err="1">
+                <a:highlight>
+                  <a:srgbClr val="C0C0C0"/>
+                </a:highlight>
+              </a:rPr>
+              <a:t>Doc_measure</a:t>
+            </a:r>
+            <a:r>
+              <a:rPr lang="en-US" sz="1400" b="1" dirty="0">
+                <a:highlight>
+                  <a:srgbClr val="C0C0C0"/>
+                </a:highlight>
+              </a:rPr>
+              <a:t> = a</a:t>
+            </a:r>
+            <a:r>
+              <a:rPr lang="en-US" sz="1400" b="1" baseline="-25000" dirty="0">
+                <a:highlight>
+                  <a:srgbClr val="C0C0C0"/>
+                </a:highlight>
+              </a:rPr>
+              <a:t>0 </a:t>
+            </a:r>
+            <a:r>
+              <a:rPr lang="en-US" sz="1400" b="1" dirty="0">
+                <a:highlight>
+                  <a:srgbClr val="C0C0C0"/>
+                </a:highlight>
+              </a:rPr>
+              <a:t>+ b</a:t>
+            </a:r>
+            <a:r>
+              <a:rPr lang="en-US" sz="1400" b="1" baseline="-25000" dirty="0">
+                <a:highlight>
+                  <a:srgbClr val="C0C0C0"/>
+                </a:highlight>
+              </a:rPr>
+              <a:t>1</a:t>
+            </a:r>
+            <a:r>
+              <a:rPr lang="en-US" sz="1400" b="1" dirty="0">
+                <a:highlight>
+                  <a:srgbClr val="C0C0C0"/>
+                </a:highlight>
+              </a:rPr>
+              <a:t>*RET + b</a:t>
+            </a:r>
+            <a:r>
+              <a:rPr lang="en-US" sz="1400" b="1" baseline="-25000" dirty="0">
+                <a:highlight>
+                  <a:srgbClr val="C0C0C0"/>
+                </a:highlight>
+              </a:rPr>
+              <a:t>2</a:t>
+            </a:r>
+            <a:r>
+              <a:rPr lang="en-US" sz="1400" b="1" dirty="0">
+                <a:highlight>
+                  <a:srgbClr val="C0C0C0"/>
+                </a:highlight>
+              </a:rPr>
+              <a:t>*NEG + b</a:t>
+            </a:r>
+            <a:r>
+              <a:rPr lang="en-US" sz="1400" b="1" baseline="-25000" dirty="0">
+                <a:highlight>
+                  <a:srgbClr val="C0C0C0"/>
+                </a:highlight>
+              </a:rPr>
+              <a:t>3</a:t>
+            </a:r>
+            <a:r>
+              <a:rPr lang="en-US" sz="1400" b="1" dirty="0">
+                <a:highlight>
+                  <a:srgbClr val="C0C0C0"/>
+                </a:highlight>
+              </a:rPr>
+              <a:t>*RET*NEG + c</a:t>
+            </a:r>
+            <a:r>
+              <a:rPr lang="en-US" sz="1400" b="1" baseline="-25000" dirty="0">
+                <a:highlight>
+                  <a:srgbClr val="C0C0C0"/>
+                </a:highlight>
+              </a:rPr>
+              <a:t>1</a:t>
+            </a:r>
+            <a:r>
+              <a:rPr lang="en-US" sz="1400" b="1" dirty="0">
+                <a:highlight>
+                  <a:srgbClr val="C0C0C0"/>
+                </a:highlight>
+              </a:rPr>
+              <a:t>*SEC + c</a:t>
+            </a:r>
+            <a:r>
+              <a:rPr lang="en-US" sz="1400" b="1" baseline="-25000" dirty="0">
+                <a:highlight>
+                  <a:srgbClr val="C0C0C0"/>
+                </a:highlight>
+              </a:rPr>
+              <a:t>2</a:t>
+            </a:r>
+            <a:r>
+              <a:rPr lang="en-US" sz="1400" b="1" dirty="0">
+                <a:highlight>
+                  <a:srgbClr val="C0C0C0"/>
+                </a:highlight>
+              </a:rPr>
+              <a:t>*RET*SEC + c</a:t>
+            </a:r>
+            <a:r>
+              <a:rPr lang="en-US" sz="1400" b="1" baseline="-25000" dirty="0">
+                <a:highlight>
+                  <a:srgbClr val="C0C0C0"/>
+                </a:highlight>
+              </a:rPr>
+              <a:t>3</a:t>
+            </a:r>
+            <a:r>
+              <a:rPr lang="en-US" sz="1400" b="1" dirty="0">
+                <a:highlight>
+                  <a:srgbClr val="C0C0C0"/>
+                </a:highlight>
+              </a:rPr>
+              <a:t>*NEG*SEC + c</a:t>
+            </a:r>
+            <a:r>
+              <a:rPr lang="en-US" sz="1400" b="1" baseline="-25000" dirty="0">
+                <a:highlight>
+                  <a:srgbClr val="C0C0C0"/>
+                </a:highlight>
+              </a:rPr>
+              <a:t>4</a:t>
+            </a:r>
+            <a:r>
+              <a:rPr lang="en-US" sz="1400" b="1" dirty="0">
+                <a:highlight>
+                  <a:srgbClr val="C0C0C0"/>
+                </a:highlight>
+              </a:rPr>
+              <a:t>*RET*NEG*SEC + controls</a:t>
+            </a:r>
+            <a:r>
+              <a:rPr lang="en-US" sz="1400" dirty="0"/>
+              <a:t>, where SEC is:</a:t>
+            </a:r>
+          </a:p>
+          <a:p>
+            <a:r>
+              <a:rPr lang="en-US" sz="1400" b="1" dirty="0"/>
+              <a:t>Policy indicator </a:t>
+            </a:r>
+            <a:r>
+              <a:rPr lang="en-US" sz="1400" dirty="0"/>
+              <a:t>that takes 1 if the textual section is related to items that mainly apply unconditionally conservative in its numerical disclosure (R&amp;D), and 0 if related to items that mainly apply conditionally conservative in its numerical disclosure (PP&amp;E)</a:t>
+            </a:r>
+          </a:p>
+          <a:p>
+            <a:r>
+              <a:rPr lang="en-US" sz="1400" b="1" dirty="0"/>
+              <a:t>Purpose indicator </a:t>
+            </a:r>
+            <a:r>
+              <a:rPr lang="en-US" sz="1400" dirty="0"/>
+              <a:t>that takes 1 if the textual section is explanatory (notes), and 0 if is forward-looking (MD&amp;A)</a:t>
+            </a:r>
+          </a:p>
+        </p:txBody>
+      </p:sp>
+      <p:sp>
+        <p:nvSpPr>
+          <p:cNvPr id="31" name="Content Placeholder 2">
+            <a:extLst>
+              <a:ext uri="{FF2B5EF4-FFF2-40B4-BE49-F238E27FC236}">
+                <a16:creationId xmlns:a16="http://schemas.microsoft.com/office/drawing/2014/main" id="{06B9C40B-A290-4374-8678-D98F4F7E0170}"/>
+              </a:ext>
+            </a:extLst>
+          </p:cNvPr>
+          <p:cNvSpPr txBox="1">
+            <a:spLocks/>
+          </p:cNvSpPr>
+          <p:nvPr/>
+        </p:nvSpPr>
+        <p:spPr>
+          <a:xfrm>
+            <a:off x="0" y="5202697"/>
+            <a:ext cx="1810305" cy="447058"/>
+          </a:xfrm>
+          <a:prstGeom prst="rect">
+            <a:avLst/>
+          </a:prstGeom>
+        </p:spPr>
+        <p:txBody>
+          <a:bodyPr vert="horz" lIns="91440" tIns="45720" rIns="91440" bIns="45720" rtlCol="0">
+            <a:noAutofit/>
+          </a:bodyPr>
+          <a:lstStyle>
+            <a:lvl1pPr marL="228600" indent="-228600" algn="l" defTabSz="914400" rtl="0" eaLnBrk="1" latinLnBrk="0" hangingPunct="1">
+              <a:lnSpc>
+                <a:spcPct val="90000"/>
+              </a:lnSpc>
+              <a:spcBef>
+                <a:spcPts val="1000"/>
+              </a:spcBef>
+              <a:buFont typeface="Arial" panose="020B0604020202020204" pitchFamily="34" charset="0"/>
+              <a:buChar char="•"/>
+              <a:defRPr sz="2800" kern="1200">
+                <a:solidFill>
+                  <a:schemeClr val="tx1"/>
+                </a:solidFill>
+                <a:latin typeface="+mn-lt"/>
+                <a:ea typeface="+mn-ea"/>
+                <a:cs typeface="+mn-cs"/>
+              </a:defRPr>
+            </a:lvl1pPr>
+            <a:lvl2pPr marL="685800" indent="-228600" algn="l" defTabSz="914400" rtl="0" eaLnBrk="1" latinLnBrk="0" hangingPunct="1">
+              <a:lnSpc>
+                <a:spcPct val="90000"/>
+              </a:lnSpc>
+              <a:spcBef>
+                <a:spcPts val="500"/>
+              </a:spcBef>
+              <a:buFont typeface="Arial" panose="020B0604020202020204" pitchFamily="34" charset="0"/>
+              <a:buChar char="•"/>
+              <a:defRPr sz="2400" kern="1200">
+                <a:solidFill>
+                  <a:schemeClr val="tx1"/>
+                </a:solidFill>
+                <a:latin typeface="+mn-lt"/>
+                <a:ea typeface="+mn-ea"/>
+                <a:cs typeface="+mn-cs"/>
+              </a:defRPr>
+            </a:lvl2pPr>
+            <a:lvl3pPr marL="1143000" indent="-228600" algn="l" defTabSz="914400" rtl="0" eaLnBrk="1" latinLnBrk="0" hangingPunct="1">
+              <a:lnSpc>
+                <a:spcPct val="90000"/>
+              </a:lnSpc>
+              <a:spcBef>
+                <a:spcPts val="500"/>
+              </a:spcBef>
+              <a:buFont typeface="Arial" panose="020B0604020202020204" pitchFamily="34" charset="0"/>
+              <a:buChar char="•"/>
+              <a:defRPr sz="2000" kern="1200">
+                <a:solidFill>
+                  <a:schemeClr val="tx1"/>
+                </a:solidFill>
+                <a:latin typeface="+mn-lt"/>
+                <a:ea typeface="+mn-ea"/>
+                <a:cs typeface="+mn-cs"/>
+              </a:defRPr>
+            </a:lvl3pPr>
+            <a:lvl4pPr marL="1600200" indent="-228600" algn="l" defTabSz="914400" rtl="0" eaLnBrk="1" latinLnBrk="0" hangingPunct="1">
+              <a:lnSpc>
+                <a:spcPct val="90000"/>
+              </a:lnSpc>
+              <a:spcBef>
+                <a:spcPts val="500"/>
+              </a:spcBef>
+              <a:buFont typeface="Arial" panose="020B0604020202020204" pitchFamily="34" charset="0"/>
+              <a:buChar char="•"/>
+              <a:defRPr sz="1800" kern="1200">
+                <a:solidFill>
+                  <a:schemeClr val="tx1"/>
+                </a:solidFill>
+                <a:latin typeface="+mn-lt"/>
+                <a:ea typeface="+mn-ea"/>
+                <a:cs typeface="+mn-cs"/>
+              </a:defRPr>
+            </a:lvl4pPr>
+            <a:lvl5pPr marL="2057400" indent="-228600" algn="l" defTabSz="914400" rtl="0" eaLnBrk="1" latinLnBrk="0" hangingPunct="1">
+              <a:lnSpc>
+                <a:spcPct val="90000"/>
+              </a:lnSpc>
+              <a:spcBef>
+                <a:spcPts val="500"/>
+              </a:spcBef>
+              <a:buFont typeface="Arial" panose="020B0604020202020204" pitchFamily="34" charset="0"/>
+              <a:buChar char="•"/>
+              <a:defRPr sz="1800" kern="1200">
+                <a:solidFill>
+                  <a:schemeClr val="tx1"/>
+                </a:solidFill>
+                <a:latin typeface="+mn-lt"/>
+                <a:ea typeface="+mn-ea"/>
+                <a:cs typeface="+mn-cs"/>
+              </a:defRPr>
+            </a:lvl5pPr>
+            <a:lvl6pPr marL="2514600" indent="-228600" algn="l" defTabSz="914400" rtl="0" eaLnBrk="1" latinLnBrk="0" hangingPunct="1">
+              <a:lnSpc>
+                <a:spcPct val="90000"/>
+              </a:lnSpc>
+              <a:spcBef>
+                <a:spcPts val="500"/>
+              </a:spcBef>
+              <a:buFont typeface="Arial" panose="020B0604020202020204" pitchFamily="34" charset="0"/>
+              <a:buChar char="•"/>
+              <a:defRPr sz="1800" kern="1200">
+                <a:solidFill>
+                  <a:schemeClr val="tx1"/>
+                </a:solidFill>
+                <a:latin typeface="+mn-lt"/>
+                <a:ea typeface="+mn-ea"/>
+                <a:cs typeface="+mn-cs"/>
+              </a:defRPr>
+            </a:lvl6pPr>
+            <a:lvl7pPr marL="2971800" indent="-228600" algn="l" defTabSz="914400" rtl="0" eaLnBrk="1" latinLnBrk="0" hangingPunct="1">
+              <a:lnSpc>
+                <a:spcPct val="90000"/>
+              </a:lnSpc>
+              <a:spcBef>
+                <a:spcPts val="500"/>
+              </a:spcBef>
+              <a:buFont typeface="Arial" panose="020B0604020202020204" pitchFamily="34" charset="0"/>
+              <a:buChar char="•"/>
+              <a:defRPr sz="1800" kern="1200">
+                <a:solidFill>
+                  <a:schemeClr val="tx1"/>
+                </a:solidFill>
+                <a:latin typeface="+mn-lt"/>
+                <a:ea typeface="+mn-ea"/>
+                <a:cs typeface="+mn-cs"/>
+              </a:defRPr>
+            </a:lvl7pPr>
+            <a:lvl8pPr marL="3429000" indent="-228600" algn="l" defTabSz="914400" rtl="0" eaLnBrk="1" latinLnBrk="0" hangingPunct="1">
+              <a:lnSpc>
+                <a:spcPct val="90000"/>
+              </a:lnSpc>
+              <a:spcBef>
+                <a:spcPts val="500"/>
+              </a:spcBef>
+              <a:buFont typeface="Arial" panose="020B0604020202020204" pitchFamily="34" charset="0"/>
+              <a:buChar char="•"/>
+              <a:defRPr sz="1800" kern="1200">
+                <a:solidFill>
+                  <a:schemeClr val="tx1"/>
+                </a:solidFill>
+                <a:latin typeface="+mn-lt"/>
+                <a:ea typeface="+mn-ea"/>
+                <a:cs typeface="+mn-cs"/>
+              </a:defRPr>
+            </a:lvl8pPr>
+            <a:lvl9pPr marL="3886200" indent="-228600" algn="l" defTabSz="914400" rtl="0" eaLnBrk="1" latinLnBrk="0" hangingPunct="1">
+              <a:lnSpc>
+                <a:spcPct val="90000"/>
+              </a:lnSpc>
+              <a:spcBef>
+                <a:spcPts val="500"/>
+              </a:spcBef>
+              <a:buFont typeface="Arial" panose="020B0604020202020204" pitchFamily="34" charset="0"/>
+              <a:buChar char="•"/>
+              <a:defRPr sz="1800" kern="1200">
+                <a:solidFill>
+                  <a:schemeClr val="tx1"/>
+                </a:solidFill>
+                <a:latin typeface="+mn-lt"/>
+                <a:ea typeface="+mn-ea"/>
+                <a:cs typeface="+mn-cs"/>
+              </a:defRPr>
+            </a:lvl9pPr>
+          </a:lstStyle>
+          <a:p>
+            <a:pPr marL="0" indent="0">
+              <a:buNone/>
+            </a:pPr>
+            <a:r>
+              <a:rPr lang="en-US" sz="1700" b="1" dirty="0"/>
+              <a:t>Model – only 10Q</a:t>
+            </a:r>
+          </a:p>
+        </p:txBody>
+      </p:sp>
+      <p:grpSp>
+        <p:nvGrpSpPr>
+          <p:cNvPr id="56" name="Group 55">
+            <a:extLst>
+              <a:ext uri="{FF2B5EF4-FFF2-40B4-BE49-F238E27FC236}">
+                <a16:creationId xmlns:a16="http://schemas.microsoft.com/office/drawing/2014/main" id="{B6A2B455-D45D-4330-929A-46739B89DCAF}"/>
+              </a:ext>
+            </a:extLst>
+          </p:cNvPr>
+          <p:cNvGrpSpPr/>
+          <p:nvPr/>
+        </p:nvGrpSpPr>
+        <p:grpSpPr>
+          <a:xfrm>
+            <a:off x="5760498" y="607603"/>
+            <a:ext cx="3144351" cy="157932"/>
+            <a:chOff x="5317724" y="529571"/>
+            <a:chExt cx="2405849" cy="269419"/>
+          </a:xfrm>
+        </p:grpSpPr>
+        <p:cxnSp>
+          <p:nvCxnSpPr>
+            <p:cNvPr id="40" name="Straight Connector 39">
+              <a:extLst>
+                <a:ext uri="{FF2B5EF4-FFF2-40B4-BE49-F238E27FC236}">
+                  <a16:creationId xmlns:a16="http://schemas.microsoft.com/office/drawing/2014/main" id="{7C279726-40B2-436E-92C0-C767FFB0B19B}"/>
+                </a:ext>
+              </a:extLst>
+            </p:cNvPr>
+            <p:cNvCxnSpPr>
+              <a:cxnSpLocks/>
+            </p:cNvCxnSpPr>
+            <p:nvPr/>
+          </p:nvCxnSpPr>
+          <p:spPr>
+            <a:xfrm>
+              <a:off x="5850384" y="529571"/>
+              <a:ext cx="0" cy="269419"/>
+            </a:xfrm>
+            <a:prstGeom prst="line">
+              <a:avLst/>
+            </a:prstGeom>
+          </p:spPr>
+          <p:style>
+            <a:lnRef idx="1">
+              <a:schemeClr val="accent1"/>
+            </a:lnRef>
+            <a:fillRef idx="0">
+              <a:schemeClr val="accent1"/>
+            </a:fillRef>
+            <a:effectRef idx="0">
+              <a:schemeClr val="accent1"/>
+            </a:effectRef>
+            <a:fontRef idx="minor">
+              <a:schemeClr val="tx1"/>
+            </a:fontRef>
+          </p:style>
+        </p:cxnSp>
+        <p:cxnSp>
+          <p:nvCxnSpPr>
+            <p:cNvPr id="43" name="Straight Arrow Connector 42">
+              <a:extLst>
+                <a:ext uri="{FF2B5EF4-FFF2-40B4-BE49-F238E27FC236}">
+                  <a16:creationId xmlns:a16="http://schemas.microsoft.com/office/drawing/2014/main" id="{538F2A9E-6DB3-4F03-8A3D-D76B79EFE9CF}"/>
+                </a:ext>
+              </a:extLst>
+            </p:cNvPr>
+            <p:cNvCxnSpPr/>
+            <p:nvPr/>
+          </p:nvCxnSpPr>
+          <p:spPr>
+            <a:xfrm>
+              <a:off x="5317724" y="798990"/>
+              <a:ext cx="2405849" cy="0"/>
+            </a:xfrm>
+            <a:prstGeom prst="straightConnector1">
+              <a:avLst/>
+            </a:prstGeom>
+            <a:ln>
+              <a:headEnd type="triangle"/>
+              <a:tailEnd type="triangle"/>
+            </a:ln>
+          </p:spPr>
+          <p:style>
+            <a:lnRef idx="1">
+              <a:schemeClr val="accent1"/>
+            </a:lnRef>
+            <a:fillRef idx="0">
+              <a:schemeClr val="accent1"/>
+            </a:fillRef>
+            <a:effectRef idx="0">
+              <a:schemeClr val="accent1"/>
+            </a:effectRef>
+            <a:fontRef idx="minor">
+              <a:schemeClr val="tx1"/>
+            </a:fontRef>
+          </p:style>
+        </p:cxnSp>
+      </p:grpSp>
+      <p:cxnSp>
+        <p:nvCxnSpPr>
+          <p:cNvPr id="45" name="Straight Connector 44">
+            <a:extLst>
+              <a:ext uri="{FF2B5EF4-FFF2-40B4-BE49-F238E27FC236}">
+                <a16:creationId xmlns:a16="http://schemas.microsoft.com/office/drawing/2014/main" id="{03CD5CFA-9A2C-45C5-977F-8032976DD9F2}"/>
+              </a:ext>
+            </a:extLst>
+          </p:cNvPr>
+          <p:cNvCxnSpPr>
+            <a:cxnSpLocks/>
+          </p:cNvCxnSpPr>
+          <p:nvPr/>
+        </p:nvCxnSpPr>
+        <p:spPr>
+          <a:xfrm>
+            <a:off x="5095782" y="973706"/>
+            <a:ext cx="0" cy="126745"/>
+          </a:xfrm>
+          <a:prstGeom prst="line">
+            <a:avLst/>
+          </a:prstGeom>
+        </p:spPr>
+        <p:style>
+          <a:lnRef idx="1">
+            <a:schemeClr val="accent1"/>
+          </a:lnRef>
+          <a:fillRef idx="0">
+            <a:schemeClr val="accent1"/>
+          </a:fillRef>
+          <a:effectRef idx="0">
+            <a:schemeClr val="accent1"/>
+          </a:effectRef>
+          <a:fontRef idx="minor">
+            <a:schemeClr val="tx1"/>
+          </a:fontRef>
+        </p:style>
+      </p:cxnSp>
+      <p:cxnSp>
+        <p:nvCxnSpPr>
+          <p:cNvPr id="47" name="Straight Arrow Connector 46">
+            <a:extLst>
+              <a:ext uri="{FF2B5EF4-FFF2-40B4-BE49-F238E27FC236}">
+                <a16:creationId xmlns:a16="http://schemas.microsoft.com/office/drawing/2014/main" id="{48E559CE-FD1D-4C2E-A958-7BC1CD1B548B}"/>
+              </a:ext>
+            </a:extLst>
+          </p:cNvPr>
+          <p:cNvCxnSpPr/>
+          <p:nvPr/>
+        </p:nvCxnSpPr>
+        <p:spPr>
+          <a:xfrm>
+            <a:off x="4082619" y="1100451"/>
+            <a:ext cx="1677879" cy="0"/>
+          </a:xfrm>
+          <a:prstGeom prst="straightConnector1">
+            <a:avLst/>
+          </a:prstGeom>
+          <a:ln>
+            <a:headEnd type="triangle"/>
+            <a:tailEnd type="triangle"/>
+          </a:ln>
+        </p:spPr>
+        <p:style>
+          <a:lnRef idx="1">
+            <a:schemeClr val="accent1"/>
+          </a:lnRef>
+          <a:fillRef idx="0">
+            <a:schemeClr val="accent1"/>
+          </a:fillRef>
+          <a:effectRef idx="0">
+            <a:schemeClr val="accent1"/>
+          </a:effectRef>
+          <a:fontRef idx="minor">
+            <a:schemeClr val="tx1"/>
+          </a:fontRef>
+        </p:style>
+      </p:cxnSp>
+      <p:cxnSp>
+        <p:nvCxnSpPr>
+          <p:cNvPr id="49" name="Straight Arrow Connector 48">
+            <a:extLst>
+              <a:ext uri="{FF2B5EF4-FFF2-40B4-BE49-F238E27FC236}">
+                <a16:creationId xmlns:a16="http://schemas.microsoft.com/office/drawing/2014/main" id="{FB6B1D78-360F-44E3-AF9C-8B992C1BC01A}"/>
+              </a:ext>
+            </a:extLst>
+          </p:cNvPr>
+          <p:cNvCxnSpPr/>
+          <p:nvPr/>
+        </p:nvCxnSpPr>
+        <p:spPr>
+          <a:xfrm>
+            <a:off x="9854389" y="956312"/>
+            <a:ext cx="0" cy="357362"/>
+          </a:xfrm>
+          <a:prstGeom prst="straightConnector1">
+            <a:avLst/>
+          </a:prstGeom>
+          <a:ln>
+            <a:tailEnd type="triangle"/>
+          </a:ln>
+        </p:spPr>
+        <p:style>
+          <a:lnRef idx="1">
+            <a:schemeClr val="accent1"/>
+          </a:lnRef>
+          <a:fillRef idx="0">
+            <a:schemeClr val="accent1"/>
+          </a:fillRef>
+          <a:effectRef idx="0">
+            <a:schemeClr val="accent1"/>
+          </a:effectRef>
+          <a:fontRef idx="minor">
+            <a:schemeClr val="tx1"/>
+          </a:fontRef>
+        </p:style>
+      </p:cxnSp>
+      <p:cxnSp>
+        <p:nvCxnSpPr>
+          <p:cNvPr id="50" name="Straight Arrow Connector 49">
+            <a:extLst>
+              <a:ext uri="{FF2B5EF4-FFF2-40B4-BE49-F238E27FC236}">
+                <a16:creationId xmlns:a16="http://schemas.microsoft.com/office/drawing/2014/main" id="{4A4C564F-CA97-41CE-80F0-566B20AC68ED}"/>
+              </a:ext>
+            </a:extLst>
+          </p:cNvPr>
+          <p:cNvCxnSpPr>
+            <a:cxnSpLocks/>
+          </p:cNvCxnSpPr>
+          <p:nvPr/>
+        </p:nvCxnSpPr>
+        <p:spPr>
+          <a:xfrm>
+            <a:off x="3489294" y="1233397"/>
+            <a:ext cx="0" cy="208673"/>
+          </a:xfrm>
+          <a:prstGeom prst="straightConnector1">
+            <a:avLst/>
+          </a:prstGeom>
+          <a:ln>
+            <a:tailEnd type="triangle"/>
+          </a:ln>
+        </p:spPr>
+        <p:style>
+          <a:lnRef idx="1">
+            <a:schemeClr val="accent1"/>
+          </a:lnRef>
+          <a:fillRef idx="0">
+            <a:schemeClr val="accent1"/>
+          </a:fillRef>
+          <a:effectRef idx="0">
+            <a:schemeClr val="accent1"/>
+          </a:effectRef>
+          <a:fontRef idx="minor">
+            <a:schemeClr val="tx1"/>
+          </a:fontRef>
+        </p:style>
+      </p:cxnSp>
+      <p:cxnSp>
+        <p:nvCxnSpPr>
+          <p:cNvPr id="52" name="Straight Arrow Connector 51">
+            <a:extLst>
+              <a:ext uri="{FF2B5EF4-FFF2-40B4-BE49-F238E27FC236}">
+                <a16:creationId xmlns:a16="http://schemas.microsoft.com/office/drawing/2014/main" id="{FC6FE2C1-1C61-447D-9054-6FBCEAED5018}"/>
+              </a:ext>
+            </a:extLst>
+          </p:cNvPr>
+          <p:cNvCxnSpPr>
+            <a:cxnSpLocks/>
+          </p:cNvCxnSpPr>
+          <p:nvPr/>
+        </p:nvCxnSpPr>
+        <p:spPr>
+          <a:xfrm>
+            <a:off x="6668979" y="1209338"/>
+            <a:ext cx="0" cy="208673"/>
+          </a:xfrm>
+          <a:prstGeom prst="straightConnector1">
+            <a:avLst/>
+          </a:prstGeom>
+          <a:ln>
+            <a:tailEnd type="triangle"/>
+          </a:ln>
+        </p:spPr>
+        <p:style>
+          <a:lnRef idx="1">
+            <a:schemeClr val="accent1"/>
+          </a:lnRef>
+          <a:fillRef idx="0">
+            <a:schemeClr val="accent1"/>
+          </a:fillRef>
+          <a:effectRef idx="0">
+            <a:schemeClr val="accent1"/>
+          </a:effectRef>
+          <a:fontRef idx="minor">
+            <a:schemeClr val="tx1"/>
+          </a:fontRef>
+        </p:style>
+      </p:cxnSp>
+      <p:sp>
+        <p:nvSpPr>
+          <p:cNvPr id="58" name="Content Placeholder 2">
+            <a:extLst>
+              <a:ext uri="{FF2B5EF4-FFF2-40B4-BE49-F238E27FC236}">
+                <a16:creationId xmlns:a16="http://schemas.microsoft.com/office/drawing/2014/main" id="{B7D0943E-DA11-4C08-97A9-A57A05E1CD53}"/>
+              </a:ext>
+            </a:extLst>
+          </p:cNvPr>
+          <p:cNvSpPr txBox="1">
+            <a:spLocks/>
+          </p:cNvSpPr>
+          <p:nvPr/>
+        </p:nvSpPr>
+        <p:spPr>
+          <a:xfrm>
+            <a:off x="5998512" y="581846"/>
+            <a:ext cx="1773878" cy="367378"/>
+          </a:xfrm>
+          <a:prstGeom prst="rect">
+            <a:avLst/>
+          </a:prstGeom>
+        </p:spPr>
+        <p:txBody>
+          <a:bodyPr vert="horz" lIns="91440" tIns="45720" rIns="91440" bIns="45720" rtlCol="0">
+            <a:normAutofit/>
+          </a:bodyPr>
+          <a:lstStyle>
+            <a:lvl1pPr marL="228600" indent="-228600" algn="l" defTabSz="914400" rtl="0" eaLnBrk="1" latinLnBrk="0" hangingPunct="1">
+              <a:lnSpc>
+                <a:spcPct val="90000"/>
+              </a:lnSpc>
+              <a:spcBef>
+                <a:spcPts val="1000"/>
+              </a:spcBef>
+              <a:buFont typeface="Arial" panose="020B0604020202020204" pitchFamily="34" charset="0"/>
+              <a:buChar char="•"/>
+              <a:defRPr sz="2800" kern="1200">
+                <a:solidFill>
+                  <a:schemeClr val="tx1"/>
+                </a:solidFill>
+                <a:latin typeface="+mn-lt"/>
+                <a:ea typeface="+mn-ea"/>
+                <a:cs typeface="+mn-cs"/>
+              </a:defRPr>
+            </a:lvl1pPr>
+            <a:lvl2pPr marL="685800" indent="-228600" algn="l" defTabSz="914400" rtl="0" eaLnBrk="1" latinLnBrk="0" hangingPunct="1">
+              <a:lnSpc>
+                <a:spcPct val="90000"/>
+              </a:lnSpc>
+              <a:spcBef>
+                <a:spcPts val="500"/>
+              </a:spcBef>
+              <a:buFont typeface="Arial" panose="020B0604020202020204" pitchFamily="34" charset="0"/>
+              <a:buChar char="•"/>
+              <a:defRPr sz="2400" kern="1200">
+                <a:solidFill>
+                  <a:schemeClr val="tx1"/>
+                </a:solidFill>
+                <a:latin typeface="+mn-lt"/>
+                <a:ea typeface="+mn-ea"/>
+                <a:cs typeface="+mn-cs"/>
+              </a:defRPr>
+            </a:lvl2pPr>
+            <a:lvl3pPr marL="1143000" indent="-228600" algn="l" defTabSz="914400" rtl="0" eaLnBrk="1" latinLnBrk="0" hangingPunct="1">
+              <a:lnSpc>
+                <a:spcPct val="90000"/>
+              </a:lnSpc>
+              <a:spcBef>
+                <a:spcPts val="500"/>
+              </a:spcBef>
+              <a:buFont typeface="Arial" panose="020B0604020202020204" pitchFamily="34" charset="0"/>
+              <a:buChar char="•"/>
+              <a:defRPr sz="2000" kern="1200">
+                <a:solidFill>
+                  <a:schemeClr val="tx1"/>
+                </a:solidFill>
+                <a:latin typeface="+mn-lt"/>
+                <a:ea typeface="+mn-ea"/>
+                <a:cs typeface="+mn-cs"/>
+              </a:defRPr>
+            </a:lvl3pPr>
+            <a:lvl4pPr marL="1600200" indent="-228600" algn="l" defTabSz="914400" rtl="0" eaLnBrk="1" latinLnBrk="0" hangingPunct="1">
+              <a:lnSpc>
+                <a:spcPct val="90000"/>
+              </a:lnSpc>
+              <a:spcBef>
+                <a:spcPts val="500"/>
+              </a:spcBef>
+              <a:buFont typeface="Arial" panose="020B0604020202020204" pitchFamily="34" charset="0"/>
+              <a:buChar char="•"/>
+              <a:defRPr sz="1800" kern="1200">
+                <a:solidFill>
+                  <a:schemeClr val="tx1"/>
+                </a:solidFill>
+                <a:latin typeface="+mn-lt"/>
+                <a:ea typeface="+mn-ea"/>
+                <a:cs typeface="+mn-cs"/>
+              </a:defRPr>
+            </a:lvl4pPr>
+            <a:lvl5pPr marL="2057400" indent="-228600" algn="l" defTabSz="914400" rtl="0" eaLnBrk="1" latinLnBrk="0" hangingPunct="1">
+              <a:lnSpc>
+                <a:spcPct val="90000"/>
+              </a:lnSpc>
+              <a:spcBef>
+                <a:spcPts val="500"/>
+              </a:spcBef>
+              <a:buFont typeface="Arial" panose="020B0604020202020204" pitchFamily="34" charset="0"/>
+              <a:buChar char="•"/>
+              <a:defRPr sz="1800" kern="1200">
+                <a:solidFill>
+                  <a:schemeClr val="tx1"/>
+                </a:solidFill>
+                <a:latin typeface="+mn-lt"/>
+                <a:ea typeface="+mn-ea"/>
+                <a:cs typeface="+mn-cs"/>
+              </a:defRPr>
+            </a:lvl5pPr>
+            <a:lvl6pPr marL="2514600" indent="-228600" algn="l" defTabSz="914400" rtl="0" eaLnBrk="1" latinLnBrk="0" hangingPunct="1">
+              <a:lnSpc>
+                <a:spcPct val="90000"/>
+              </a:lnSpc>
+              <a:spcBef>
+                <a:spcPts val="500"/>
+              </a:spcBef>
+              <a:buFont typeface="Arial" panose="020B0604020202020204" pitchFamily="34" charset="0"/>
+              <a:buChar char="•"/>
+              <a:defRPr sz="1800" kern="1200">
+                <a:solidFill>
+                  <a:schemeClr val="tx1"/>
+                </a:solidFill>
+                <a:latin typeface="+mn-lt"/>
+                <a:ea typeface="+mn-ea"/>
+                <a:cs typeface="+mn-cs"/>
+              </a:defRPr>
+            </a:lvl6pPr>
+            <a:lvl7pPr marL="2971800" indent="-228600" algn="l" defTabSz="914400" rtl="0" eaLnBrk="1" latinLnBrk="0" hangingPunct="1">
+              <a:lnSpc>
+                <a:spcPct val="90000"/>
+              </a:lnSpc>
+              <a:spcBef>
+                <a:spcPts val="500"/>
+              </a:spcBef>
+              <a:buFont typeface="Arial" panose="020B0604020202020204" pitchFamily="34" charset="0"/>
+              <a:buChar char="•"/>
+              <a:defRPr sz="1800" kern="1200">
+                <a:solidFill>
+                  <a:schemeClr val="tx1"/>
+                </a:solidFill>
+                <a:latin typeface="+mn-lt"/>
+                <a:ea typeface="+mn-ea"/>
+                <a:cs typeface="+mn-cs"/>
+              </a:defRPr>
+            </a:lvl7pPr>
+            <a:lvl8pPr marL="3429000" indent="-228600" algn="l" defTabSz="914400" rtl="0" eaLnBrk="1" latinLnBrk="0" hangingPunct="1">
+              <a:lnSpc>
+                <a:spcPct val="90000"/>
+              </a:lnSpc>
+              <a:spcBef>
+                <a:spcPts val="500"/>
+              </a:spcBef>
+              <a:buFont typeface="Arial" panose="020B0604020202020204" pitchFamily="34" charset="0"/>
+              <a:buChar char="•"/>
+              <a:defRPr sz="1800" kern="1200">
+                <a:solidFill>
+                  <a:schemeClr val="tx1"/>
+                </a:solidFill>
+                <a:latin typeface="+mn-lt"/>
+                <a:ea typeface="+mn-ea"/>
+                <a:cs typeface="+mn-cs"/>
+              </a:defRPr>
+            </a:lvl8pPr>
+            <a:lvl9pPr marL="3886200" indent="-228600" algn="l" defTabSz="914400" rtl="0" eaLnBrk="1" latinLnBrk="0" hangingPunct="1">
+              <a:lnSpc>
+                <a:spcPct val="90000"/>
+              </a:lnSpc>
+              <a:spcBef>
+                <a:spcPts val="500"/>
+              </a:spcBef>
+              <a:buFont typeface="Arial" panose="020B0604020202020204" pitchFamily="34" charset="0"/>
+              <a:buChar char="•"/>
+              <a:defRPr sz="1800" kern="1200">
+                <a:solidFill>
+                  <a:schemeClr val="tx1"/>
+                </a:solidFill>
+                <a:latin typeface="+mn-lt"/>
+                <a:ea typeface="+mn-ea"/>
+                <a:cs typeface="+mn-cs"/>
+              </a:defRPr>
+            </a:lvl9pPr>
+          </a:lstStyle>
+          <a:p>
+            <a:pPr marL="0" indent="0">
+              <a:buNone/>
+            </a:pPr>
+            <a:r>
+              <a:rPr lang="en-US" sz="1800" dirty="0"/>
+              <a:t>in terms of</a:t>
+            </a:r>
+          </a:p>
+        </p:txBody>
+      </p:sp>
+    </p:spTree>
+    <p:extLst>
+      <p:ext uri="{BB962C8B-B14F-4D97-AF65-F5344CB8AC3E}">
+        <p14:creationId xmlns:p14="http://schemas.microsoft.com/office/powerpoint/2010/main" val="2237250488"/>
+      </p:ext>
+    </p:extLst>
+  </p:cSld>
+  <p:clrMapOvr>
+    <a:masterClrMapping/>
+  </p:clrMapOvr>
+</p:sld>
+</file>
+
+<file path=ppt/slides/slide2.xml><?xml version="1.0" encoding="utf-8"?>
+<p:sld xmlns:a="http://schemas.openxmlformats.org/drawingml/2006/main" xmlns:r="http://schemas.openxmlformats.org/officeDocument/2006/relationships" xmlns:p="http://schemas.openxmlformats.org/presentationml/2006/main">
+  <p:cSld>
+    <p:spTree>
+      <p:nvGrpSpPr>
+        <p:cNvPr id="1" name=""/>
+        <p:cNvGrpSpPr/>
+        <p:nvPr/>
+      </p:nvGrpSpPr>
+      <p:grpSpPr>
+        <a:xfrm>
+          <a:off x="0" y="0"/>
+          <a:ext cx="0" cy="0"/>
+          <a:chOff x="0" y="0"/>
+          <a:chExt cx="0" cy="0"/>
+        </a:xfrm>
+      </p:grpSpPr>
+      <p:sp>
+        <p:nvSpPr>
           <p:cNvPr id="3" name="Subtitle 2">
             <a:extLst>
               <a:ext uri="{FF2B5EF4-FFF2-40B4-BE49-F238E27FC236}">
@@ -5435,8 +10167,1506 @@
         </p:nvSpPr>
         <p:spPr>
           <a:xfrm>
-            <a:off x="4815595" y="120863"/>
-            <a:ext cx="2542064" cy="358939"/>
+            <a:off x="4055135" y="94639"/>
+            <a:ext cx="4081730" cy="385164"/>
+          </a:xfrm>
+          <a:prstGeom prst="rect">
+            <a:avLst/>
+          </a:prstGeom>
+        </p:spPr>
+        <p:txBody>
+          <a:bodyPr vert="horz" lIns="91440" tIns="45720" rIns="91440" bIns="45720" rtlCol="0">
+            <a:normAutofit/>
+          </a:bodyPr>
+          <a:lstStyle>
+            <a:lvl1pPr marL="0" indent="0" algn="ctr" defTabSz="914400" rtl="0" eaLnBrk="1" latinLnBrk="0" hangingPunct="1">
+              <a:lnSpc>
+                <a:spcPct val="90000"/>
+              </a:lnSpc>
+              <a:spcBef>
+                <a:spcPts val="1000"/>
+              </a:spcBef>
+              <a:buFont typeface="Arial" panose="020B0604020202020204" pitchFamily="34" charset="0"/>
+              <a:buNone/>
+              <a:defRPr sz="2400" kern="1200">
+                <a:solidFill>
+                  <a:schemeClr val="tx1"/>
+                </a:solidFill>
+                <a:latin typeface="+mn-lt"/>
+                <a:ea typeface="+mn-ea"/>
+                <a:cs typeface="+mn-cs"/>
+              </a:defRPr>
+            </a:lvl1pPr>
+            <a:lvl2pPr marL="457200" indent="0" algn="ctr" defTabSz="914400" rtl="0" eaLnBrk="1" latinLnBrk="0" hangingPunct="1">
+              <a:lnSpc>
+                <a:spcPct val="90000"/>
+              </a:lnSpc>
+              <a:spcBef>
+                <a:spcPts val="500"/>
+              </a:spcBef>
+              <a:buFont typeface="Arial" panose="020B0604020202020204" pitchFamily="34" charset="0"/>
+              <a:buNone/>
+              <a:defRPr sz="2000" kern="1200">
+                <a:solidFill>
+                  <a:schemeClr val="tx1"/>
+                </a:solidFill>
+                <a:latin typeface="+mn-lt"/>
+                <a:ea typeface="+mn-ea"/>
+                <a:cs typeface="+mn-cs"/>
+              </a:defRPr>
+            </a:lvl2pPr>
+            <a:lvl3pPr marL="914400" indent="0" algn="ctr" defTabSz="914400" rtl="0" eaLnBrk="1" latinLnBrk="0" hangingPunct="1">
+              <a:lnSpc>
+                <a:spcPct val="90000"/>
+              </a:lnSpc>
+              <a:spcBef>
+                <a:spcPts val="500"/>
+              </a:spcBef>
+              <a:buFont typeface="Arial" panose="020B0604020202020204" pitchFamily="34" charset="0"/>
+              <a:buNone/>
+              <a:defRPr sz="1800" kern="1200">
+                <a:solidFill>
+                  <a:schemeClr val="tx1"/>
+                </a:solidFill>
+                <a:latin typeface="+mn-lt"/>
+                <a:ea typeface="+mn-ea"/>
+                <a:cs typeface="+mn-cs"/>
+              </a:defRPr>
+            </a:lvl3pPr>
+            <a:lvl4pPr marL="1371600" indent="0" algn="ctr" defTabSz="914400" rtl="0" eaLnBrk="1" latinLnBrk="0" hangingPunct="1">
+              <a:lnSpc>
+                <a:spcPct val="90000"/>
+              </a:lnSpc>
+              <a:spcBef>
+                <a:spcPts val="500"/>
+              </a:spcBef>
+              <a:buFont typeface="Arial" panose="020B0604020202020204" pitchFamily="34" charset="0"/>
+              <a:buNone/>
+              <a:defRPr sz="1600" kern="1200">
+                <a:solidFill>
+                  <a:schemeClr val="tx1"/>
+                </a:solidFill>
+                <a:latin typeface="+mn-lt"/>
+                <a:ea typeface="+mn-ea"/>
+                <a:cs typeface="+mn-cs"/>
+              </a:defRPr>
+            </a:lvl4pPr>
+            <a:lvl5pPr marL="1828800" indent="0" algn="ctr" defTabSz="914400" rtl="0" eaLnBrk="1" latinLnBrk="0" hangingPunct="1">
+              <a:lnSpc>
+                <a:spcPct val="90000"/>
+              </a:lnSpc>
+              <a:spcBef>
+                <a:spcPts val="500"/>
+              </a:spcBef>
+              <a:buFont typeface="Arial" panose="020B0604020202020204" pitchFamily="34" charset="0"/>
+              <a:buNone/>
+              <a:defRPr sz="1600" kern="1200">
+                <a:solidFill>
+                  <a:schemeClr val="tx1"/>
+                </a:solidFill>
+                <a:latin typeface="+mn-lt"/>
+                <a:ea typeface="+mn-ea"/>
+                <a:cs typeface="+mn-cs"/>
+              </a:defRPr>
+            </a:lvl5pPr>
+            <a:lvl6pPr marL="2286000" indent="0" algn="ctr" defTabSz="914400" rtl="0" eaLnBrk="1" latinLnBrk="0" hangingPunct="1">
+              <a:lnSpc>
+                <a:spcPct val="90000"/>
+              </a:lnSpc>
+              <a:spcBef>
+                <a:spcPts val="500"/>
+              </a:spcBef>
+              <a:buFont typeface="Arial" panose="020B0604020202020204" pitchFamily="34" charset="0"/>
+              <a:buNone/>
+              <a:defRPr sz="1600" kern="1200">
+                <a:solidFill>
+                  <a:schemeClr val="tx1"/>
+                </a:solidFill>
+                <a:latin typeface="+mn-lt"/>
+                <a:ea typeface="+mn-ea"/>
+                <a:cs typeface="+mn-cs"/>
+              </a:defRPr>
+            </a:lvl6pPr>
+            <a:lvl7pPr marL="2743200" indent="0" algn="ctr" defTabSz="914400" rtl="0" eaLnBrk="1" latinLnBrk="0" hangingPunct="1">
+              <a:lnSpc>
+                <a:spcPct val="90000"/>
+              </a:lnSpc>
+              <a:spcBef>
+                <a:spcPts val="500"/>
+              </a:spcBef>
+              <a:buFont typeface="Arial" panose="020B0604020202020204" pitchFamily="34" charset="0"/>
+              <a:buNone/>
+              <a:defRPr sz="1600" kern="1200">
+                <a:solidFill>
+                  <a:schemeClr val="tx1"/>
+                </a:solidFill>
+                <a:latin typeface="+mn-lt"/>
+                <a:ea typeface="+mn-ea"/>
+                <a:cs typeface="+mn-cs"/>
+              </a:defRPr>
+            </a:lvl7pPr>
+            <a:lvl8pPr marL="3200400" indent="0" algn="ctr" defTabSz="914400" rtl="0" eaLnBrk="1" latinLnBrk="0" hangingPunct="1">
+              <a:lnSpc>
+                <a:spcPct val="90000"/>
+              </a:lnSpc>
+              <a:spcBef>
+                <a:spcPts val="500"/>
+              </a:spcBef>
+              <a:buFont typeface="Arial" panose="020B0604020202020204" pitchFamily="34" charset="0"/>
+              <a:buNone/>
+              <a:defRPr sz="1600" kern="1200">
+                <a:solidFill>
+                  <a:schemeClr val="tx1"/>
+                </a:solidFill>
+                <a:latin typeface="+mn-lt"/>
+                <a:ea typeface="+mn-ea"/>
+                <a:cs typeface="+mn-cs"/>
+              </a:defRPr>
+            </a:lvl8pPr>
+            <a:lvl9pPr marL="3657600" indent="0" algn="ctr" defTabSz="914400" rtl="0" eaLnBrk="1" latinLnBrk="0" hangingPunct="1">
+              <a:lnSpc>
+                <a:spcPct val="90000"/>
+              </a:lnSpc>
+              <a:spcBef>
+                <a:spcPts val="500"/>
+              </a:spcBef>
+              <a:buFont typeface="Arial" panose="020B0604020202020204" pitchFamily="34" charset="0"/>
+              <a:buNone/>
+              <a:defRPr sz="1600" kern="1200">
+                <a:solidFill>
+                  <a:schemeClr val="tx1"/>
+                </a:solidFill>
+                <a:latin typeface="+mn-lt"/>
+                <a:ea typeface="+mn-ea"/>
+                <a:cs typeface="+mn-cs"/>
+              </a:defRPr>
+            </a:lvl9pPr>
+          </a:lstStyle>
+          <a:p>
+            <a:pPr algn="l"/>
+            <a:r>
+              <a:rPr lang="en-US" sz="2000" b="1" dirty="0">
+                <a:highlight>
+                  <a:srgbClr val="C0C0C0"/>
+                </a:highlight>
+              </a:rPr>
+              <a:t>CRSP_COMP_10-Q Merging Process</a:t>
+            </a:r>
+          </a:p>
+        </p:txBody>
+      </p:sp>
+    </p:spTree>
+    <p:extLst>
+      <p:ext uri="{BB962C8B-B14F-4D97-AF65-F5344CB8AC3E}">
+        <p14:creationId xmlns:p14="http://schemas.microsoft.com/office/powerpoint/2010/main" val="535513878"/>
+      </p:ext>
+    </p:extLst>
+  </p:cSld>
+  <p:clrMapOvr>
+    <a:masterClrMapping/>
+  </p:clrMapOvr>
+</p:sld>
+</file>
+
+<file path=ppt/slides/slide3.xml><?xml version="1.0" encoding="utf-8"?>
+<p:sld xmlns:a="http://schemas.openxmlformats.org/drawingml/2006/main" xmlns:r="http://schemas.openxmlformats.org/officeDocument/2006/relationships" xmlns:p="http://schemas.openxmlformats.org/presentationml/2006/main">
+  <p:cSld>
+    <p:spTree>
+      <p:nvGrpSpPr>
+        <p:cNvPr id="1" name=""/>
+        <p:cNvGrpSpPr/>
+        <p:nvPr/>
+      </p:nvGrpSpPr>
+      <p:grpSpPr>
+        <a:xfrm>
+          <a:off x="0" y="0"/>
+          <a:ext cx="0" cy="0"/>
+          <a:chOff x="0" y="0"/>
+          <a:chExt cx="0" cy="0"/>
+        </a:xfrm>
+      </p:grpSpPr>
+      <p:sp>
+        <p:nvSpPr>
+          <p:cNvPr id="3" name="Subtitle 2">
+            <a:extLst>
+              <a:ext uri="{FF2B5EF4-FFF2-40B4-BE49-F238E27FC236}">
+                <a16:creationId xmlns:a16="http://schemas.microsoft.com/office/drawing/2014/main" id="{B352613D-B161-42BF-BAF8-F2CA095960ED}"/>
+              </a:ext>
+            </a:extLst>
+          </p:cNvPr>
+          <p:cNvSpPr>
+            <a:spLocks noGrp="1"/>
+          </p:cNvSpPr>
+          <p:nvPr>
+            <p:ph type="subTitle" idx="1"/>
+          </p:nvPr>
+        </p:nvSpPr>
+        <p:spPr>
+          <a:xfrm>
+            <a:off x="4117298" y="506027"/>
+            <a:ext cx="3938658" cy="1411752"/>
+          </a:xfrm>
+        </p:spPr>
+        <p:txBody>
+          <a:bodyPr>
+            <a:normAutofit fontScale="92500" lnSpcReduction="10000"/>
+          </a:bodyPr>
+          <a:lstStyle/>
+          <a:p>
+            <a:r>
+              <a:rPr lang="en-US" sz="2200" dirty="0"/>
+              <a:t>COMPUSTAT</a:t>
+            </a:r>
+          </a:p>
+          <a:p>
+            <a:pPr marL="342900" indent="-342900" algn="l">
+              <a:buFont typeface="Arial" panose="020B0604020202020204" pitchFamily="34" charset="0"/>
+              <a:buChar char="•"/>
+            </a:pPr>
+            <a:r>
+              <a:rPr lang="en-US" sz="1700" dirty="0"/>
+              <a:t>Total number of quarterly obs. (10-Q + 10-K) in </a:t>
+            </a:r>
+            <a:r>
+              <a:rPr lang="en-US" sz="1700" dirty="0" err="1"/>
+              <a:t>Compustat</a:t>
+            </a:r>
+            <a:r>
+              <a:rPr lang="en-US" sz="1700" dirty="0"/>
+              <a:t>: </a:t>
+            </a:r>
+            <a:r>
+              <a:rPr lang="en-US" sz="1700" dirty="0">
+                <a:highlight>
+                  <a:srgbClr val="808000"/>
+                </a:highlight>
+              </a:rPr>
+              <a:t>1,240,141</a:t>
+            </a:r>
+          </a:p>
+          <a:p>
+            <a:pPr marL="342900" indent="-342900" algn="l">
+              <a:buFont typeface="Arial" panose="020B0604020202020204" pitchFamily="34" charset="0"/>
+              <a:buChar char="•"/>
+            </a:pPr>
+            <a:r>
+              <a:rPr lang="en-US" sz="1700" dirty="0"/>
+              <a:t>Number of quarterly obs. in </a:t>
+            </a:r>
+            <a:r>
+              <a:rPr lang="en-US" sz="1700" dirty="0" err="1"/>
+              <a:t>Compustat</a:t>
+            </a:r>
+            <a:r>
+              <a:rPr lang="en-US" sz="1700" dirty="0"/>
+              <a:t> with 9-digits </a:t>
+            </a:r>
+            <a:r>
+              <a:rPr lang="en-US" sz="1700" dirty="0" err="1"/>
+              <a:t>cusips</a:t>
+            </a:r>
+            <a:r>
+              <a:rPr lang="en-US" sz="1700" dirty="0"/>
+              <a:t>: </a:t>
+            </a:r>
+            <a:r>
+              <a:rPr lang="en-US" sz="1700" dirty="0">
+                <a:highlight>
+                  <a:srgbClr val="FFFF00"/>
+                </a:highlight>
+              </a:rPr>
+              <a:t>1,239,632</a:t>
+            </a:r>
+          </a:p>
+        </p:txBody>
+      </p:sp>
+      <p:sp>
+        <p:nvSpPr>
+          <p:cNvPr id="4" name="Subtitle 2">
+            <a:extLst>
+              <a:ext uri="{FF2B5EF4-FFF2-40B4-BE49-F238E27FC236}">
+                <a16:creationId xmlns:a16="http://schemas.microsoft.com/office/drawing/2014/main" id="{76D02BA5-A342-45F9-8346-738A6FB1024D}"/>
+              </a:ext>
+            </a:extLst>
+          </p:cNvPr>
+          <p:cNvSpPr txBox="1">
+            <a:spLocks/>
+          </p:cNvSpPr>
+          <p:nvPr/>
+        </p:nvSpPr>
+        <p:spPr>
+          <a:xfrm>
+            <a:off x="137514" y="506027"/>
+            <a:ext cx="3743228" cy="1363301"/>
+          </a:xfrm>
+          <a:prstGeom prst="rect">
+            <a:avLst/>
+          </a:prstGeom>
+        </p:spPr>
+        <p:txBody>
+          <a:bodyPr vert="horz" lIns="91440" tIns="45720" rIns="91440" bIns="45720" rtlCol="0">
+            <a:normAutofit fontScale="92500" lnSpcReduction="20000"/>
+          </a:bodyPr>
+          <a:lstStyle>
+            <a:lvl1pPr marL="0" indent="0" algn="ctr" defTabSz="914400" rtl="0" eaLnBrk="1" latinLnBrk="0" hangingPunct="1">
+              <a:lnSpc>
+                <a:spcPct val="90000"/>
+              </a:lnSpc>
+              <a:spcBef>
+                <a:spcPts val="1000"/>
+              </a:spcBef>
+              <a:buFont typeface="Arial" panose="020B0604020202020204" pitchFamily="34" charset="0"/>
+              <a:buNone/>
+              <a:defRPr sz="2400" kern="1200">
+                <a:solidFill>
+                  <a:schemeClr val="tx1"/>
+                </a:solidFill>
+                <a:latin typeface="+mn-lt"/>
+                <a:ea typeface="+mn-ea"/>
+                <a:cs typeface="+mn-cs"/>
+              </a:defRPr>
+            </a:lvl1pPr>
+            <a:lvl2pPr marL="457200" indent="0" algn="ctr" defTabSz="914400" rtl="0" eaLnBrk="1" latinLnBrk="0" hangingPunct="1">
+              <a:lnSpc>
+                <a:spcPct val="90000"/>
+              </a:lnSpc>
+              <a:spcBef>
+                <a:spcPts val="500"/>
+              </a:spcBef>
+              <a:buFont typeface="Arial" panose="020B0604020202020204" pitchFamily="34" charset="0"/>
+              <a:buNone/>
+              <a:defRPr sz="2000" kern="1200">
+                <a:solidFill>
+                  <a:schemeClr val="tx1"/>
+                </a:solidFill>
+                <a:latin typeface="+mn-lt"/>
+                <a:ea typeface="+mn-ea"/>
+                <a:cs typeface="+mn-cs"/>
+              </a:defRPr>
+            </a:lvl2pPr>
+            <a:lvl3pPr marL="914400" indent="0" algn="ctr" defTabSz="914400" rtl="0" eaLnBrk="1" latinLnBrk="0" hangingPunct="1">
+              <a:lnSpc>
+                <a:spcPct val="90000"/>
+              </a:lnSpc>
+              <a:spcBef>
+                <a:spcPts val="500"/>
+              </a:spcBef>
+              <a:buFont typeface="Arial" panose="020B0604020202020204" pitchFamily="34" charset="0"/>
+              <a:buNone/>
+              <a:defRPr sz="1800" kern="1200">
+                <a:solidFill>
+                  <a:schemeClr val="tx1"/>
+                </a:solidFill>
+                <a:latin typeface="+mn-lt"/>
+                <a:ea typeface="+mn-ea"/>
+                <a:cs typeface="+mn-cs"/>
+              </a:defRPr>
+            </a:lvl3pPr>
+            <a:lvl4pPr marL="1371600" indent="0" algn="ctr" defTabSz="914400" rtl="0" eaLnBrk="1" latinLnBrk="0" hangingPunct="1">
+              <a:lnSpc>
+                <a:spcPct val="90000"/>
+              </a:lnSpc>
+              <a:spcBef>
+                <a:spcPts val="500"/>
+              </a:spcBef>
+              <a:buFont typeface="Arial" panose="020B0604020202020204" pitchFamily="34" charset="0"/>
+              <a:buNone/>
+              <a:defRPr sz="1600" kern="1200">
+                <a:solidFill>
+                  <a:schemeClr val="tx1"/>
+                </a:solidFill>
+                <a:latin typeface="+mn-lt"/>
+                <a:ea typeface="+mn-ea"/>
+                <a:cs typeface="+mn-cs"/>
+              </a:defRPr>
+            </a:lvl4pPr>
+            <a:lvl5pPr marL="1828800" indent="0" algn="ctr" defTabSz="914400" rtl="0" eaLnBrk="1" latinLnBrk="0" hangingPunct="1">
+              <a:lnSpc>
+                <a:spcPct val="90000"/>
+              </a:lnSpc>
+              <a:spcBef>
+                <a:spcPts val="500"/>
+              </a:spcBef>
+              <a:buFont typeface="Arial" panose="020B0604020202020204" pitchFamily="34" charset="0"/>
+              <a:buNone/>
+              <a:defRPr sz="1600" kern="1200">
+                <a:solidFill>
+                  <a:schemeClr val="tx1"/>
+                </a:solidFill>
+                <a:latin typeface="+mn-lt"/>
+                <a:ea typeface="+mn-ea"/>
+                <a:cs typeface="+mn-cs"/>
+              </a:defRPr>
+            </a:lvl5pPr>
+            <a:lvl6pPr marL="2286000" indent="0" algn="ctr" defTabSz="914400" rtl="0" eaLnBrk="1" latinLnBrk="0" hangingPunct="1">
+              <a:lnSpc>
+                <a:spcPct val="90000"/>
+              </a:lnSpc>
+              <a:spcBef>
+                <a:spcPts val="500"/>
+              </a:spcBef>
+              <a:buFont typeface="Arial" panose="020B0604020202020204" pitchFamily="34" charset="0"/>
+              <a:buNone/>
+              <a:defRPr sz="1600" kern="1200">
+                <a:solidFill>
+                  <a:schemeClr val="tx1"/>
+                </a:solidFill>
+                <a:latin typeface="+mn-lt"/>
+                <a:ea typeface="+mn-ea"/>
+                <a:cs typeface="+mn-cs"/>
+              </a:defRPr>
+            </a:lvl6pPr>
+            <a:lvl7pPr marL="2743200" indent="0" algn="ctr" defTabSz="914400" rtl="0" eaLnBrk="1" latinLnBrk="0" hangingPunct="1">
+              <a:lnSpc>
+                <a:spcPct val="90000"/>
+              </a:lnSpc>
+              <a:spcBef>
+                <a:spcPts val="500"/>
+              </a:spcBef>
+              <a:buFont typeface="Arial" panose="020B0604020202020204" pitchFamily="34" charset="0"/>
+              <a:buNone/>
+              <a:defRPr sz="1600" kern="1200">
+                <a:solidFill>
+                  <a:schemeClr val="tx1"/>
+                </a:solidFill>
+                <a:latin typeface="+mn-lt"/>
+                <a:ea typeface="+mn-ea"/>
+                <a:cs typeface="+mn-cs"/>
+              </a:defRPr>
+            </a:lvl7pPr>
+            <a:lvl8pPr marL="3200400" indent="0" algn="ctr" defTabSz="914400" rtl="0" eaLnBrk="1" latinLnBrk="0" hangingPunct="1">
+              <a:lnSpc>
+                <a:spcPct val="90000"/>
+              </a:lnSpc>
+              <a:spcBef>
+                <a:spcPts val="500"/>
+              </a:spcBef>
+              <a:buFont typeface="Arial" panose="020B0604020202020204" pitchFamily="34" charset="0"/>
+              <a:buNone/>
+              <a:defRPr sz="1600" kern="1200">
+                <a:solidFill>
+                  <a:schemeClr val="tx1"/>
+                </a:solidFill>
+                <a:latin typeface="+mn-lt"/>
+                <a:ea typeface="+mn-ea"/>
+                <a:cs typeface="+mn-cs"/>
+              </a:defRPr>
+            </a:lvl8pPr>
+            <a:lvl9pPr marL="3657600" indent="0" algn="ctr" defTabSz="914400" rtl="0" eaLnBrk="1" latinLnBrk="0" hangingPunct="1">
+              <a:lnSpc>
+                <a:spcPct val="90000"/>
+              </a:lnSpc>
+              <a:spcBef>
+                <a:spcPts val="500"/>
+              </a:spcBef>
+              <a:buFont typeface="Arial" panose="020B0604020202020204" pitchFamily="34" charset="0"/>
+              <a:buNone/>
+              <a:defRPr sz="1600" kern="1200">
+                <a:solidFill>
+                  <a:schemeClr val="tx1"/>
+                </a:solidFill>
+                <a:latin typeface="+mn-lt"/>
+                <a:ea typeface="+mn-ea"/>
+                <a:cs typeface="+mn-cs"/>
+              </a:defRPr>
+            </a:lvl9pPr>
+          </a:lstStyle>
+          <a:p>
+            <a:r>
+              <a:rPr lang="en-US" sz="2200" dirty="0"/>
+              <a:t>CRSP</a:t>
+            </a:r>
+          </a:p>
+          <a:p>
+            <a:pPr marL="342900" indent="-342900" algn="l">
+              <a:buFont typeface="Arial" panose="020B0604020202020204" pitchFamily="34" charset="0"/>
+              <a:buChar char="•"/>
+            </a:pPr>
+            <a:r>
+              <a:rPr lang="en-US" sz="1700" dirty="0"/>
+              <a:t>Total number of monthly obs. in CRSP: </a:t>
+            </a:r>
+            <a:r>
+              <a:rPr lang="en-US" sz="1700" dirty="0">
+                <a:highlight>
+                  <a:srgbClr val="808000"/>
+                </a:highlight>
+              </a:rPr>
+              <a:t>2,477,547</a:t>
+            </a:r>
+          </a:p>
+          <a:p>
+            <a:pPr marL="342900" indent="-342900" algn="l">
+              <a:buFont typeface="Arial" panose="020B0604020202020204" pitchFamily="34" charset="0"/>
+              <a:buChar char="•"/>
+            </a:pPr>
+            <a:r>
+              <a:rPr lang="en-US" sz="1700" dirty="0"/>
+              <a:t>Number of monthly obs. in CRSP that contains </a:t>
+            </a:r>
+            <a:r>
+              <a:rPr lang="en-US" sz="1700" i="1" dirty="0"/>
+              <a:t>numeric</a:t>
+            </a:r>
+            <a:r>
+              <a:rPr lang="en-US" sz="1700" dirty="0"/>
+              <a:t> returns: </a:t>
+            </a:r>
+            <a:r>
+              <a:rPr lang="en-US" sz="1700" dirty="0">
+                <a:highlight>
+                  <a:srgbClr val="FFFF00"/>
+                </a:highlight>
+              </a:rPr>
+              <a:t>2,427,687</a:t>
+            </a:r>
+          </a:p>
+          <a:p>
+            <a:endParaRPr lang="en-US" dirty="0"/>
+          </a:p>
+        </p:txBody>
+      </p:sp>
+      <p:sp>
+        <p:nvSpPr>
+          <p:cNvPr id="5" name="Subtitle 2">
+            <a:extLst>
+              <a:ext uri="{FF2B5EF4-FFF2-40B4-BE49-F238E27FC236}">
+                <a16:creationId xmlns:a16="http://schemas.microsoft.com/office/drawing/2014/main" id="{927B255E-88EC-4D65-A207-3F3ED2F6F072}"/>
+              </a:ext>
+            </a:extLst>
+          </p:cNvPr>
+          <p:cNvSpPr txBox="1">
+            <a:spLocks/>
+          </p:cNvSpPr>
+          <p:nvPr/>
+        </p:nvSpPr>
+        <p:spPr>
+          <a:xfrm>
+            <a:off x="8115810" y="506027"/>
+            <a:ext cx="3938658" cy="1421936"/>
+          </a:xfrm>
+          <a:prstGeom prst="rect">
+            <a:avLst/>
+          </a:prstGeom>
+        </p:spPr>
+        <p:txBody>
+          <a:bodyPr vert="horz" lIns="91440" tIns="45720" rIns="91440" bIns="45720" rtlCol="0">
+            <a:normAutofit/>
+          </a:bodyPr>
+          <a:lstStyle>
+            <a:lvl1pPr marL="0" indent="0" algn="ctr" defTabSz="914400" rtl="0" eaLnBrk="1" latinLnBrk="0" hangingPunct="1">
+              <a:lnSpc>
+                <a:spcPct val="90000"/>
+              </a:lnSpc>
+              <a:spcBef>
+                <a:spcPts val="1000"/>
+              </a:spcBef>
+              <a:buFont typeface="Arial" panose="020B0604020202020204" pitchFamily="34" charset="0"/>
+              <a:buNone/>
+              <a:defRPr sz="2400" kern="1200">
+                <a:solidFill>
+                  <a:schemeClr val="tx1"/>
+                </a:solidFill>
+                <a:latin typeface="+mn-lt"/>
+                <a:ea typeface="+mn-ea"/>
+                <a:cs typeface="+mn-cs"/>
+              </a:defRPr>
+            </a:lvl1pPr>
+            <a:lvl2pPr marL="457200" indent="0" algn="ctr" defTabSz="914400" rtl="0" eaLnBrk="1" latinLnBrk="0" hangingPunct="1">
+              <a:lnSpc>
+                <a:spcPct val="90000"/>
+              </a:lnSpc>
+              <a:spcBef>
+                <a:spcPts val="500"/>
+              </a:spcBef>
+              <a:buFont typeface="Arial" panose="020B0604020202020204" pitchFamily="34" charset="0"/>
+              <a:buNone/>
+              <a:defRPr sz="2000" kern="1200">
+                <a:solidFill>
+                  <a:schemeClr val="tx1"/>
+                </a:solidFill>
+                <a:latin typeface="+mn-lt"/>
+                <a:ea typeface="+mn-ea"/>
+                <a:cs typeface="+mn-cs"/>
+              </a:defRPr>
+            </a:lvl2pPr>
+            <a:lvl3pPr marL="914400" indent="0" algn="ctr" defTabSz="914400" rtl="0" eaLnBrk="1" latinLnBrk="0" hangingPunct="1">
+              <a:lnSpc>
+                <a:spcPct val="90000"/>
+              </a:lnSpc>
+              <a:spcBef>
+                <a:spcPts val="500"/>
+              </a:spcBef>
+              <a:buFont typeface="Arial" panose="020B0604020202020204" pitchFamily="34" charset="0"/>
+              <a:buNone/>
+              <a:defRPr sz="1800" kern="1200">
+                <a:solidFill>
+                  <a:schemeClr val="tx1"/>
+                </a:solidFill>
+                <a:latin typeface="+mn-lt"/>
+                <a:ea typeface="+mn-ea"/>
+                <a:cs typeface="+mn-cs"/>
+              </a:defRPr>
+            </a:lvl3pPr>
+            <a:lvl4pPr marL="1371600" indent="0" algn="ctr" defTabSz="914400" rtl="0" eaLnBrk="1" latinLnBrk="0" hangingPunct="1">
+              <a:lnSpc>
+                <a:spcPct val="90000"/>
+              </a:lnSpc>
+              <a:spcBef>
+                <a:spcPts val="500"/>
+              </a:spcBef>
+              <a:buFont typeface="Arial" panose="020B0604020202020204" pitchFamily="34" charset="0"/>
+              <a:buNone/>
+              <a:defRPr sz="1600" kern="1200">
+                <a:solidFill>
+                  <a:schemeClr val="tx1"/>
+                </a:solidFill>
+                <a:latin typeface="+mn-lt"/>
+                <a:ea typeface="+mn-ea"/>
+                <a:cs typeface="+mn-cs"/>
+              </a:defRPr>
+            </a:lvl4pPr>
+            <a:lvl5pPr marL="1828800" indent="0" algn="ctr" defTabSz="914400" rtl="0" eaLnBrk="1" latinLnBrk="0" hangingPunct="1">
+              <a:lnSpc>
+                <a:spcPct val="90000"/>
+              </a:lnSpc>
+              <a:spcBef>
+                <a:spcPts val="500"/>
+              </a:spcBef>
+              <a:buFont typeface="Arial" panose="020B0604020202020204" pitchFamily="34" charset="0"/>
+              <a:buNone/>
+              <a:defRPr sz="1600" kern="1200">
+                <a:solidFill>
+                  <a:schemeClr val="tx1"/>
+                </a:solidFill>
+                <a:latin typeface="+mn-lt"/>
+                <a:ea typeface="+mn-ea"/>
+                <a:cs typeface="+mn-cs"/>
+              </a:defRPr>
+            </a:lvl5pPr>
+            <a:lvl6pPr marL="2286000" indent="0" algn="ctr" defTabSz="914400" rtl="0" eaLnBrk="1" latinLnBrk="0" hangingPunct="1">
+              <a:lnSpc>
+                <a:spcPct val="90000"/>
+              </a:lnSpc>
+              <a:spcBef>
+                <a:spcPts val="500"/>
+              </a:spcBef>
+              <a:buFont typeface="Arial" panose="020B0604020202020204" pitchFamily="34" charset="0"/>
+              <a:buNone/>
+              <a:defRPr sz="1600" kern="1200">
+                <a:solidFill>
+                  <a:schemeClr val="tx1"/>
+                </a:solidFill>
+                <a:latin typeface="+mn-lt"/>
+                <a:ea typeface="+mn-ea"/>
+                <a:cs typeface="+mn-cs"/>
+              </a:defRPr>
+            </a:lvl6pPr>
+            <a:lvl7pPr marL="2743200" indent="0" algn="ctr" defTabSz="914400" rtl="0" eaLnBrk="1" latinLnBrk="0" hangingPunct="1">
+              <a:lnSpc>
+                <a:spcPct val="90000"/>
+              </a:lnSpc>
+              <a:spcBef>
+                <a:spcPts val="500"/>
+              </a:spcBef>
+              <a:buFont typeface="Arial" panose="020B0604020202020204" pitchFamily="34" charset="0"/>
+              <a:buNone/>
+              <a:defRPr sz="1600" kern="1200">
+                <a:solidFill>
+                  <a:schemeClr val="tx1"/>
+                </a:solidFill>
+                <a:latin typeface="+mn-lt"/>
+                <a:ea typeface="+mn-ea"/>
+                <a:cs typeface="+mn-cs"/>
+              </a:defRPr>
+            </a:lvl7pPr>
+            <a:lvl8pPr marL="3200400" indent="0" algn="ctr" defTabSz="914400" rtl="0" eaLnBrk="1" latinLnBrk="0" hangingPunct="1">
+              <a:lnSpc>
+                <a:spcPct val="90000"/>
+              </a:lnSpc>
+              <a:spcBef>
+                <a:spcPts val="500"/>
+              </a:spcBef>
+              <a:buFont typeface="Arial" panose="020B0604020202020204" pitchFamily="34" charset="0"/>
+              <a:buNone/>
+              <a:defRPr sz="1600" kern="1200">
+                <a:solidFill>
+                  <a:schemeClr val="tx1"/>
+                </a:solidFill>
+                <a:latin typeface="+mn-lt"/>
+                <a:ea typeface="+mn-ea"/>
+                <a:cs typeface="+mn-cs"/>
+              </a:defRPr>
+            </a:lvl8pPr>
+            <a:lvl9pPr marL="3657600" indent="0" algn="ctr" defTabSz="914400" rtl="0" eaLnBrk="1" latinLnBrk="0" hangingPunct="1">
+              <a:lnSpc>
+                <a:spcPct val="90000"/>
+              </a:lnSpc>
+              <a:spcBef>
+                <a:spcPts val="500"/>
+              </a:spcBef>
+              <a:buFont typeface="Arial" panose="020B0604020202020204" pitchFamily="34" charset="0"/>
+              <a:buNone/>
+              <a:defRPr sz="1600" kern="1200">
+                <a:solidFill>
+                  <a:schemeClr val="tx1"/>
+                </a:solidFill>
+                <a:latin typeface="+mn-lt"/>
+                <a:ea typeface="+mn-ea"/>
+                <a:cs typeface="+mn-cs"/>
+              </a:defRPr>
+            </a:lvl9pPr>
+          </a:lstStyle>
+          <a:p>
+            <a:r>
+              <a:rPr lang="en-US" sz="2000" dirty="0"/>
+              <a:t>EDGAR</a:t>
+            </a:r>
+          </a:p>
+          <a:p>
+            <a:pPr marL="285750" indent="-285750" algn="l">
+              <a:buFont typeface="Arial" panose="020B0604020202020204" pitchFamily="34" charset="0"/>
+              <a:buChar char="•"/>
+            </a:pPr>
+            <a:r>
+              <a:rPr lang="en-US" sz="1600" dirty="0"/>
+              <a:t>Total number of </a:t>
+            </a:r>
+            <a:r>
+              <a:rPr lang="en-US" altLang="zh-CN" sz="1600" dirty="0"/>
+              <a:t>8</a:t>
+            </a:r>
+            <a:r>
+              <a:rPr lang="en-US" sz="1600" dirty="0"/>
+              <a:t>-Ks in Edgar: </a:t>
+            </a:r>
+            <a:r>
+              <a:rPr lang="en-US" sz="1600" dirty="0">
+                <a:highlight>
+                  <a:srgbClr val="808000"/>
+                </a:highlight>
+              </a:rPr>
+              <a:t>1,628,467</a:t>
+            </a:r>
+          </a:p>
+          <a:p>
+            <a:pPr marL="285750" indent="-285750" algn="l">
+              <a:buFont typeface="Arial" panose="020B0604020202020204" pitchFamily="34" charset="0"/>
+              <a:buChar char="•"/>
+            </a:pPr>
+            <a:r>
+              <a:rPr lang="en-US" sz="1600" dirty="0"/>
+              <a:t>Number of 8-Ks successfully parsed and downloaded: </a:t>
+            </a:r>
+            <a:r>
+              <a:rPr lang="en-US" sz="1600" dirty="0">
+                <a:highlight>
+                  <a:srgbClr val="FFFF00"/>
+                </a:highlight>
+              </a:rPr>
+              <a:t>1,578,861</a:t>
+            </a:r>
+            <a:endParaRPr lang="en-US" dirty="0">
+              <a:highlight>
+                <a:srgbClr val="FFFF00"/>
+              </a:highlight>
+            </a:endParaRPr>
+          </a:p>
+        </p:txBody>
+      </p:sp>
+      <p:sp>
+        <p:nvSpPr>
+          <p:cNvPr id="7" name="Subtitle 2">
+            <a:extLst>
+              <a:ext uri="{FF2B5EF4-FFF2-40B4-BE49-F238E27FC236}">
+                <a16:creationId xmlns:a16="http://schemas.microsoft.com/office/drawing/2014/main" id="{2D0ACE13-B4D8-4E29-B46B-EFDD2A689E99}"/>
+              </a:ext>
+            </a:extLst>
+          </p:cNvPr>
+          <p:cNvSpPr txBox="1">
+            <a:spLocks/>
+          </p:cNvSpPr>
+          <p:nvPr/>
+        </p:nvSpPr>
+        <p:spPr>
+          <a:xfrm>
+            <a:off x="137513" y="5785448"/>
+            <a:ext cx="3979785" cy="921632"/>
+          </a:xfrm>
+          <a:prstGeom prst="rect">
+            <a:avLst/>
+          </a:prstGeom>
+        </p:spPr>
+        <p:txBody>
+          <a:bodyPr vert="horz" lIns="91440" tIns="45720" rIns="91440" bIns="45720" rtlCol="0">
+            <a:normAutofit/>
+          </a:bodyPr>
+          <a:lstStyle>
+            <a:lvl1pPr marL="0" indent="0" algn="ctr" defTabSz="914400" rtl="0" eaLnBrk="1" latinLnBrk="0" hangingPunct="1">
+              <a:lnSpc>
+                <a:spcPct val="90000"/>
+              </a:lnSpc>
+              <a:spcBef>
+                <a:spcPts val="1000"/>
+              </a:spcBef>
+              <a:buFont typeface="Arial" panose="020B0604020202020204" pitchFamily="34" charset="0"/>
+              <a:buNone/>
+              <a:defRPr sz="2400" kern="1200">
+                <a:solidFill>
+                  <a:schemeClr val="tx1"/>
+                </a:solidFill>
+                <a:latin typeface="+mn-lt"/>
+                <a:ea typeface="+mn-ea"/>
+                <a:cs typeface="+mn-cs"/>
+              </a:defRPr>
+            </a:lvl1pPr>
+            <a:lvl2pPr marL="457200" indent="0" algn="ctr" defTabSz="914400" rtl="0" eaLnBrk="1" latinLnBrk="0" hangingPunct="1">
+              <a:lnSpc>
+                <a:spcPct val="90000"/>
+              </a:lnSpc>
+              <a:spcBef>
+                <a:spcPts val="500"/>
+              </a:spcBef>
+              <a:buFont typeface="Arial" panose="020B0604020202020204" pitchFamily="34" charset="0"/>
+              <a:buNone/>
+              <a:defRPr sz="2000" kern="1200">
+                <a:solidFill>
+                  <a:schemeClr val="tx1"/>
+                </a:solidFill>
+                <a:latin typeface="+mn-lt"/>
+                <a:ea typeface="+mn-ea"/>
+                <a:cs typeface="+mn-cs"/>
+              </a:defRPr>
+            </a:lvl2pPr>
+            <a:lvl3pPr marL="914400" indent="0" algn="ctr" defTabSz="914400" rtl="0" eaLnBrk="1" latinLnBrk="0" hangingPunct="1">
+              <a:lnSpc>
+                <a:spcPct val="90000"/>
+              </a:lnSpc>
+              <a:spcBef>
+                <a:spcPts val="500"/>
+              </a:spcBef>
+              <a:buFont typeface="Arial" panose="020B0604020202020204" pitchFamily="34" charset="0"/>
+              <a:buNone/>
+              <a:defRPr sz="1800" kern="1200">
+                <a:solidFill>
+                  <a:schemeClr val="tx1"/>
+                </a:solidFill>
+                <a:latin typeface="+mn-lt"/>
+                <a:ea typeface="+mn-ea"/>
+                <a:cs typeface="+mn-cs"/>
+              </a:defRPr>
+            </a:lvl3pPr>
+            <a:lvl4pPr marL="1371600" indent="0" algn="ctr" defTabSz="914400" rtl="0" eaLnBrk="1" latinLnBrk="0" hangingPunct="1">
+              <a:lnSpc>
+                <a:spcPct val="90000"/>
+              </a:lnSpc>
+              <a:spcBef>
+                <a:spcPts val="500"/>
+              </a:spcBef>
+              <a:buFont typeface="Arial" panose="020B0604020202020204" pitchFamily="34" charset="0"/>
+              <a:buNone/>
+              <a:defRPr sz="1600" kern="1200">
+                <a:solidFill>
+                  <a:schemeClr val="tx1"/>
+                </a:solidFill>
+                <a:latin typeface="+mn-lt"/>
+                <a:ea typeface="+mn-ea"/>
+                <a:cs typeface="+mn-cs"/>
+              </a:defRPr>
+            </a:lvl4pPr>
+            <a:lvl5pPr marL="1828800" indent="0" algn="ctr" defTabSz="914400" rtl="0" eaLnBrk="1" latinLnBrk="0" hangingPunct="1">
+              <a:lnSpc>
+                <a:spcPct val="90000"/>
+              </a:lnSpc>
+              <a:spcBef>
+                <a:spcPts val="500"/>
+              </a:spcBef>
+              <a:buFont typeface="Arial" panose="020B0604020202020204" pitchFamily="34" charset="0"/>
+              <a:buNone/>
+              <a:defRPr sz="1600" kern="1200">
+                <a:solidFill>
+                  <a:schemeClr val="tx1"/>
+                </a:solidFill>
+                <a:latin typeface="+mn-lt"/>
+                <a:ea typeface="+mn-ea"/>
+                <a:cs typeface="+mn-cs"/>
+              </a:defRPr>
+            </a:lvl5pPr>
+            <a:lvl6pPr marL="2286000" indent="0" algn="ctr" defTabSz="914400" rtl="0" eaLnBrk="1" latinLnBrk="0" hangingPunct="1">
+              <a:lnSpc>
+                <a:spcPct val="90000"/>
+              </a:lnSpc>
+              <a:spcBef>
+                <a:spcPts val="500"/>
+              </a:spcBef>
+              <a:buFont typeface="Arial" panose="020B0604020202020204" pitchFamily="34" charset="0"/>
+              <a:buNone/>
+              <a:defRPr sz="1600" kern="1200">
+                <a:solidFill>
+                  <a:schemeClr val="tx1"/>
+                </a:solidFill>
+                <a:latin typeface="+mn-lt"/>
+                <a:ea typeface="+mn-ea"/>
+                <a:cs typeface="+mn-cs"/>
+              </a:defRPr>
+            </a:lvl6pPr>
+            <a:lvl7pPr marL="2743200" indent="0" algn="ctr" defTabSz="914400" rtl="0" eaLnBrk="1" latinLnBrk="0" hangingPunct="1">
+              <a:lnSpc>
+                <a:spcPct val="90000"/>
+              </a:lnSpc>
+              <a:spcBef>
+                <a:spcPts val="500"/>
+              </a:spcBef>
+              <a:buFont typeface="Arial" panose="020B0604020202020204" pitchFamily="34" charset="0"/>
+              <a:buNone/>
+              <a:defRPr sz="1600" kern="1200">
+                <a:solidFill>
+                  <a:schemeClr val="tx1"/>
+                </a:solidFill>
+                <a:latin typeface="+mn-lt"/>
+                <a:ea typeface="+mn-ea"/>
+                <a:cs typeface="+mn-cs"/>
+              </a:defRPr>
+            </a:lvl7pPr>
+            <a:lvl8pPr marL="3200400" indent="0" algn="ctr" defTabSz="914400" rtl="0" eaLnBrk="1" latinLnBrk="0" hangingPunct="1">
+              <a:lnSpc>
+                <a:spcPct val="90000"/>
+              </a:lnSpc>
+              <a:spcBef>
+                <a:spcPts val="500"/>
+              </a:spcBef>
+              <a:buFont typeface="Arial" panose="020B0604020202020204" pitchFamily="34" charset="0"/>
+              <a:buNone/>
+              <a:defRPr sz="1600" kern="1200">
+                <a:solidFill>
+                  <a:schemeClr val="tx1"/>
+                </a:solidFill>
+                <a:latin typeface="+mn-lt"/>
+                <a:ea typeface="+mn-ea"/>
+                <a:cs typeface="+mn-cs"/>
+              </a:defRPr>
+            </a:lvl8pPr>
+            <a:lvl9pPr marL="3657600" indent="0" algn="ctr" defTabSz="914400" rtl="0" eaLnBrk="1" latinLnBrk="0" hangingPunct="1">
+              <a:lnSpc>
+                <a:spcPct val="90000"/>
+              </a:lnSpc>
+              <a:spcBef>
+                <a:spcPts val="500"/>
+              </a:spcBef>
+              <a:buFont typeface="Arial" panose="020B0604020202020204" pitchFamily="34" charset="0"/>
+              <a:buNone/>
+              <a:defRPr sz="1600" kern="1200">
+                <a:solidFill>
+                  <a:schemeClr val="tx1"/>
+                </a:solidFill>
+                <a:latin typeface="+mn-lt"/>
+                <a:ea typeface="+mn-ea"/>
+                <a:cs typeface="+mn-cs"/>
+              </a:defRPr>
+            </a:lvl9pPr>
+          </a:lstStyle>
+          <a:p>
+            <a:pPr algn="l"/>
+            <a:r>
+              <a:rPr lang="en-US" sz="1400" dirty="0">
+                <a:highlight>
+                  <a:srgbClr val="C0C0C0"/>
+                </a:highlight>
+              </a:rPr>
+              <a:t>Time Period </a:t>
+            </a:r>
+          </a:p>
+          <a:p>
+            <a:pPr marL="342900" indent="-342900" algn="l">
+              <a:buFont typeface="Arial" panose="020B0604020202020204" pitchFamily="34" charset="0"/>
+              <a:buChar char="•"/>
+            </a:pPr>
+            <a:r>
+              <a:rPr lang="en-US" sz="1400" dirty="0" err="1">
+                <a:highlight>
+                  <a:srgbClr val="C0C0C0"/>
+                </a:highlight>
+              </a:rPr>
+              <a:t>Compustat</a:t>
+            </a:r>
+            <a:r>
+              <a:rPr lang="en-US" sz="1400" dirty="0">
+                <a:highlight>
+                  <a:srgbClr val="C0C0C0"/>
+                </a:highlight>
+              </a:rPr>
+              <a:t> &amp; Edgar: 1993Q1 - 2020Q1</a:t>
+            </a:r>
+          </a:p>
+          <a:p>
+            <a:pPr marL="342900" indent="-342900" algn="l">
+              <a:buFont typeface="Arial" panose="020B0604020202020204" pitchFamily="34" charset="0"/>
+              <a:buChar char="•"/>
+            </a:pPr>
+            <a:r>
+              <a:rPr lang="en-US" sz="1400" dirty="0">
+                <a:highlight>
+                  <a:srgbClr val="C0C0C0"/>
+                </a:highlight>
+              </a:rPr>
+              <a:t>CRSP: 1992 Nov. - 2019 Dec. </a:t>
+            </a:r>
+          </a:p>
+          <a:p>
+            <a:pPr marL="342900" indent="-342900" algn="l">
+              <a:buFont typeface="Arial" panose="020B0604020202020204" pitchFamily="34" charset="0"/>
+              <a:buChar char="•"/>
+            </a:pPr>
+            <a:endParaRPr lang="en-US" sz="1400" dirty="0">
+              <a:highlight>
+                <a:srgbClr val="C0C0C0"/>
+              </a:highlight>
+            </a:endParaRPr>
+          </a:p>
+        </p:txBody>
+      </p:sp>
+      <p:sp>
+        <p:nvSpPr>
+          <p:cNvPr id="14" name="Subtitle 2">
+            <a:extLst>
+              <a:ext uri="{FF2B5EF4-FFF2-40B4-BE49-F238E27FC236}">
+                <a16:creationId xmlns:a16="http://schemas.microsoft.com/office/drawing/2014/main" id="{1560E3A7-4785-4D31-BF00-5675315307A9}"/>
+              </a:ext>
+            </a:extLst>
+          </p:cNvPr>
+          <p:cNvSpPr txBox="1">
+            <a:spLocks/>
+          </p:cNvSpPr>
+          <p:nvPr/>
+        </p:nvSpPr>
+        <p:spPr>
+          <a:xfrm>
+            <a:off x="1331651" y="2951597"/>
+            <a:ext cx="5011493" cy="1193580"/>
+          </a:xfrm>
+          <a:prstGeom prst="rect">
+            <a:avLst/>
+          </a:prstGeom>
+        </p:spPr>
+        <p:txBody>
+          <a:bodyPr vert="horz" lIns="91440" tIns="45720" rIns="91440" bIns="45720" rtlCol="0">
+            <a:normAutofit/>
+          </a:bodyPr>
+          <a:lstStyle>
+            <a:lvl1pPr marL="0" indent="0" algn="ctr" defTabSz="914400" rtl="0" eaLnBrk="1" latinLnBrk="0" hangingPunct="1">
+              <a:lnSpc>
+                <a:spcPct val="90000"/>
+              </a:lnSpc>
+              <a:spcBef>
+                <a:spcPts val="1000"/>
+              </a:spcBef>
+              <a:buFont typeface="Arial" panose="020B0604020202020204" pitchFamily="34" charset="0"/>
+              <a:buNone/>
+              <a:defRPr sz="2400" kern="1200">
+                <a:solidFill>
+                  <a:schemeClr val="tx1"/>
+                </a:solidFill>
+                <a:latin typeface="+mn-lt"/>
+                <a:ea typeface="+mn-ea"/>
+                <a:cs typeface="+mn-cs"/>
+              </a:defRPr>
+            </a:lvl1pPr>
+            <a:lvl2pPr marL="457200" indent="0" algn="ctr" defTabSz="914400" rtl="0" eaLnBrk="1" latinLnBrk="0" hangingPunct="1">
+              <a:lnSpc>
+                <a:spcPct val="90000"/>
+              </a:lnSpc>
+              <a:spcBef>
+                <a:spcPts val="500"/>
+              </a:spcBef>
+              <a:buFont typeface="Arial" panose="020B0604020202020204" pitchFamily="34" charset="0"/>
+              <a:buNone/>
+              <a:defRPr sz="2000" kern="1200">
+                <a:solidFill>
+                  <a:schemeClr val="tx1"/>
+                </a:solidFill>
+                <a:latin typeface="+mn-lt"/>
+                <a:ea typeface="+mn-ea"/>
+                <a:cs typeface="+mn-cs"/>
+              </a:defRPr>
+            </a:lvl2pPr>
+            <a:lvl3pPr marL="914400" indent="0" algn="ctr" defTabSz="914400" rtl="0" eaLnBrk="1" latinLnBrk="0" hangingPunct="1">
+              <a:lnSpc>
+                <a:spcPct val="90000"/>
+              </a:lnSpc>
+              <a:spcBef>
+                <a:spcPts val="500"/>
+              </a:spcBef>
+              <a:buFont typeface="Arial" panose="020B0604020202020204" pitchFamily="34" charset="0"/>
+              <a:buNone/>
+              <a:defRPr sz="1800" kern="1200">
+                <a:solidFill>
+                  <a:schemeClr val="tx1"/>
+                </a:solidFill>
+                <a:latin typeface="+mn-lt"/>
+                <a:ea typeface="+mn-ea"/>
+                <a:cs typeface="+mn-cs"/>
+              </a:defRPr>
+            </a:lvl3pPr>
+            <a:lvl4pPr marL="1371600" indent="0" algn="ctr" defTabSz="914400" rtl="0" eaLnBrk="1" latinLnBrk="0" hangingPunct="1">
+              <a:lnSpc>
+                <a:spcPct val="90000"/>
+              </a:lnSpc>
+              <a:spcBef>
+                <a:spcPts val="500"/>
+              </a:spcBef>
+              <a:buFont typeface="Arial" panose="020B0604020202020204" pitchFamily="34" charset="0"/>
+              <a:buNone/>
+              <a:defRPr sz="1600" kern="1200">
+                <a:solidFill>
+                  <a:schemeClr val="tx1"/>
+                </a:solidFill>
+                <a:latin typeface="+mn-lt"/>
+                <a:ea typeface="+mn-ea"/>
+                <a:cs typeface="+mn-cs"/>
+              </a:defRPr>
+            </a:lvl4pPr>
+            <a:lvl5pPr marL="1828800" indent="0" algn="ctr" defTabSz="914400" rtl="0" eaLnBrk="1" latinLnBrk="0" hangingPunct="1">
+              <a:lnSpc>
+                <a:spcPct val="90000"/>
+              </a:lnSpc>
+              <a:spcBef>
+                <a:spcPts val="500"/>
+              </a:spcBef>
+              <a:buFont typeface="Arial" panose="020B0604020202020204" pitchFamily="34" charset="0"/>
+              <a:buNone/>
+              <a:defRPr sz="1600" kern="1200">
+                <a:solidFill>
+                  <a:schemeClr val="tx1"/>
+                </a:solidFill>
+                <a:latin typeface="+mn-lt"/>
+                <a:ea typeface="+mn-ea"/>
+                <a:cs typeface="+mn-cs"/>
+              </a:defRPr>
+            </a:lvl5pPr>
+            <a:lvl6pPr marL="2286000" indent="0" algn="ctr" defTabSz="914400" rtl="0" eaLnBrk="1" latinLnBrk="0" hangingPunct="1">
+              <a:lnSpc>
+                <a:spcPct val="90000"/>
+              </a:lnSpc>
+              <a:spcBef>
+                <a:spcPts val="500"/>
+              </a:spcBef>
+              <a:buFont typeface="Arial" panose="020B0604020202020204" pitchFamily="34" charset="0"/>
+              <a:buNone/>
+              <a:defRPr sz="1600" kern="1200">
+                <a:solidFill>
+                  <a:schemeClr val="tx1"/>
+                </a:solidFill>
+                <a:latin typeface="+mn-lt"/>
+                <a:ea typeface="+mn-ea"/>
+                <a:cs typeface="+mn-cs"/>
+              </a:defRPr>
+            </a:lvl6pPr>
+            <a:lvl7pPr marL="2743200" indent="0" algn="ctr" defTabSz="914400" rtl="0" eaLnBrk="1" latinLnBrk="0" hangingPunct="1">
+              <a:lnSpc>
+                <a:spcPct val="90000"/>
+              </a:lnSpc>
+              <a:spcBef>
+                <a:spcPts val="500"/>
+              </a:spcBef>
+              <a:buFont typeface="Arial" panose="020B0604020202020204" pitchFamily="34" charset="0"/>
+              <a:buNone/>
+              <a:defRPr sz="1600" kern="1200">
+                <a:solidFill>
+                  <a:schemeClr val="tx1"/>
+                </a:solidFill>
+                <a:latin typeface="+mn-lt"/>
+                <a:ea typeface="+mn-ea"/>
+                <a:cs typeface="+mn-cs"/>
+              </a:defRPr>
+            </a:lvl7pPr>
+            <a:lvl8pPr marL="3200400" indent="0" algn="ctr" defTabSz="914400" rtl="0" eaLnBrk="1" latinLnBrk="0" hangingPunct="1">
+              <a:lnSpc>
+                <a:spcPct val="90000"/>
+              </a:lnSpc>
+              <a:spcBef>
+                <a:spcPts val="500"/>
+              </a:spcBef>
+              <a:buFont typeface="Arial" panose="020B0604020202020204" pitchFamily="34" charset="0"/>
+              <a:buNone/>
+              <a:defRPr sz="1600" kern="1200">
+                <a:solidFill>
+                  <a:schemeClr val="tx1"/>
+                </a:solidFill>
+                <a:latin typeface="+mn-lt"/>
+                <a:ea typeface="+mn-ea"/>
+                <a:cs typeface="+mn-cs"/>
+              </a:defRPr>
+            </a:lvl8pPr>
+            <a:lvl9pPr marL="3657600" indent="0" algn="ctr" defTabSz="914400" rtl="0" eaLnBrk="1" latinLnBrk="0" hangingPunct="1">
+              <a:lnSpc>
+                <a:spcPct val="90000"/>
+              </a:lnSpc>
+              <a:spcBef>
+                <a:spcPts val="500"/>
+              </a:spcBef>
+              <a:buFont typeface="Arial" panose="020B0604020202020204" pitchFamily="34" charset="0"/>
+              <a:buNone/>
+              <a:defRPr sz="1600" kern="1200">
+                <a:solidFill>
+                  <a:schemeClr val="tx1"/>
+                </a:solidFill>
+                <a:latin typeface="+mn-lt"/>
+                <a:ea typeface="+mn-ea"/>
+                <a:cs typeface="+mn-cs"/>
+              </a:defRPr>
+            </a:lvl9pPr>
+          </a:lstStyle>
+          <a:p>
+            <a:r>
+              <a:rPr lang="en-US" sz="1800" dirty="0"/>
+              <a:t>CRSP_COMPUSTAT</a:t>
+            </a:r>
+          </a:p>
+          <a:p>
+            <a:pPr marL="342900" indent="-342900" algn="l">
+              <a:buFont typeface="Arial" panose="020B0604020202020204" pitchFamily="34" charset="0"/>
+              <a:buChar char="•"/>
+            </a:pPr>
+            <a:r>
+              <a:rPr lang="en-US" sz="1400" dirty="0"/>
+              <a:t>Number of </a:t>
+            </a:r>
+            <a:r>
+              <a:rPr lang="en-US" sz="1400" dirty="0" err="1"/>
+              <a:t>cusip</a:t>
+            </a:r>
+            <a:r>
+              <a:rPr lang="en-US" sz="1400" dirty="0"/>
+              <a:t>-quarter observations after </a:t>
+            </a:r>
+          </a:p>
+          <a:p>
+            <a:pPr marL="800100" lvl="1" indent="-342900" algn="l">
+              <a:buFont typeface="Arial" panose="020B0604020202020204" pitchFamily="34" charset="0"/>
+              <a:buChar char="•"/>
+            </a:pPr>
+            <a:r>
+              <a:rPr lang="en-US" sz="1400" dirty="0"/>
+              <a:t>merging </a:t>
+            </a:r>
+          </a:p>
+          <a:p>
+            <a:pPr marL="800100" lvl="1" indent="-342900" algn="l">
+              <a:buFont typeface="Arial" panose="020B0604020202020204" pitchFamily="34" charset="0"/>
+              <a:buChar char="•"/>
+            </a:pPr>
+            <a:r>
+              <a:rPr lang="en-US" sz="1400" dirty="0"/>
+              <a:t>dropping obs. with missing </a:t>
+            </a:r>
+            <a:r>
+              <a:rPr lang="en-US" sz="1400" dirty="0" err="1"/>
+              <a:t>gvkey</a:t>
+            </a:r>
+            <a:r>
+              <a:rPr lang="en-US" sz="1400" dirty="0"/>
+              <a:t> and return: </a:t>
+            </a:r>
+            <a:r>
+              <a:rPr lang="en-US" sz="1400" dirty="0">
+                <a:highlight>
+                  <a:srgbClr val="FFFF00"/>
+                </a:highlight>
+              </a:rPr>
+              <a:t>707,333</a:t>
+            </a:r>
+          </a:p>
+        </p:txBody>
+      </p:sp>
+      <p:grpSp>
+        <p:nvGrpSpPr>
+          <p:cNvPr id="26" name="Group 25">
+            <a:extLst>
+              <a:ext uri="{FF2B5EF4-FFF2-40B4-BE49-F238E27FC236}">
+                <a16:creationId xmlns:a16="http://schemas.microsoft.com/office/drawing/2014/main" id="{AE1AD52E-AE06-4275-882C-227E03483BF6}"/>
+              </a:ext>
+            </a:extLst>
+          </p:cNvPr>
+          <p:cNvGrpSpPr/>
+          <p:nvPr/>
+        </p:nvGrpSpPr>
+        <p:grpSpPr>
+          <a:xfrm>
+            <a:off x="1331651" y="1890943"/>
+            <a:ext cx="5264459" cy="1045346"/>
+            <a:chOff x="1038687" y="3429000"/>
+            <a:chExt cx="5264459" cy="1045346"/>
+          </a:xfrm>
+        </p:grpSpPr>
+        <p:cxnSp>
+          <p:nvCxnSpPr>
+            <p:cNvPr id="20" name="Straight Connector 19">
+              <a:extLst>
+                <a:ext uri="{FF2B5EF4-FFF2-40B4-BE49-F238E27FC236}">
+                  <a16:creationId xmlns:a16="http://schemas.microsoft.com/office/drawing/2014/main" id="{97DDD179-9792-41FF-BB80-0685609B9A7C}"/>
+                </a:ext>
+              </a:extLst>
+            </p:cNvPr>
+            <p:cNvCxnSpPr/>
+            <p:nvPr/>
+          </p:nvCxnSpPr>
+          <p:spPr>
+            <a:xfrm>
+              <a:off x="1038687" y="3429000"/>
+              <a:ext cx="0" cy="494930"/>
+            </a:xfrm>
+            <a:prstGeom prst="line">
+              <a:avLst/>
+            </a:prstGeom>
+            <a:ln w="25400"/>
+          </p:spPr>
+          <p:style>
+            <a:lnRef idx="1">
+              <a:schemeClr val="accent1"/>
+            </a:lnRef>
+            <a:fillRef idx="0">
+              <a:schemeClr val="accent1"/>
+            </a:fillRef>
+            <a:effectRef idx="0">
+              <a:schemeClr val="accent1"/>
+            </a:effectRef>
+            <a:fontRef idx="minor">
+              <a:schemeClr val="tx1"/>
+            </a:fontRef>
+          </p:style>
+        </p:cxnSp>
+        <p:cxnSp>
+          <p:nvCxnSpPr>
+            <p:cNvPr id="22" name="Straight Connector 21">
+              <a:extLst>
+                <a:ext uri="{FF2B5EF4-FFF2-40B4-BE49-F238E27FC236}">
+                  <a16:creationId xmlns:a16="http://schemas.microsoft.com/office/drawing/2014/main" id="{FA8AB022-380D-4470-95B7-D93641C73FAB}"/>
+                </a:ext>
+              </a:extLst>
+            </p:cNvPr>
+            <p:cNvCxnSpPr/>
+            <p:nvPr/>
+          </p:nvCxnSpPr>
+          <p:spPr>
+            <a:xfrm>
+              <a:off x="1038687" y="3932808"/>
+              <a:ext cx="5264459" cy="0"/>
+            </a:xfrm>
+            <a:prstGeom prst="line">
+              <a:avLst/>
+            </a:prstGeom>
+            <a:ln w="25400"/>
+          </p:spPr>
+          <p:style>
+            <a:lnRef idx="1">
+              <a:schemeClr val="accent1"/>
+            </a:lnRef>
+            <a:fillRef idx="0">
+              <a:schemeClr val="accent1"/>
+            </a:fillRef>
+            <a:effectRef idx="0">
+              <a:schemeClr val="accent1"/>
+            </a:effectRef>
+            <a:fontRef idx="minor">
+              <a:schemeClr val="tx1"/>
+            </a:fontRef>
+          </p:style>
+        </p:cxnSp>
+        <p:cxnSp>
+          <p:nvCxnSpPr>
+            <p:cNvPr id="23" name="Straight Connector 22">
+              <a:extLst>
+                <a:ext uri="{FF2B5EF4-FFF2-40B4-BE49-F238E27FC236}">
+                  <a16:creationId xmlns:a16="http://schemas.microsoft.com/office/drawing/2014/main" id="{FF78DD7D-F922-4A22-8970-0F5037394061}"/>
+                </a:ext>
+              </a:extLst>
+            </p:cNvPr>
+            <p:cNvCxnSpPr/>
+            <p:nvPr/>
+          </p:nvCxnSpPr>
+          <p:spPr>
+            <a:xfrm>
+              <a:off x="6303146" y="3437878"/>
+              <a:ext cx="0" cy="494930"/>
+            </a:xfrm>
+            <a:prstGeom prst="line">
+              <a:avLst/>
+            </a:prstGeom>
+            <a:ln w="25400"/>
+          </p:spPr>
+          <p:style>
+            <a:lnRef idx="1">
+              <a:schemeClr val="accent1"/>
+            </a:lnRef>
+            <a:fillRef idx="0">
+              <a:schemeClr val="accent1"/>
+            </a:fillRef>
+            <a:effectRef idx="0">
+              <a:schemeClr val="accent1"/>
+            </a:effectRef>
+            <a:fontRef idx="minor">
+              <a:schemeClr val="tx1"/>
+            </a:fontRef>
+          </p:style>
+        </p:cxnSp>
+        <p:cxnSp>
+          <p:nvCxnSpPr>
+            <p:cNvPr id="25" name="Straight Arrow Connector 24">
+              <a:extLst>
+                <a:ext uri="{FF2B5EF4-FFF2-40B4-BE49-F238E27FC236}">
+                  <a16:creationId xmlns:a16="http://schemas.microsoft.com/office/drawing/2014/main" id="{EC3F3BD9-4F91-4AA9-A2CE-AD7A689DA801}"/>
+                </a:ext>
+              </a:extLst>
+            </p:cNvPr>
+            <p:cNvCxnSpPr/>
+            <p:nvPr/>
+          </p:nvCxnSpPr>
+          <p:spPr>
+            <a:xfrm>
+              <a:off x="3370926" y="3932808"/>
+              <a:ext cx="0" cy="541538"/>
+            </a:xfrm>
+            <a:prstGeom prst="straightConnector1">
+              <a:avLst/>
+            </a:prstGeom>
+            <a:ln w="25400">
+              <a:tailEnd type="triangle"/>
+            </a:ln>
+          </p:spPr>
+          <p:style>
+            <a:lnRef idx="1">
+              <a:schemeClr val="accent1"/>
+            </a:lnRef>
+            <a:fillRef idx="0">
+              <a:schemeClr val="accent1"/>
+            </a:fillRef>
+            <a:effectRef idx="0">
+              <a:schemeClr val="accent1"/>
+            </a:effectRef>
+            <a:fontRef idx="minor">
+              <a:schemeClr val="tx1"/>
+            </a:fontRef>
+          </p:style>
+        </p:cxnSp>
+      </p:grpSp>
+      <p:sp>
+        <p:nvSpPr>
+          <p:cNvPr id="27" name="Subtitle 2">
+            <a:extLst>
+              <a:ext uri="{FF2B5EF4-FFF2-40B4-BE49-F238E27FC236}">
+                <a16:creationId xmlns:a16="http://schemas.microsoft.com/office/drawing/2014/main" id="{4FD9611F-45F7-4965-B148-D2684E5C0CFE}"/>
+              </a:ext>
+            </a:extLst>
+          </p:cNvPr>
+          <p:cNvSpPr txBox="1">
+            <a:spLocks/>
+          </p:cNvSpPr>
+          <p:nvPr/>
+        </p:nvSpPr>
+        <p:spPr>
+          <a:xfrm>
+            <a:off x="1633500" y="2077206"/>
+            <a:ext cx="4838322" cy="269079"/>
           </a:xfrm>
           <a:prstGeom prst="rect">
             <a:avLst/>
@@ -5613,20 +11843,1107 @@
           <a:p>
             <a:pPr algn="l"/>
             <a:r>
+              <a:rPr lang="en-US" sz="1400" dirty="0">
+                <a:highlight>
+                  <a:srgbClr val="C0C0C0"/>
+                </a:highlight>
+              </a:rPr>
+              <a:t>Merge and aggregate CRSP monthly returns to quarterly returns</a:t>
+            </a:r>
+          </a:p>
+        </p:txBody>
+      </p:sp>
+      <p:grpSp>
+        <p:nvGrpSpPr>
+          <p:cNvPr id="45" name="Group 44">
+            <a:extLst>
+              <a:ext uri="{FF2B5EF4-FFF2-40B4-BE49-F238E27FC236}">
+                <a16:creationId xmlns:a16="http://schemas.microsoft.com/office/drawing/2014/main" id="{85EEDD37-6060-4FD5-9A85-0D1C8F29BD51}"/>
+              </a:ext>
+            </a:extLst>
+          </p:cNvPr>
+          <p:cNvGrpSpPr/>
+          <p:nvPr/>
+        </p:nvGrpSpPr>
+        <p:grpSpPr>
+          <a:xfrm>
+            <a:off x="3880741" y="1899821"/>
+            <a:ext cx="6361139" cy="3249228"/>
+            <a:chOff x="3880741" y="1899821"/>
+            <a:chExt cx="6361139" cy="3249228"/>
+          </a:xfrm>
+        </p:grpSpPr>
+        <p:cxnSp>
+          <p:nvCxnSpPr>
+            <p:cNvPr id="34" name="Straight Connector 33">
+              <a:extLst>
+                <a:ext uri="{FF2B5EF4-FFF2-40B4-BE49-F238E27FC236}">
+                  <a16:creationId xmlns:a16="http://schemas.microsoft.com/office/drawing/2014/main" id="{BD88E2F9-098D-4D6C-A289-3496AB2F3832}"/>
+                </a:ext>
+              </a:extLst>
+            </p:cNvPr>
+            <p:cNvCxnSpPr/>
+            <p:nvPr/>
+          </p:nvCxnSpPr>
+          <p:spPr>
+            <a:xfrm>
+              <a:off x="3880741" y="4154750"/>
+              <a:ext cx="0" cy="497149"/>
+            </a:xfrm>
+            <a:prstGeom prst="line">
+              <a:avLst/>
+            </a:prstGeom>
+            <a:ln w="25400"/>
+          </p:spPr>
+          <p:style>
+            <a:lnRef idx="1">
+              <a:schemeClr val="accent1"/>
+            </a:lnRef>
+            <a:fillRef idx="0">
+              <a:schemeClr val="accent1"/>
+            </a:fillRef>
+            <a:effectRef idx="0">
+              <a:schemeClr val="accent1"/>
+            </a:effectRef>
+            <a:fontRef idx="minor">
+              <a:schemeClr val="tx1"/>
+            </a:fontRef>
+          </p:style>
+        </p:cxnSp>
+        <p:cxnSp>
+          <p:nvCxnSpPr>
+            <p:cNvPr id="36" name="Straight Connector 35">
+              <a:extLst>
+                <a:ext uri="{FF2B5EF4-FFF2-40B4-BE49-F238E27FC236}">
+                  <a16:creationId xmlns:a16="http://schemas.microsoft.com/office/drawing/2014/main" id="{BEEBE08E-2B63-4A73-8532-6FD8FC78A2ED}"/>
+                </a:ext>
+              </a:extLst>
+            </p:cNvPr>
+            <p:cNvCxnSpPr/>
+            <p:nvPr/>
+          </p:nvCxnSpPr>
+          <p:spPr>
+            <a:xfrm>
+              <a:off x="3880741" y="4660777"/>
+              <a:ext cx="6361139" cy="0"/>
+            </a:xfrm>
+            <a:prstGeom prst="line">
+              <a:avLst/>
+            </a:prstGeom>
+            <a:ln w="25400"/>
+          </p:spPr>
+          <p:style>
+            <a:lnRef idx="1">
+              <a:schemeClr val="accent1"/>
+            </a:lnRef>
+            <a:fillRef idx="0">
+              <a:schemeClr val="accent1"/>
+            </a:fillRef>
+            <a:effectRef idx="0">
+              <a:schemeClr val="accent1"/>
+            </a:effectRef>
+            <a:fontRef idx="minor">
+              <a:schemeClr val="tx1"/>
+            </a:fontRef>
+          </p:style>
+        </p:cxnSp>
+        <p:cxnSp>
+          <p:nvCxnSpPr>
+            <p:cNvPr id="38" name="Straight Connector 37">
+              <a:extLst>
+                <a:ext uri="{FF2B5EF4-FFF2-40B4-BE49-F238E27FC236}">
+                  <a16:creationId xmlns:a16="http://schemas.microsoft.com/office/drawing/2014/main" id="{7FD1EE14-B113-4768-9B07-9C99D8B0B5AD}"/>
+                </a:ext>
+              </a:extLst>
+            </p:cNvPr>
+            <p:cNvCxnSpPr/>
+            <p:nvPr/>
+          </p:nvCxnSpPr>
+          <p:spPr>
+            <a:xfrm>
+              <a:off x="10241880" y="1899821"/>
+              <a:ext cx="0" cy="2752078"/>
+            </a:xfrm>
+            <a:prstGeom prst="line">
+              <a:avLst/>
+            </a:prstGeom>
+            <a:ln w="25400"/>
+          </p:spPr>
+          <p:style>
+            <a:lnRef idx="1">
+              <a:schemeClr val="accent1"/>
+            </a:lnRef>
+            <a:fillRef idx="0">
+              <a:schemeClr val="accent1"/>
+            </a:fillRef>
+            <a:effectRef idx="0">
+              <a:schemeClr val="accent1"/>
+            </a:effectRef>
+            <a:fontRef idx="minor">
+              <a:schemeClr val="tx1"/>
+            </a:fontRef>
+          </p:style>
+        </p:cxnSp>
+        <p:cxnSp>
+          <p:nvCxnSpPr>
+            <p:cNvPr id="40" name="Straight Arrow Connector 39">
+              <a:extLst>
+                <a:ext uri="{FF2B5EF4-FFF2-40B4-BE49-F238E27FC236}">
+                  <a16:creationId xmlns:a16="http://schemas.microsoft.com/office/drawing/2014/main" id="{C6808F6E-E59C-4BC2-AAA0-085BD50AD641}"/>
+                </a:ext>
+              </a:extLst>
+            </p:cNvPr>
+            <p:cNvCxnSpPr/>
+            <p:nvPr/>
+          </p:nvCxnSpPr>
+          <p:spPr>
+            <a:xfrm>
+              <a:off x="7061310" y="4660777"/>
+              <a:ext cx="0" cy="488272"/>
+            </a:xfrm>
+            <a:prstGeom prst="straightConnector1">
+              <a:avLst/>
+            </a:prstGeom>
+            <a:ln w="25400">
+              <a:tailEnd type="triangle"/>
+            </a:ln>
+          </p:spPr>
+          <p:style>
+            <a:lnRef idx="1">
+              <a:schemeClr val="accent1"/>
+            </a:lnRef>
+            <a:fillRef idx="0">
+              <a:schemeClr val="accent1"/>
+            </a:fillRef>
+            <a:effectRef idx="0">
+              <a:schemeClr val="accent1"/>
+            </a:effectRef>
+            <a:fontRef idx="minor">
+              <a:schemeClr val="tx1"/>
+            </a:fontRef>
+          </p:style>
+        </p:cxnSp>
+      </p:grpSp>
+      <p:sp>
+        <p:nvSpPr>
+          <p:cNvPr id="41" name="Subtitle 2">
+            <a:extLst>
+              <a:ext uri="{FF2B5EF4-FFF2-40B4-BE49-F238E27FC236}">
+                <a16:creationId xmlns:a16="http://schemas.microsoft.com/office/drawing/2014/main" id="{545ECAD0-952F-4611-BCFD-23FD2C6790F1}"/>
+              </a:ext>
+            </a:extLst>
+          </p:cNvPr>
+          <p:cNvSpPr txBox="1">
+            <a:spLocks/>
+          </p:cNvSpPr>
+          <p:nvPr/>
+        </p:nvSpPr>
+        <p:spPr>
+          <a:xfrm>
+            <a:off x="4940219" y="5201498"/>
+            <a:ext cx="5224709" cy="1429217"/>
+          </a:xfrm>
+          <a:prstGeom prst="rect">
+            <a:avLst/>
+          </a:prstGeom>
+        </p:spPr>
+        <p:txBody>
+          <a:bodyPr vert="horz" lIns="91440" tIns="45720" rIns="91440" bIns="45720" rtlCol="0">
+            <a:normAutofit/>
+          </a:bodyPr>
+          <a:lstStyle>
+            <a:lvl1pPr marL="0" indent="0" algn="ctr" defTabSz="914400" rtl="0" eaLnBrk="1" latinLnBrk="0" hangingPunct="1">
+              <a:lnSpc>
+                <a:spcPct val="90000"/>
+              </a:lnSpc>
+              <a:spcBef>
+                <a:spcPts val="1000"/>
+              </a:spcBef>
+              <a:buFont typeface="Arial" panose="020B0604020202020204" pitchFamily="34" charset="0"/>
+              <a:buNone/>
+              <a:defRPr sz="2400" kern="1200">
+                <a:solidFill>
+                  <a:schemeClr val="tx1"/>
+                </a:solidFill>
+                <a:latin typeface="+mn-lt"/>
+                <a:ea typeface="+mn-ea"/>
+                <a:cs typeface="+mn-cs"/>
+              </a:defRPr>
+            </a:lvl1pPr>
+            <a:lvl2pPr marL="457200" indent="0" algn="ctr" defTabSz="914400" rtl="0" eaLnBrk="1" latinLnBrk="0" hangingPunct="1">
+              <a:lnSpc>
+                <a:spcPct val="90000"/>
+              </a:lnSpc>
+              <a:spcBef>
+                <a:spcPts val="500"/>
+              </a:spcBef>
+              <a:buFont typeface="Arial" panose="020B0604020202020204" pitchFamily="34" charset="0"/>
+              <a:buNone/>
+              <a:defRPr sz="2000" kern="1200">
+                <a:solidFill>
+                  <a:schemeClr val="tx1"/>
+                </a:solidFill>
+                <a:latin typeface="+mn-lt"/>
+                <a:ea typeface="+mn-ea"/>
+                <a:cs typeface="+mn-cs"/>
+              </a:defRPr>
+            </a:lvl2pPr>
+            <a:lvl3pPr marL="914400" indent="0" algn="ctr" defTabSz="914400" rtl="0" eaLnBrk="1" latinLnBrk="0" hangingPunct="1">
+              <a:lnSpc>
+                <a:spcPct val="90000"/>
+              </a:lnSpc>
+              <a:spcBef>
+                <a:spcPts val="500"/>
+              </a:spcBef>
+              <a:buFont typeface="Arial" panose="020B0604020202020204" pitchFamily="34" charset="0"/>
+              <a:buNone/>
+              <a:defRPr sz="1800" kern="1200">
+                <a:solidFill>
+                  <a:schemeClr val="tx1"/>
+                </a:solidFill>
+                <a:latin typeface="+mn-lt"/>
+                <a:ea typeface="+mn-ea"/>
+                <a:cs typeface="+mn-cs"/>
+              </a:defRPr>
+            </a:lvl3pPr>
+            <a:lvl4pPr marL="1371600" indent="0" algn="ctr" defTabSz="914400" rtl="0" eaLnBrk="1" latinLnBrk="0" hangingPunct="1">
+              <a:lnSpc>
+                <a:spcPct val="90000"/>
+              </a:lnSpc>
+              <a:spcBef>
+                <a:spcPts val="500"/>
+              </a:spcBef>
+              <a:buFont typeface="Arial" panose="020B0604020202020204" pitchFamily="34" charset="0"/>
+              <a:buNone/>
+              <a:defRPr sz="1600" kern="1200">
+                <a:solidFill>
+                  <a:schemeClr val="tx1"/>
+                </a:solidFill>
+                <a:latin typeface="+mn-lt"/>
+                <a:ea typeface="+mn-ea"/>
+                <a:cs typeface="+mn-cs"/>
+              </a:defRPr>
+            </a:lvl4pPr>
+            <a:lvl5pPr marL="1828800" indent="0" algn="ctr" defTabSz="914400" rtl="0" eaLnBrk="1" latinLnBrk="0" hangingPunct="1">
+              <a:lnSpc>
+                <a:spcPct val="90000"/>
+              </a:lnSpc>
+              <a:spcBef>
+                <a:spcPts val="500"/>
+              </a:spcBef>
+              <a:buFont typeface="Arial" panose="020B0604020202020204" pitchFamily="34" charset="0"/>
+              <a:buNone/>
+              <a:defRPr sz="1600" kern="1200">
+                <a:solidFill>
+                  <a:schemeClr val="tx1"/>
+                </a:solidFill>
+                <a:latin typeface="+mn-lt"/>
+                <a:ea typeface="+mn-ea"/>
+                <a:cs typeface="+mn-cs"/>
+              </a:defRPr>
+            </a:lvl5pPr>
+            <a:lvl6pPr marL="2286000" indent="0" algn="ctr" defTabSz="914400" rtl="0" eaLnBrk="1" latinLnBrk="0" hangingPunct="1">
+              <a:lnSpc>
+                <a:spcPct val="90000"/>
+              </a:lnSpc>
+              <a:spcBef>
+                <a:spcPts val="500"/>
+              </a:spcBef>
+              <a:buFont typeface="Arial" panose="020B0604020202020204" pitchFamily="34" charset="0"/>
+              <a:buNone/>
+              <a:defRPr sz="1600" kern="1200">
+                <a:solidFill>
+                  <a:schemeClr val="tx1"/>
+                </a:solidFill>
+                <a:latin typeface="+mn-lt"/>
+                <a:ea typeface="+mn-ea"/>
+                <a:cs typeface="+mn-cs"/>
+              </a:defRPr>
+            </a:lvl6pPr>
+            <a:lvl7pPr marL="2743200" indent="0" algn="ctr" defTabSz="914400" rtl="0" eaLnBrk="1" latinLnBrk="0" hangingPunct="1">
+              <a:lnSpc>
+                <a:spcPct val="90000"/>
+              </a:lnSpc>
+              <a:spcBef>
+                <a:spcPts val="500"/>
+              </a:spcBef>
+              <a:buFont typeface="Arial" panose="020B0604020202020204" pitchFamily="34" charset="0"/>
+              <a:buNone/>
+              <a:defRPr sz="1600" kern="1200">
+                <a:solidFill>
+                  <a:schemeClr val="tx1"/>
+                </a:solidFill>
+                <a:latin typeface="+mn-lt"/>
+                <a:ea typeface="+mn-ea"/>
+                <a:cs typeface="+mn-cs"/>
+              </a:defRPr>
+            </a:lvl7pPr>
+            <a:lvl8pPr marL="3200400" indent="0" algn="ctr" defTabSz="914400" rtl="0" eaLnBrk="1" latinLnBrk="0" hangingPunct="1">
+              <a:lnSpc>
+                <a:spcPct val="90000"/>
+              </a:lnSpc>
+              <a:spcBef>
+                <a:spcPts val="500"/>
+              </a:spcBef>
+              <a:buFont typeface="Arial" panose="020B0604020202020204" pitchFamily="34" charset="0"/>
+              <a:buNone/>
+              <a:defRPr sz="1600" kern="1200">
+                <a:solidFill>
+                  <a:schemeClr val="tx1"/>
+                </a:solidFill>
+                <a:latin typeface="+mn-lt"/>
+                <a:ea typeface="+mn-ea"/>
+                <a:cs typeface="+mn-cs"/>
+              </a:defRPr>
+            </a:lvl8pPr>
+            <a:lvl9pPr marL="3657600" indent="0" algn="ctr" defTabSz="914400" rtl="0" eaLnBrk="1" latinLnBrk="0" hangingPunct="1">
+              <a:lnSpc>
+                <a:spcPct val="90000"/>
+              </a:lnSpc>
+              <a:spcBef>
+                <a:spcPts val="500"/>
+              </a:spcBef>
+              <a:buFont typeface="Arial" panose="020B0604020202020204" pitchFamily="34" charset="0"/>
+              <a:buNone/>
+              <a:defRPr sz="1600" kern="1200">
+                <a:solidFill>
+                  <a:schemeClr val="tx1"/>
+                </a:solidFill>
+                <a:latin typeface="+mn-lt"/>
+                <a:ea typeface="+mn-ea"/>
+                <a:cs typeface="+mn-cs"/>
+              </a:defRPr>
+            </a:lvl9pPr>
+          </a:lstStyle>
+          <a:p>
+            <a:r>
+              <a:rPr lang="en-US" sz="1800" dirty="0"/>
+              <a:t>CRSP_COMPUSTAT_EDGAR</a:t>
+            </a:r>
+          </a:p>
+          <a:p>
+            <a:pPr marL="285750" indent="-285750" algn="l">
+              <a:buFont typeface="Arial" panose="020B0604020202020204" pitchFamily="34" charset="0"/>
+              <a:buChar char="•"/>
+            </a:pPr>
+            <a:r>
+              <a:rPr lang="en-US" sz="1400" dirty="0"/>
+              <a:t>Number of </a:t>
+            </a:r>
+            <a:r>
+              <a:rPr lang="en-US" sz="1400" dirty="0" err="1"/>
+              <a:t>cik</a:t>
+            </a:r>
+            <a:r>
+              <a:rPr lang="en-US" sz="1400" dirty="0"/>
+              <a:t>-quarter observations after </a:t>
+            </a:r>
+          </a:p>
+          <a:p>
+            <a:pPr marL="742950" lvl="1" indent="-285750" algn="l">
+              <a:buFont typeface="Arial" panose="020B0604020202020204" pitchFamily="34" charset="0"/>
+              <a:buChar char="•"/>
+            </a:pPr>
+            <a:r>
+              <a:rPr lang="en-US" sz="1400" dirty="0"/>
+              <a:t>merging: </a:t>
+            </a:r>
+            <a:r>
+              <a:rPr lang="en-US" sz="1400" dirty="0">
+                <a:highlight>
+                  <a:srgbClr val="FFFF00"/>
+                </a:highlight>
+              </a:rPr>
+              <a:t>303,843</a:t>
+            </a:r>
+          </a:p>
+          <a:p>
+            <a:pPr marL="742950" lvl="1" indent="-285750" algn="l">
+              <a:buFont typeface="Arial" panose="020B0604020202020204" pitchFamily="34" charset="0"/>
+              <a:buChar char="•"/>
+            </a:pPr>
+            <a:r>
+              <a:rPr lang="en-US" sz="1400" dirty="0"/>
+              <a:t>dropping obs. with total number of 10-Q words less than 1% threshold of the merged sample (1185 words): </a:t>
+            </a:r>
+            <a:r>
+              <a:rPr lang="en-US" sz="1400" dirty="0">
+                <a:highlight>
+                  <a:srgbClr val="FF0000"/>
+                </a:highlight>
+              </a:rPr>
+              <a:t>300,806</a:t>
+            </a:r>
+          </a:p>
+          <a:p>
+            <a:pPr marL="742950" lvl="1" indent="-285750" algn="l">
+              <a:buFont typeface="Arial" panose="020B0604020202020204" pitchFamily="34" charset="0"/>
+              <a:buChar char="•"/>
+            </a:pPr>
+            <a:endParaRPr lang="en-US" sz="1400" dirty="0"/>
+          </a:p>
+        </p:txBody>
+      </p:sp>
+      <p:sp>
+        <p:nvSpPr>
+          <p:cNvPr id="44" name="Subtitle 2">
+            <a:extLst>
+              <a:ext uri="{FF2B5EF4-FFF2-40B4-BE49-F238E27FC236}">
+                <a16:creationId xmlns:a16="http://schemas.microsoft.com/office/drawing/2014/main" id="{B3C71EC0-10F5-4FA0-BB60-D254B8181E43}"/>
+              </a:ext>
+            </a:extLst>
+          </p:cNvPr>
+          <p:cNvSpPr txBox="1">
+            <a:spLocks/>
+          </p:cNvSpPr>
+          <p:nvPr/>
+        </p:nvSpPr>
+        <p:spPr>
+          <a:xfrm>
+            <a:off x="6658440" y="4403324"/>
+            <a:ext cx="805742" cy="294177"/>
+          </a:xfrm>
+          <a:prstGeom prst="rect">
+            <a:avLst/>
+          </a:prstGeom>
+        </p:spPr>
+        <p:txBody>
+          <a:bodyPr vert="horz" lIns="91440" tIns="45720" rIns="91440" bIns="45720" rtlCol="0">
+            <a:normAutofit/>
+          </a:bodyPr>
+          <a:lstStyle>
+            <a:lvl1pPr marL="0" indent="0" algn="ctr" defTabSz="914400" rtl="0" eaLnBrk="1" latinLnBrk="0" hangingPunct="1">
+              <a:lnSpc>
+                <a:spcPct val="90000"/>
+              </a:lnSpc>
+              <a:spcBef>
+                <a:spcPts val="1000"/>
+              </a:spcBef>
+              <a:buFont typeface="Arial" panose="020B0604020202020204" pitchFamily="34" charset="0"/>
+              <a:buNone/>
+              <a:defRPr sz="2400" kern="1200">
+                <a:solidFill>
+                  <a:schemeClr val="tx1"/>
+                </a:solidFill>
+                <a:latin typeface="+mn-lt"/>
+                <a:ea typeface="+mn-ea"/>
+                <a:cs typeface="+mn-cs"/>
+              </a:defRPr>
+            </a:lvl1pPr>
+            <a:lvl2pPr marL="457200" indent="0" algn="ctr" defTabSz="914400" rtl="0" eaLnBrk="1" latinLnBrk="0" hangingPunct="1">
+              <a:lnSpc>
+                <a:spcPct val="90000"/>
+              </a:lnSpc>
+              <a:spcBef>
+                <a:spcPts val="500"/>
+              </a:spcBef>
+              <a:buFont typeface="Arial" panose="020B0604020202020204" pitchFamily="34" charset="0"/>
+              <a:buNone/>
+              <a:defRPr sz="2000" kern="1200">
+                <a:solidFill>
+                  <a:schemeClr val="tx1"/>
+                </a:solidFill>
+                <a:latin typeface="+mn-lt"/>
+                <a:ea typeface="+mn-ea"/>
+                <a:cs typeface="+mn-cs"/>
+              </a:defRPr>
+            </a:lvl2pPr>
+            <a:lvl3pPr marL="914400" indent="0" algn="ctr" defTabSz="914400" rtl="0" eaLnBrk="1" latinLnBrk="0" hangingPunct="1">
+              <a:lnSpc>
+                <a:spcPct val="90000"/>
+              </a:lnSpc>
+              <a:spcBef>
+                <a:spcPts val="500"/>
+              </a:spcBef>
+              <a:buFont typeface="Arial" panose="020B0604020202020204" pitchFamily="34" charset="0"/>
+              <a:buNone/>
+              <a:defRPr sz="1800" kern="1200">
+                <a:solidFill>
+                  <a:schemeClr val="tx1"/>
+                </a:solidFill>
+                <a:latin typeface="+mn-lt"/>
+                <a:ea typeface="+mn-ea"/>
+                <a:cs typeface="+mn-cs"/>
+              </a:defRPr>
+            </a:lvl3pPr>
+            <a:lvl4pPr marL="1371600" indent="0" algn="ctr" defTabSz="914400" rtl="0" eaLnBrk="1" latinLnBrk="0" hangingPunct="1">
+              <a:lnSpc>
+                <a:spcPct val="90000"/>
+              </a:lnSpc>
+              <a:spcBef>
+                <a:spcPts val="500"/>
+              </a:spcBef>
+              <a:buFont typeface="Arial" panose="020B0604020202020204" pitchFamily="34" charset="0"/>
+              <a:buNone/>
+              <a:defRPr sz="1600" kern="1200">
+                <a:solidFill>
+                  <a:schemeClr val="tx1"/>
+                </a:solidFill>
+                <a:latin typeface="+mn-lt"/>
+                <a:ea typeface="+mn-ea"/>
+                <a:cs typeface="+mn-cs"/>
+              </a:defRPr>
+            </a:lvl4pPr>
+            <a:lvl5pPr marL="1828800" indent="0" algn="ctr" defTabSz="914400" rtl="0" eaLnBrk="1" latinLnBrk="0" hangingPunct="1">
+              <a:lnSpc>
+                <a:spcPct val="90000"/>
+              </a:lnSpc>
+              <a:spcBef>
+                <a:spcPts val="500"/>
+              </a:spcBef>
+              <a:buFont typeface="Arial" panose="020B0604020202020204" pitchFamily="34" charset="0"/>
+              <a:buNone/>
+              <a:defRPr sz="1600" kern="1200">
+                <a:solidFill>
+                  <a:schemeClr val="tx1"/>
+                </a:solidFill>
+                <a:latin typeface="+mn-lt"/>
+                <a:ea typeface="+mn-ea"/>
+                <a:cs typeface="+mn-cs"/>
+              </a:defRPr>
+            </a:lvl5pPr>
+            <a:lvl6pPr marL="2286000" indent="0" algn="ctr" defTabSz="914400" rtl="0" eaLnBrk="1" latinLnBrk="0" hangingPunct="1">
+              <a:lnSpc>
+                <a:spcPct val="90000"/>
+              </a:lnSpc>
+              <a:spcBef>
+                <a:spcPts val="500"/>
+              </a:spcBef>
+              <a:buFont typeface="Arial" panose="020B0604020202020204" pitchFamily="34" charset="0"/>
+              <a:buNone/>
+              <a:defRPr sz="1600" kern="1200">
+                <a:solidFill>
+                  <a:schemeClr val="tx1"/>
+                </a:solidFill>
+                <a:latin typeface="+mn-lt"/>
+                <a:ea typeface="+mn-ea"/>
+                <a:cs typeface="+mn-cs"/>
+              </a:defRPr>
+            </a:lvl6pPr>
+            <a:lvl7pPr marL="2743200" indent="0" algn="ctr" defTabSz="914400" rtl="0" eaLnBrk="1" latinLnBrk="0" hangingPunct="1">
+              <a:lnSpc>
+                <a:spcPct val="90000"/>
+              </a:lnSpc>
+              <a:spcBef>
+                <a:spcPts val="500"/>
+              </a:spcBef>
+              <a:buFont typeface="Arial" panose="020B0604020202020204" pitchFamily="34" charset="0"/>
+              <a:buNone/>
+              <a:defRPr sz="1600" kern="1200">
+                <a:solidFill>
+                  <a:schemeClr val="tx1"/>
+                </a:solidFill>
+                <a:latin typeface="+mn-lt"/>
+                <a:ea typeface="+mn-ea"/>
+                <a:cs typeface="+mn-cs"/>
+              </a:defRPr>
+            </a:lvl7pPr>
+            <a:lvl8pPr marL="3200400" indent="0" algn="ctr" defTabSz="914400" rtl="0" eaLnBrk="1" latinLnBrk="0" hangingPunct="1">
+              <a:lnSpc>
+                <a:spcPct val="90000"/>
+              </a:lnSpc>
+              <a:spcBef>
+                <a:spcPts val="500"/>
+              </a:spcBef>
+              <a:buFont typeface="Arial" panose="020B0604020202020204" pitchFamily="34" charset="0"/>
+              <a:buNone/>
+              <a:defRPr sz="1600" kern="1200">
+                <a:solidFill>
+                  <a:schemeClr val="tx1"/>
+                </a:solidFill>
+                <a:latin typeface="+mn-lt"/>
+                <a:ea typeface="+mn-ea"/>
+                <a:cs typeface="+mn-cs"/>
+              </a:defRPr>
+            </a:lvl8pPr>
+            <a:lvl9pPr marL="3657600" indent="0" algn="ctr" defTabSz="914400" rtl="0" eaLnBrk="1" latinLnBrk="0" hangingPunct="1">
+              <a:lnSpc>
+                <a:spcPct val="90000"/>
+              </a:lnSpc>
+              <a:spcBef>
+                <a:spcPts val="500"/>
+              </a:spcBef>
+              <a:buFont typeface="Arial" panose="020B0604020202020204" pitchFamily="34" charset="0"/>
+              <a:buNone/>
+              <a:defRPr sz="1600" kern="1200">
+                <a:solidFill>
+                  <a:schemeClr val="tx1"/>
+                </a:solidFill>
+                <a:latin typeface="+mn-lt"/>
+                <a:ea typeface="+mn-ea"/>
+                <a:cs typeface="+mn-cs"/>
+              </a:defRPr>
+            </a:lvl9pPr>
+          </a:lstStyle>
+          <a:p>
+            <a:pPr algn="l"/>
+            <a:r>
+              <a:rPr lang="en-US" sz="1400" dirty="0">
+                <a:highlight>
+                  <a:srgbClr val="C0C0C0"/>
+                </a:highlight>
+              </a:rPr>
+              <a:t>Merge</a:t>
+            </a:r>
+          </a:p>
+        </p:txBody>
+      </p:sp>
+      <p:sp>
+        <p:nvSpPr>
+          <p:cNvPr id="24" name="Subtitle 2">
+            <a:extLst>
+              <a:ext uri="{FF2B5EF4-FFF2-40B4-BE49-F238E27FC236}">
+                <a16:creationId xmlns:a16="http://schemas.microsoft.com/office/drawing/2014/main" id="{6D62640E-BE22-4E4E-B95C-413E0B5C7EA8}"/>
+              </a:ext>
+            </a:extLst>
+          </p:cNvPr>
+          <p:cNvSpPr txBox="1">
+            <a:spLocks/>
+          </p:cNvSpPr>
+          <p:nvPr/>
+        </p:nvSpPr>
+        <p:spPr>
+          <a:xfrm>
+            <a:off x="4148805" y="111289"/>
+            <a:ext cx="3875644" cy="385164"/>
+          </a:xfrm>
+          <a:prstGeom prst="rect">
+            <a:avLst/>
+          </a:prstGeom>
+        </p:spPr>
+        <p:txBody>
+          <a:bodyPr vert="horz" lIns="91440" tIns="45720" rIns="91440" bIns="45720" rtlCol="0">
+            <a:normAutofit/>
+          </a:bodyPr>
+          <a:lstStyle>
+            <a:lvl1pPr marL="0" indent="0" algn="ctr" defTabSz="914400" rtl="0" eaLnBrk="1" latinLnBrk="0" hangingPunct="1">
+              <a:lnSpc>
+                <a:spcPct val="90000"/>
+              </a:lnSpc>
+              <a:spcBef>
+                <a:spcPts val="1000"/>
+              </a:spcBef>
+              <a:buFont typeface="Arial" panose="020B0604020202020204" pitchFamily="34" charset="0"/>
+              <a:buNone/>
+              <a:defRPr sz="2400" kern="1200">
+                <a:solidFill>
+                  <a:schemeClr val="tx1"/>
+                </a:solidFill>
+                <a:latin typeface="+mn-lt"/>
+                <a:ea typeface="+mn-ea"/>
+                <a:cs typeface="+mn-cs"/>
+              </a:defRPr>
+            </a:lvl1pPr>
+            <a:lvl2pPr marL="457200" indent="0" algn="ctr" defTabSz="914400" rtl="0" eaLnBrk="1" latinLnBrk="0" hangingPunct="1">
+              <a:lnSpc>
+                <a:spcPct val="90000"/>
+              </a:lnSpc>
+              <a:spcBef>
+                <a:spcPts val="500"/>
+              </a:spcBef>
+              <a:buFont typeface="Arial" panose="020B0604020202020204" pitchFamily="34" charset="0"/>
+              <a:buNone/>
+              <a:defRPr sz="2000" kern="1200">
+                <a:solidFill>
+                  <a:schemeClr val="tx1"/>
+                </a:solidFill>
+                <a:latin typeface="+mn-lt"/>
+                <a:ea typeface="+mn-ea"/>
+                <a:cs typeface="+mn-cs"/>
+              </a:defRPr>
+            </a:lvl2pPr>
+            <a:lvl3pPr marL="914400" indent="0" algn="ctr" defTabSz="914400" rtl="0" eaLnBrk="1" latinLnBrk="0" hangingPunct="1">
+              <a:lnSpc>
+                <a:spcPct val="90000"/>
+              </a:lnSpc>
+              <a:spcBef>
+                <a:spcPts val="500"/>
+              </a:spcBef>
+              <a:buFont typeface="Arial" panose="020B0604020202020204" pitchFamily="34" charset="0"/>
+              <a:buNone/>
+              <a:defRPr sz="1800" kern="1200">
+                <a:solidFill>
+                  <a:schemeClr val="tx1"/>
+                </a:solidFill>
+                <a:latin typeface="+mn-lt"/>
+                <a:ea typeface="+mn-ea"/>
+                <a:cs typeface="+mn-cs"/>
+              </a:defRPr>
+            </a:lvl3pPr>
+            <a:lvl4pPr marL="1371600" indent="0" algn="ctr" defTabSz="914400" rtl="0" eaLnBrk="1" latinLnBrk="0" hangingPunct="1">
+              <a:lnSpc>
+                <a:spcPct val="90000"/>
+              </a:lnSpc>
+              <a:spcBef>
+                <a:spcPts val="500"/>
+              </a:spcBef>
+              <a:buFont typeface="Arial" panose="020B0604020202020204" pitchFamily="34" charset="0"/>
+              <a:buNone/>
+              <a:defRPr sz="1600" kern="1200">
+                <a:solidFill>
+                  <a:schemeClr val="tx1"/>
+                </a:solidFill>
+                <a:latin typeface="+mn-lt"/>
+                <a:ea typeface="+mn-ea"/>
+                <a:cs typeface="+mn-cs"/>
+              </a:defRPr>
+            </a:lvl4pPr>
+            <a:lvl5pPr marL="1828800" indent="0" algn="ctr" defTabSz="914400" rtl="0" eaLnBrk="1" latinLnBrk="0" hangingPunct="1">
+              <a:lnSpc>
+                <a:spcPct val="90000"/>
+              </a:lnSpc>
+              <a:spcBef>
+                <a:spcPts val="500"/>
+              </a:spcBef>
+              <a:buFont typeface="Arial" panose="020B0604020202020204" pitchFamily="34" charset="0"/>
+              <a:buNone/>
+              <a:defRPr sz="1600" kern="1200">
+                <a:solidFill>
+                  <a:schemeClr val="tx1"/>
+                </a:solidFill>
+                <a:latin typeface="+mn-lt"/>
+                <a:ea typeface="+mn-ea"/>
+                <a:cs typeface="+mn-cs"/>
+              </a:defRPr>
+            </a:lvl5pPr>
+            <a:lvl6pPr marL="2286000" indent="0" algn="ctr" defTabSz="914400" rtl="0" eaLnBrk="1" latinLnBrk="0" hangingPunct="1">
+              <a:lnSpc>
+                <a:spcPct val="90000"/>
+              </a:lnSpc>
+              <a:spcBef>
+                <a:spcPts val="500"/>
+              </a:spcBef>
+              <a:buFont typeface="Arial" panose="020B0604020202020204" pitchFamily="34" charset="0"/>
+              <a:buNone/>
+              <a:defRPr sz="1600" kern="1200">
+                <a:solidFill>
+                  <a:schemeClr val="tx1"/>
+                </a:solidFill>
+                <a:latin typeface="+mn-lt"/>
+                <a:ea typeface="+mn-ea"/>
+                <a:cs typeface="+mn-cs"/>
+              </a:defRPr>
+            </a:lvl6pPr>
+            <a:lvl7pPr marL="2743200" indent="0" algn="ctr" defTabSz="914400" rtl="0" eaLnBrk="1" latinLnBrk="0" hangingPunct="1">
+              <a:lnSpc>
+                <a:spcPct val="90000"/>
+              </a:lnSpc>
+              <a:spcBef>
+                <a:spcPts val="500"/>
+              </a:spcBef>
+              <a:buFont typeface="Arial" panose="020B0604020202020204" pitchFamily="34" charset="0"/>
+              <a:buNone/>
+              <a:defRPr sz="1600" kern="1200">
+                <a:solidFill>
+                  <a:schemeClr val="tx1"/>
+                </a:solidFill>
+                <a:latin typeface="+mn-lt"/>
+                <a:ea typeface="+mn-ea"/>
+                <a:cs typeface="+mn-cs"/>
+              </a:defRPr>
+            </a:lvl7pPr>
+            <a:lvl8pPr marL="3200400" indent="0" algn="ctr" defTabSz="914400" rtl="0" eaLnBrk="1" latinLnBrk="0" hangingPunct="1">
+              <a:lnSpc>
+                <a:spcPct val="90000"/>
+              </a:lnSpc>
+              <a:spcBef>
+                <a:spcPts val="500"/>
+              </a:spcBef>
+              <a:buFont typeface="Arial" panose="020B0604020202020204" pitchFamily="34" charset="0"/>
+              <a:buNone/>
+              <a:defRPr sz="1600" kern="1200">
+                <a:solidFill>
+                  <a:schemeClr val="tx1"/>
+                </a:solidFill>
+                <a:latin typeface="+mn-lt"/>
+                <a:ea typeface="+mn-ea"/>
+                <a:cs typeface="+mn-cs"/>
+              </a:defRPr>
+            </a:lvl8pPr>
+            <a:lvl9pPr marL="3657600" indent="0" algn="ctr" defTabSz="914400" rtl="0" eaLnBrk="1" latinLnBrk="0" hangingPunct="1">
+              <a:lnSpc>
+                <a:spcPct val="90000"/>
+              </a:lnSpc>
+              <a:spcBef>
+                <a:spcPts val="500"/>
+              </a:spcBef>
+              <a:buFont typeface="Arial" panose="020B0604020202020204" pitchFamily="34" charset="0"/>
+              <a:buNone/>
+              <a:defRPr sz="1600" kern="1200">
+                <a:solidFill>
+                  <a:schemeClr val="tx1"/>
+                </a:solidFill>
+                <a:latin typeface="+mn-lt"/>
+                <a:ea typeface="+mn-ea"/>
+                <a:cs typeface="+mn-cs"/>
+              </a:defRPr>
+            </a:lvl9pPr>
+          </a:lstStyle>
+          <a:p>
+            <a:pPr algn="l"/>
+            <a:r>
               <a:rPr lang="en-US" sz="2000" b="1" dirty="0">
                 <a:highlight>
                   <a:srgbClr val="C0C0C0"/>
                 </a:highlight>
               </a:rPr>
-              <a:t>Data Merging Process</a:t>
-            </a:r>
+              <a:t>CRSP_COMP_8-K Merging Process</a:t>
+            </a:r>
+          </a:p>
+        </p:txBody>
+      </p:sp>
+      <p:sp>
+        <p:nvSpPr>
+          <p:cNvPr id="28" name="Subtitle 2">
+            <a:extLst>
+              <a:ext uri="{FF2B5EF4-FFF2-40B4-BE49-F238E27FC236}">
+                <a16:creationId xmlns:a16="http://schemas.microsoft.com/office/drawing/2014/main" id="{02611C16-BC35-445B-B65A-89F53F322CB1}"/>
+              </a:ext>
+            </a:extLst>
+          </p:cNvPr>
+          <p:cNvSpPr txBox="1">
+            <a:spLocks/>
+          </p:cNvSpPr>
+          <p:nvPr/>
+        </p:nvSpPr>
+        <p:spPr>
+          <a:xfrm>
+            <a:off x="8055956" y="2468683"/>
+            <a:ext cx="3938658" cy="1421936"/>
+          </a:xfrm>
+          <a:prstGeom prst="rect">
+            <a:avLst/>
+          </a:prstGeom>
+        </p:spPr>
+        <p:txBody>
+          <a:bodyPr vert="horz" lIns="91440" tIns="45720" rIns="91440" bIns="45720" rtlCol="0">
+            <a:normAutofit/>
+          </a:bodyPr>
+          <a:lstStyle>
+            <a:lvl1pPr marL="0" indent="0" algn="ctr" defTabSz="914400" rtl="0" eaLnBrk="1" latinLnBrk="0" hangingPunct="1">
+              <a:lnSpc>
+                <a:spcPct val="90000"/>
+              </a:lnSpc>
+              <a:spcBef>
+                <a:spcPts val="1000"/>
+              </a:spcBef>
+              <a:buFont typeface="Arial" panose="020B0604020202020204" pitchFamily="34" charset="0"/>
+              <a:buNone/>
+              <a:defRPr sz="2400" kern="1200">
+                <a:solidFill>
+                  <a:schemeClr val="tx1"/>
+                </a:solidFill>
+                <a:latin typeface="+mn-lt"/>
+                <a:ea typeface="+mn-ea"/>
+                <a:cs typeface="+mn-cs"/>
+              </a:defRPr>
+            </a:lvl1pPr>
+            <a:lvl2pPr marL="457200" indent="0" algn="ctr" defTabSz="914400" rtl="0" eaLnBrk="1" latinLnBrk="0" hangingPunct="1">
+              <a:lnSpc>
+                <a:spcPct val="90000"/>
+              </a:lnSpc>
+              <a:spcBef>
+                <a:spcPts val="500"/>
+              </a:spcBef>
+              <a:buFont typeface="Arial" panose="020B0604020202020204" pitchFamily="34" charset="0"/>
+              <a:buNone/>
+              <a:defRPr sz="2000" kern="1200">
+                <a:solidFill>
+                  <a:schemeClr val="tx1"/>
+                </a:solidFill>
+                <a:latin typeface="+mn-lt"/>
+                <a:ea typeface="+mn-ea"/>
+                <a:cs typeface="+mn-cs"/>
+              </a:defRPr>
+            </a:lvl2pPr>
+            <a:lvl3pPr marL="914400" indent="0" algn="ctr" defTabSz="914400" rtl="0" eaLnBrk="1" latinLnBrk="0" hangingPunct="1">
+              <a:lnSpc>
+                <a:spcPct val="90000"/>
+              </a:lnSpc>
+              <a:spcBef>
+                <a:spcPts val="500"/>
+              </a:spcBef>
+              <a:buFont typeface="Arial" panose="020B0604020202020204" pitchFamily="34" charset="0"/>
+              <a:buNone/>
+              <a:defRPr sz="1800" kern="1200">
+                <a:solidFill>
+                  <a:schemeClr val="tx1"/>
+                </a:solidFill>
+                <a:latin typeface="+mn-lt"/>
+                <a:ea typeface="+mn-ea"/>
+                <a:cs typeface="+mn-cs"/>
+              </a:defRPr>
+            </a:lvl3pPr>
+            <a:lvl4pPr marL="1371600" indent="0" algn="ctr" defTabSz="914400" rtl="0" eaLnBrk="1" latinLnBrk="0" hangingPunct="1">
+              <a:lnSpc>
+                <a:spcPct val="90000"/>
+              </a:lnSpc>
+              <a:spcBef>
+                <a:spcPts val="500"/>
+              </a:spcBef>
+              <a:buFont typeface="Arial" panose="020B0604020202020204" pitchFamily="34" charset="0"/>
+              <a:buNone/>
+              <a:defRPr sz="1600" kern="1200">
+                <a:solidFill>
+                  <a:schemeClr val="tx1"/>
+                </a:solidFill>
+                <a:latin typeface="+mn-lt"/>
+                <a:ea typeface="+mn-ea"/>
+                <a:cs typeface="+mn-cs"/>
+              </a:defRPr>
+            </a:lvl4pPr>
+            <a:lvl5pPr marL="1828800" indent="0" algn="ctr" defTabSz="914400" rtl="0" eaLnBrk="1" latinLnBrk="0" hangingPunct="1">
+              <a:lnSpc>
+                <a:spcPct val="90000"/>
+              </a:lnSpc>
+              <a:spcBef>
+                <a:spcPts val="500"/>
+              </a:spcBef>
+              <a:buFont typeface="Arial" panose="020B0604020202020204" pitchFamily="34" charset="0"/>
+              <a:buNone/>
+              <a:defRPr sz="1600" kern="1200">
+                <a:solidFill>
+                  <a:schemeClr val="tx1"/>
+                </a:solidFill>
+                <a:latin typeface="+mn-lt"/>
+                <a:ea typeface="+mn-ea"/>
+                <a:cs typeface="+mn-cs"/>
+              </a:defRPr>
+            </a:lvl5pPr>
+            <a:lvl6pPr marL="2286000" indent="0" algn="ctr" defTabSz="914400" rtl="0" eaLnBrk="1" latinLnBrk="0" hangingPunct="1">
+              <a:lnSpc>
+                <a:spcPct val="90000"/>
+              </a:lnSpc>
+              <a:spcBef>
+                <a:spcPts val="500"/>
+              </a:spcBef>
+              <a:buFont typeface="Arial" panose="020B0604020202020204" pitchFamily="34" charset="0"/>
+              <a:buNone/>
+              <a:defRPr sz="1600" kern="1200">
+                <a:solidFill>
+                  <a:schemeClr val="tx1"/>
+                </a:solidFill>
+                <a:latin typeface="+mn-lt"/>
+                <a:ea typeface="+mn-ea"/>
+                <a:cs typeface="+mn-cs"/>
+              </a:defRPr>
+            </a:lvl6pPr>
+            <a:lvl7pPr marL="2743200" indent="0" algn="ctr" defTabSz="914400" rtl="0" eaLnBrk="1" latinLnBrk="0" hangingPunct="1">
+              <a:lnSpc>
+                <a:spcPct val="90000"/>
+              </a:lnSpc>
+              <a:spcBef>
+                <a:spcPts val="500"/>
+              </a:spcBef>
+              <a:buFont typeface="Arial" panose="020B0604020202020204" pitchFamily="34" charset="0"/>
+              <a:buNone/>
+              <a:defRPr sz="1600" kern="1200">
+                <a:solidFill>
+                  <a:schemeClr val="tx1"/>
+                </a:solidFill>
+                <a:latin typeface="+mn-lt"/>
+                <a:ea typeface="+mn-ea"/>
+                <a:cs typeface="+mn-cs"/>
+              </a:defRPr>
+            </a:lvl7pPr>
+            <a:lvl8pPr marL="3200400" indent="0" algn="ctr" defTabSz="914400" rtl="0" eaLnBrk="1" latinLnBrk="0" hangingPunct="1">
+              <a:lnSpc>
+                <a:spcPct val="90000"/>
+              </a:lnSpc>
+              <a:spcBef>
+                <a:spcPts val="500"/>
+              </a:spcBef>
+              <a:buFont typeface="Arial" panose="020B0604020202020204" pitchFamily="34" charset="0"/>
+              <a:buNone/>
+              <a:defRPr sz="1600" kern="1200">
+                <a:solidFill>
+                  <a:schemeClr val="tx1"/>
+                </a:solidFill>
+                <a:latin typeface="+mn-lt"/>
+                <a:ea typeface="+mn-ea"/>
+                <a:cs typeface="+mn-cs"/>
+              </a:defRPr>
+            </a:lvl8pPr>
+            <a:lvl9pPr marL="3657600" indent="0" algn="ctr" defTabSz="914400" rtl="0" eaLnBrk="1" latinLnBrk="0" hangingPunct="1">
+              <a:lnSpc>
+                <a:spcPct val="90000"/>
+              </a:lnSpc>
+              <a:spcBef>
+                <a:spcPts val="500"/>
+              </a:spcBef>
+              <a:buFont typeface="Arial" panose="020B0604020202020204" pitchFamily="34" charset="0"/>
+              <a:buNone/>
+              <a:defRPr sz="1600" kern="1200">
+                <a:solidFill>
+                  <a:schemeClr val="tx1"/>
+                </a:solidFill>
+                <a:latin typeface="+mn-lt"/>
+                <a:ea typeface="+mn-ea"/>
+                <a:cs typeface="+mn-cs"/>
+              </a:defRPr>
+            </a:lvl9pPr>
+          </a:lstStyle>
+          <a:p>
+            <a:r>
+              <a:rPr lang="en-US" sz="2000" dirty="0"/>
+              <a:t>EDGAR</a:t>
+            </a:r>
+          </a:p>
+          <a:p>
+            <a:pPr marL="285750" indent="-285750" algn="l">
+              <a:buFont typeface="Arial" panose="020B0604020202020204" pitchFamily="34" charset="0"/>
+              <a:buChar char="•"/>
+            </a:pPr>
+            <a:r>
+              <a:rPr lang="en-US" sz="1600" dirty="0"/>
+              <a:t>Total number of </a:t>
+            </a:r>
+            <a:r>
+              <a:rPr lang="en-US" altLang="zh-CN" sz="1600" dirty="0"/>
+              <a:t>8</a:t>
+            </a:r>
+            <a:r>
+              <a:rPr lang="en-US" sz="1600" dirty="0"/>
+              <a:t>-Ks in Edgar: </a:t>
+            </a:r>
+            <a:r>
+              <a:rPr lang="en-US" sz="1600" dirty="0">
+                <a:highlight>
+                  <a:srgbClr val="808000"/>
+                </a:highlight>
+              </a:rPr>
+              <a:t>1,628,467</a:t>
+            </a:r>
+          </a:p>
+          <a:p>
+            <a:pPr marL="285750" indent="-285750" algn="l">
+              <a:buFont typeface="Arial" panose="020B0604020202020204" pitchFamily="34" charset="0"/>
+              <a:buChar char="•"/>
+            </a:pPr>
+            <a:r>
+              <a:rPr lang="en-US" sz="1600" dirty="0"/>
+              <a:t>Number of 8-Ks successfully parsed and downloaded: </a:t>
+            </a:r>
+            <a:r>
+              <a:rPr lang="en-US" sz="1600" dirty="0">
+                <a:highlight>
+                  <a:srgbClr val="FFFF00"/>
+                </a:highlight>
+              </a:rPr>
+              <a:t>1,578,861</a:t>
+            </a:r>
+            <a:endParaRPr lang="en-US" dirty="0">
+              <a:highlight>
+                <a:srgbClr val="FFFF00"/>
+              </a:highlight>
+            </a:endParaRPr>
           </a:p>
         </p:txBody>
       </p:sp>
     </p:spTree>
     <p:extLst>
       <p:ext uri="{BB962C8B-B14F-4D97-AF65-F5344CB8AC3E}">
-        <p14:creationId xmlns:p14="http://schemas.microsoft.com/office/powerpoint/2010/main" val="535513878"/>
+        <p14:creationId xmlns:p14="http://schemas.microsoft.com/office/powerpoint/2010/main" val="384611421"/>
       </p:ext>
     </p:extLst>
   </p:cSld>

--- a/output/figure_1.pptx
+++ b/output/figure_1.pptx
@@ -261,7 +261,7 @@
           <a:p>
             <a:fld id="{F6465CF2-20FA-4A27-B5DD-24B9293428AE}" type="datetimeFigureOut">
               <a:rPr lang="en-US" smtClean="0"/>
-              <a:t>4/8/2020</a:t>
+              <a:t>4/10/2020</a:t>
             </a:fld>
             <a:endParaRPr lang="en-US"/>
           </a:p>
@@ -459,7 +459,7 @@
           <a:p>
             <a:fld id="{F6465CF2-20FA-4A27-B5DD-24B9293428AE}" type="datetimeFigureOut">
               <a:rPr lang="en-US" smtClean="0"/>
-              <a:t>4/8/2020</a:t>
+              <a:t>4/10/2020</a:t>
             </a:fld>
             <a:endParaRPr lang="en-US"/>
           </a:p>
@@ -667,7 +667,7 @@
           <a:p>
             <a:fld id="{F6465CF2-20FA-4A27-B5DD-24B9293428AE}" type="datetimeFigureOut">
               <a:rPr lang="en-US" smtClean="0"/>
-              <a:t>4/8/2020</a:t>
+              <a:t>4/10/2020</a:t>
             </a:fld>
             <a:endParaRPr lang="en-US"/>
           </a:p>
@@ -865,7 +865,7 @@
           <a:p>
             <a:fld id="{F6465CF2-20FA-4A27-B5DD-24B9293428AE}" type="datetimeFigureOut">
               <a:rPr lang="en-US" smtClean="0"/>
-              <a:t>4/8/2020</a:t>
+              <a:t>4/10/2020</a:t>
             </a:fld>
             <a:endParaRPr lang="en-US"/>
           </a:p>
@@ -1140,7 +1140,7 @@
           <a:p>
             <a:fld id="{F6465CF2-20FA-4A27-B5DD-24B9293428AE}" type="datetimeFigureOut">
               <a:rPr lang="en-US" smtClean="0"/>
-              <a:t>4/8/2020</a:t>
+              <a:t>4/10/2020</a:t>
             </a:fld>
             <a:endParaRPr lang="en-US"/>
           </a:p>
@@ -1405,7 +1405,7 @@
           <a:p>
             <a:fld id="{F6465CF2-20FA-4A27-B5DD-24B9293428AE}" type="datetimeFigureOut">
               <a:rPr lang="en-US" smtClean="0"/>
-              <a:t>4/8/2020</a:t>
+              <a:t>4/10/2020</a:t>
             </a:fld>
             <a:endParaRPr lang="en-US"/>
           </a:p>
@@ -1817,7 +1817,7 @@
           <a:p>
             <a:fld id="{F6465CF2-20FA-4A27-B5DD-24B9293428AE}" type="datetimeFigureOut">
               <a:rPr lang="en-US" smtClean="0"/>
-              <a:t>4/8/2020</a:t>
+              <a:t>4/10/2020</a:t>
             </a:fld>
             <a:endParaRPr lang="en-US"/>
           </a:p>
@@ -1958,7 +1958,7 @@
           <a:p>
             <a:fld id="{F6465CF2-20FA-4A27-B5DD-24B9293428AE}" type="datetimeFigureOut">
               <a:rPr lang="en-US" smtClean="0"/>
-              <a:t>4/8/2020</a:t>
+              <a:t>4/10/2020</a:t>
             </a:fld>
             <a:endParaRPr lang="en-US"/>
           </a:p>
@@ -2071,7 +2071,7 @@
           <a:p>
             <a:fld id="{F6465CF2-20FA-4A27-B5DD-24B9293428AE}" type="datetimeFigureOut">
               <a:rPr lang="en-US" smtClean="0"/>
-              <a:t>4/8/2020</a:t>
+              <a:t>4/10/2020</a:t>
             </a:fld>
             <a:endParaRPr lang="en-US"/>
           </a:p>
@@ -2382,7 +2382,7 @@
           <a:p>
             <a:fld id="{F6465CF2-20FA-4A27-B5DD-24B9293428AE}" type="datetimeFigureOut">
               <a:rPr lang="en-US" smtClean="0"/>
-              <a:t>4/8/2020</a:t>
+              <a:t>4/10/2020</a:t>
             </a:fld>
             <a:endParaRPr lang="en-US"/>
           </a:p>
@@ -2670,7 +2670,7 @@
           <a:p>
             <a:fld id="{F6465CF2-20FA-4A27-B5DD-24B9293428AE}" type="datetimeFigureOut">
               <a:rPr lang="en-US" smtClean="0"/>
-              <a:t>4/8/2020</a:t>
+              <a:t>4/10/2020</a:t>
             </a:fld>
             <a:endParaRPr lang="en-US"/>
           </a:p>
@@ -2911,7 +2911,7 @@
           <a:p>
             <a:fld id="{F6465CF2-20FA-4A27-B5DD-24B9293428AE}" type="datetimeFigureOut">
               <a:rPr lang="en-US" smtClean="0"/>
-              <a:t>4/8/2020</a:t>
+              <a:t>4/10/2020</a:t>
             </a:fld>
             <a:endParaRPr lang="en-US"/>
           </a:p>
@@ -9704,7 +9704,7 @@
         <p:spPr>
           <a:xfrm>
             <a:off x="4940219" y="5201498"/>
-            <a:ext cx="5224709" cy="1429217"/>
+            <a:ext cx="6112478" cy="1429217"/>
           </a:xfrm>
           <a:prstGeom prst="rect">
             <a:avLst/>
@@ -9927,7 +9927,7 @@
             </a:pPr>
             <a:r>
               <a:rPr lang="en-US" sz="1400" dirty="0"/>
-              <a:t>dropping obs. with total number of 10-Q words less than 1% threshold of the merged sample (1185 words): </a:t>
+              <a:t>dropping obs. according to a set of data screening criterion*: </a:t>
             </a:r>
             <a:r>
               <a:rPr lang="en-US" sz="1400" dirty="0">
@@ -9935,7 +9935,7 @@
                   <a:srgbClr val="FF0000"/>
                 </a:highlight>
               </a:rPr>
-              <a:t>300,806</a:t>
+              <a:t>253,295</a:t>
             </a:r>
           </a:p>
           <a:p>
@@ -10351,6 +10351,210 @@
                 </a:highlight>
               </a:rPr>
               <a:t>CRSP_COMP_10-Q Merging Process</a:t>
+            </a:r>
+          </a:p>
+        </p:txBody>
+      </p:sp>
+      <p:sp>
+        <p:nvSpPr>
+          <p:cNvPr id="24" name="Subtitle 2">
+            <a:extLst>
+              <a:ext uri="{FF2B5EF4-FFF2-40B4-BE49-F238E27FC236}">
+                <a16:creationId xmlns:a16="http://schemas.microsoft.com/office/drawing/2014/main" id="{C6CCC906-F6B6-45CD-A3C9-E4809C018234}"/>
+              </a:ext>
+            </a:extLst>
+          </p:cNvPr>
+          <p:cNvSpPr txBox="1">
+            <a:spLocks/>
+          </p:cNvSpPr>
+          <p:nvPr/>
+        </p:nvSpPr>
+        <p:spPr>
+          <a:xfrm>
+            <a:off x="3963880" y="6487946"/>
+            <a:ext cx="8294331" cy="301374"/>
+          </a:xfrm>
+          <a:prstGeom prst="rect">
+            <a:avLst/>
+          </a:prstGeom>
+        </p:spPr>
+        <p:txBody>
+          <a:bodyPr vert="horz" lIns="91440" tIns="45720" rIns="91440" bIns="45720" rtlCol="0">
+            <a:normAutofit/>
+          </a:bodyPr>
+          <a:lstStyle>
+            <a:lvl1pPr marL="0" indent="0" algn="ctr" defTabSz="914400" rtl="0" eaLnBrk="1" latinLnBrk="0" hangingPunct="1">
+              <a:lnSpc>
+                <a:spcPct val="90000"/>
+              </a:lnSpc>
+              <a:spcBef>
+                <a:spcPts val="1000"/>
+              </a:spcBef>
+              <a:buFont typeface="Arial" panose="020B0604020202020204" pitchFamily="34" charset="0"/>
+              <a:buNone/>
+              <a:defRPr sz="2400" kern="1200">
+                <a:solidFill>
+                  <a:schemeClr val="tx1"/>
+                </a:solidFill>
+                <a:latin typeface="+mn-lt"/>
+                <a:ea typeface="+mn-ea"/>
+                <a:cs typeface="+mn-cs"/>
+              </a:defRPr>
+            </a:lvl1pPr>
+            <a:lvl2pPr marL="457200" indent="0" algn="ctr" defTabSz="914400" rtl="0" eaLnBrk="1" latinLnBrk="0" hangingPunct="1">
+              <a:lnSpc>
+                <a:spcPct val="90000"/>
+              </a:lnSpc>
+              <a:spcBef>
+                <a:spcPts val="500"/>
+              </a:spcBef>
+              <a:buFont typeface="Arial" panose="020B0604020202020204" pitchFamily="34" charset="0"/>
+              <a:buNone/>
+              <a:defRPr sz="2000" kern="1200">
+                <a:solidFill>
+                  <a:schemeClr val="tx1"/>
+                </a:solidFill>
+                <a:latin typeface="+mn-lt"/>
+                <a:ea typeface="+mn-ea"/>
+                <a:cs typeface="+mn-cs"/>
+              </a:defRPr>
+            </a:lvl2pPr>
+            <a:lvl3pPr marL="914400" indent="0" algn="ctr" defTabSz="914400" rtl="0" eaLnBrk="1" latinLnBrk="0" hangingPunct="1">
+              <a:lnSpc>
+                <a:spcPct val="90000"/>
+              </a:lnSpc>
+              <a:spcBef>
+                <a:spcPts val="500"/>
+              </a:spcBef>
+              <a:buFont typeface="Arial" panose="020B0604020202020204" pitchFamily="34" charset="0"/>
+              <a:buNone/>
+              <a:defRPr sz="1800" kern="1200">
+                <a:solidFill>
+                  <a:schemeClr val="tx1"/>
+                </a:solidFill>
+                <a:latin typeface="+mn-lt"/>
+                <a:ea typeface="+mn-ea"/>
+                <a:cs typeface="+mn-cs"/>
+              </a:defRPr>
+            </a:lvl3pPr>
+            <a:lvl4pPr marL="1371600" indent="0" algn="ctr" defTabSz="914400" rtl="0" eaLnBrk="1" latinLnBrk="0" hangingPunct="1">
+              <a:lnSpc>
+                <a:spcPct val="90000"/>
+              </a:lnSpc>
+              <a:spcBef>
+                <a:spcPts val="500"/>
+              </a:spcBef>
+              <a:buFont typeface="Arial" panose="020B0604020202020204" pitchFamily="34" charset="0"/>
+              <a:buNone/>
+              <a:defRPr sz="1600" kern="1200">
+                <a:solidFill>
+                  <a:schemeClr val="tx1"/>
+                </a:solidFill>
+                <a:latin typeface="+mn-lt"/>
+                <a:ea typeface="+mn-ea"/>
+                <a:cs typeface="+mn-cs"/>
+              </a:defRPr>
+            </a:lvl4pPr>
+            <a:lvl5pPr marL="1828800" indent="0" algn="ctr" defTabSz="914400" rtl="0" eaLnBrk="1" latinLnBrk="0" hangingPunct="1">
+              <a:lnSpc>
+                <a:spcPct val="90000"/>
+              </a:lnSpc>
+              <a:spcBef>
+                <a:spcPts val="500"/>
+              </a:spcBef>
+              <a:buFont typeface="Arial" panose="020B0604020202020204" pitchFamily="34" charset="0"/>
+              <a:buNone/>
+              <a:defRPr sz="1600" kern="1200">
+                <a:solidFill>
+                  <a:schemeClr val="tx1"/>
+                </a:solidFill>
+                <a:latin typeface="+mn-lt"/>
+                <a:ea typeface="+mn-ea"/>
+                <a:cs typeface="+mn-cs"/>
+              </a:defRPr>
+            </a:lvl5pPr>
+            <a:lvl6pPr marL="2286000" indent="0" algn="ctr" defTabSz="914400" rtl="0" eaLnBrk="1" latinLnBrk="0" hangingPunct="1">
+              <a:lnSpc>
+                <a:spcPct val="90000"/>
+              </a:lnSpc>
+              <a:spcBef>
+                <a:spcPts val="500"/>
+              </a:spcBef>
+              <a:buFont typeface="Arial" panose="020B0604020202020204" pitchFamily="34" charset="0"/>
+              <a:buNone/>
+              <a:defRPr sz="1600" kern="1200">
+                <a:solidFill>
+                  <a:schemeClr val="tx1"/>
+                </a:solidFill>
+                <a:latin typeface="+mn-lt"/>
+                <a:ea typeface="+mn-ea"/>
+                <a:cs typeface="+mn-cs"/>
+              </a:defRPr>
+            </a:lvl6pPr>
+            <a:lvl7pPr marL="2743200" indent="0" algn="ctr" defTabSz="914400" rtl="0" eaLnBrk="1" latinLnBrk="0" hangingPunct="1">
+              <a:lnSpc>
+                <a:spcPct val="90000"/>
+              </a:lnSpc>
+              <a:spcBef>
+                <a:spcPts val="500"/>
+              </a:spcBef>
+              <a:buFont typeface="Arial" panose="020B0604020202020204" pitchFamily="34" charset="0"/>
+              <a:buNone/>
+              <a:defRPr sz="1600" kern="1200">
+                <a:solidFill>
+                  <a:schemeClr val="tx1"/>
+                </a:solidFill>
+                <a:latin typeface="+mn-lt"/>
+                <a:ea typeface="+mn-ea"/>
+                <a:cs typeface="+mn-cs"/>
+              </a:defRPr>
+            </a:lvl7pPr>
+            <a:lvl8pPr marL="3200400" indent="0" algn="ctr" defTabSz="914400" rtl="0" eaLnBrk="1" latinLnBrk="0" hangingPunct="1">
+              <a:lnSpc>
+                <a:spcPct val="90000"/>
+              </a:lnSpc>
+              <a:spcBef>
+                <a:spcPts val="500"/>
+              </a:spcBef>
+              <a:buFont typeface="Arial" panose="020B0604020202020204" pitchFamily="34" charset="0"/>
+              <a:buNone/>
+              <a:defRPr sz="1600" kern="1200">
+                <a:solidFill>
+                  <a:schemeClr val="tx1"/>
+                </a:solidFill>
+                <a:latin typeface="+mn-lt"/>
+                <a:ea typeface="+mn-ea"/>
+                <a:cs typeface="+mn-cs"/>
+              </a:defRPr>
+            </a:lvl8pPr>
+            <a:lvl9pPr marL="3657600" indent="0" algn="ctr" defTabSz="914400" rtl="0" eaLnBrk="1" latinLnBrk="0" hangingPunct="1">
+              <a:lnSpc>
+                <a:spcPct val="90000"/>
+              </a:lnSpc>
+              <a:spcBef>
+                <a:spcPts val="500"/>
+              </a:spcBef>
+              <a:buFont typeface="Arial" panose="020B0604020202020204" pitchFamily="34" charset="0"/>
+              <a:buNone/>
+              <a:defRPr sz="1600" kern="1200">
+                <a:solidFill>
+                  <a:schemeClr val="tx1"/>
+                </a:solidFill>
+                <a:latin typeface="+mn-lt"/>
+                <a:ea typeface="+mn-ea"/>
+                <a:cs typeface="+mn-cs"/>
+              </a:defRPr>
+            </a:lvl9pPr>
+          </a:lstStyle>
+          <a:p>
+            <a:pPr algn="l"/>
+            <a:r>
+              <a:rPr lang="en-US" sz="1400" dirty="0">
+                <a:highlight>
+                  <a:srgbClr val="C0C0C0"/>
+                </a:highlight>
+              </a:rPr>
+              <a:t>* For example, dropping non-positive total asset/book equity, 10-Q words less than 1% quantile etc., see code.</a:t>
             </a:r>
           </a:p>
         </p:txBody>

--- a/output/figure_1.pptx
+++ b/output/figure_1.pptx
@@ -9927,16 +9927,25 @@
             </a:pPr>
             <a:r>
               <a:rPr lang="en-US" sz="1400" dirty="0"/>
-              <a:t>dropping obs. according to a set of data screening criterion*: </a:t>
-            </a:r>
-            <a:r>
-              <a:rPr lang="en-US" sz="1400" dirty="0">
+              <a:t>dropping obs. according to a set of data screening criterion</a:t>
+            </a:r>
+            <a:r>
+              <a:rPr lang="en-US" sz="1400"/>
+              <a:t>*: </a:t>
+            </a:r>
+            <a:r>
+              <a:rPr lang="en-US" sz="1400">
                 <a:highlight>
                   <a:srgbClr val="FF0000"/>
                 </a:highlight>
               </a:rPr>
-              <a:t>253,295</a:t>
-            </a:r>
+              <a:t>189,501</a:t>
+            </a:r>
+            <a:endParaRPr lang="en-US" sz="1400" dirty="0">
+              <a:highlight>
+                <a:srgbClr val="FF0000"/>
+              </a:highlight>
+            </a:endParaRPr>
           </a:p>
           <a:p>
             <a:pPr marL="742950" lvl="1" indent="-285750" algn="l">

--- a/output/figure_1.pptx
+++ b/output/figure_1.pptx
@@ -261,7 +261,7 @@
           <a:p>
             <a:fld id="{F6465CF2-20FA-4A27-B5DD-24B9293428AE}" type="datetimeFigureOut">
               <a:rPr lang="en-US" smtClean="0"/>
-              <a:t>4/10/2020</a:t>
+              <a:t>4/11/2020</a:t>
             </a:fld>
             <a:endParaRPr lang="en-US"/>
           </a:p>
@@ -459,7 +459,7 @@
           <a:p>
             <a:fld id="{F6465CF2-20FA-4A27-B5DD-24B9293428AE}" type="datetimeFigureOut">
               <a:rPr lang="en-US" smtClean="0"/>
-              <a:t>4/10/2020</a:t>
+              <a:t>4/11/2020</a:t>
             </a:fld>
             <a:endParaRPr lang="en-US"/>
           </a:p>
@@ -667,7 +667,7 @@
           <a:p>
             <a:fld id="{F6465CF2-20FA-4A27-B5DD-24B9293428AE}" type="datetimeFigureOut">
               <a:rPr lang="en-US" smtClean="0"/>
-              <a:t>4/10/2020</a:t>
+              <a:t>4/11/2020</a:t>
             </a:fld>
             <a:endParaRPr lang="en-US"/>
           </a:p>
@@ -865,7 +865,7 @@
           <a:p>
             <a:fld id="{F6465CF2-20FA-4A27-B5DD-24B9293428AE}" type="datetimeFigureOut">
               <a:rPr lang="en-US" smtClean="0"/>
-              <a:t>4/10/2020</a:t>
+              <a:t>4/11/2020</a:t>
             </a:fld>
             <a:endParaRPr lang="en-US"/>
           </a:p>
@@ -1140,7 +1140,7 @@
           <a:p>
             <a:fld id="{F6465CF2-20FA-4A27-B5DD-24B9293428AE}" type="datetimeFigureOut">
               <a:rPr lang="en-US" smtClean="0"/>
-              <a:t>4/10/2020</a:t>
+              <a:t>4/11/2020</a:t>
             </a:fld>
             <a:endParaRPr lang="en-US"/>
           </a:p>
@@ -1405,7 +1405,7 @@
           <a:p>
             <a:fld id="{F6465CF2-20FA-4A27-B5DD-24B9293428AE}" type="datetimeFigureOut">
               <a:rPr lang="en-US" smtClean="0"/>
-              <a:t>4/10/2020</a:t>
+              <a:t>4/11/2020</a:t>
             </a:fld>
             <a:endParaRPr lang="en-US"/>
           </a:p>
@@ -1817,7 +1817,7 @@
           <a:p>
             <a:fld id="{F6465CF2-20FA-4A27-B5DD-24B9293428AE}" type="datetimeFigureOut">
               <a:rPr lang="en-US" smtClean="0"/>
-              <a:t>4/10/2020</a:t>
+              <a:t>4/11/2020</a:t>
             </a:fld>
             <a:endParaRPr lang="en-US"/>
           </a:p>
@@ -1958,7 +1958,7 @@
           <a:p>
             <a:fld id="{F6465CF2-20FA-4A27-B5DD-24B9293428AE}" type="datetimeFigureOut">
               <a:rPr lang="en-US" smtClean="0"/>
-              <a:t>4/10/2020</a:t>
+              <a:t>4/11/2020</a:t>
             </a:fld>
             <a:endParaRPr lang="en-US"/>
           </a:p>
@@ -2071,7 +2071,7 @@
           <a:p>
             <a:fld id="{F6465CF2-20FA-4A27-B5DD-24B9293428AE}" type="datetimeFigureOut">
               <a:rPr lang="en-US" smtClean="0"/>
-              <a:t>4/10/2020</a:t>
+              <a:t>4/11/2020</a:t>
             </a:fld>
             <a:endParaRPr lang="en-US"/>
           </a:p>
@@ -2382,7 +2382,7 @@
           <a:p>
             <a:fld id="{F6465CF2-20FA-4A27-B5DD-24B9293428AE}" type="datetimeFigureOut">
               <a:rPr lang="en-US" smtClean="0"/>
-              <a:t>4/10/2020</a:t>
+              <a:t>4/11/2020</a:t>
             </a:fld>
             <a:endParaRPr lang="en-US"/>
           </a:p>
@@ -2670,7 +2670,7 @@
           <a:p>
             <a:fld id="{F6465CF2-20FA-4A27-B5DD-24B9293428AE}" type="datetimeFigureOut">
               <a:rPr lang="en-US" smtClean="0"/>
-              <a:t>4/10/2020</a:t>
+              <a:t>4/11/2020</a:t>
             </a:fld>
             <a:endParaRPr lang="en-US"/>
           </a:p>
@@ -2911,7 +2911,7 @@
           <a:p>
             <a:fld id="{F6465CF2-20FA-4A27-B5DD-24B9293428AE}" type="datetimeFigureOut">
               <a:rPr lang="en-US" smtClean="0"/>
-              <a:t>4/10/2020</a:t>
+              <a:t>4/11/2020</a:t>
             </a:fld>
             <a:endParaRPr lang="en-US"/>
           </a:p>
@@ -9939,7 +9939,7 @@
                   <a:srgbClr val="FF0000"/>
                 </a:highlight>
               </a:rPr>
-              <a:t>189,501</a:t>
+              <a:t>190,926</a:t>
             </a:r>
             <a:endParaRPr lang="en-US" sz="1400" dirty="0">
               <a:highlight>

--- a/output/figure_1.pptx
+++ b/output/figure_1.pptx
@@ -261,7 +261,7 @@
           <a:p>
             <a:fld id="{F6465CF2-20FA-4A27-B5DD-24B9293428AE}" type="datetimeFigureOut">
               <a:rPr lang="en-US" smtClean="0"/>
-              <a:t>4/11/2020</a:t>
+              <a:t>4/12/2020</a:t>
             </a:fld>
             <a:endParaRPr lang="en-US"/>
           </a:p>
@@ -459,7 +459,7 @@
           <a:p>
             <a:fld id="{F6465CF2-20FA-4A27-B5DD-24B9293428AE}" type="datetimeFigureOut">
               <a:rPr lang="en-US" smtClean="0"/>
-              <a:t>4/11/2020</a:t>
+              <a:t>4/12/2020</a:t>
             </a:fld>
             <a:endParaRPr lang="en-US"/>
           </a:p>
@@ -667,7 +667,7 @@
           <a:p>
             <a:fld id="{F6465CF2-20FA-4A27-B5DD-24B9293428AE}" type="datetimeFigureOut">
               <a:rPr lang="en-US" smtClean="0"/>
-              <a:t>4/11/2020</a:t>
+              <a:t>4/12/2020</a:t>
             </a:fld>
             <a:endParaRPr lang="en-US"/>
           </a:p>
@@ -865,7 +865,7 @@
           <a:p>
             <a:fld id="{F6465CF2-20FA-4A27-B5DD-24B9293428AE}" type="datetimeFigureOut">
               <a:rPr lang="en-US" smtClean="0"/>
-              <a:t>4/11/2020</a:t>
+              <a:t>4/12/2020</a:t>
             </a:fld>
             <a:endParaRPr lang="en-US"/>
           </a:p>
@@ -1140,7 +1140,7 @@
           <a:p>
             <a:fld id="{F6465CF2-20FA-4A27-B5DD-24B9293428AE}" type="datetimeFigureOut">
               <a:rPr lang="en-US" smtClean="0"/>
-              <a:t>4/11/2020</a:t>
+              <a:t>4/12/2020</a:t>
             </a:fld>
             <a:endParaRPr lang="en-US"/>
           </a:p>
@@ -1405,7 +1405,7 @@
           <a:p>
             <a:fld id="{F6465CF2-20FA-4A27-B5DD-24B9293428AE}" type="datetimeFigureOut">
               <a:rPr lang="en-US" smtClean="0"/>
-              <a:t>4/11/2020</a:t>
+              <a:t>4/12/2020</a:t>
             </a:fld>
             <a:endParaRPr lang="en-US"/>
           </a:p>
@@ -1817,7 +1817,7 @@
           <a:p>
             <a:fld id="{F6465CF2-20FA-4A27-B5DD-24B9293428AE}" type="datetimeFigureOut">
               <a:rPr lang="en-US" smtClean="0"/>
-              <a:t>4/11/2020</a:t>
+              <a:t>4/12/2020</a:t>
             </a:fld>
             <a:endParaRPr lang="en-US"/>
           </a:p>
@@ -1958,7 +1958,7 @@
           <a:p>
             <a:fld id="{F6465CF2-20FA-4A27-B5DD-24B9293428AE}" type="datetimeFigureOut">
               <a:rPr lang="en-US" smtClean="0"/>
-              <a:t>4/11/2020</a:t>
+              <a:t>4/12/2020</a:t>
             </a:fld>
             <a:endParaRPr lang="en-US"/>
           </a:p>
@@ -2071,7 +2071,7 @@
           <a:p>
             <a:fld id="{F6465CF2-20FA-4A27-B5DD-24B9293428AE}" type="datetimeFigureOut">
               <a:rPr lang="en-US" smtClean="0"/>
-              <a:t>4/11/2020</a:t>
+              <a:t>4/12/2020</a:t>
             </a:fld>
             <a:endParaRPr lang="en-US"/>
           </a:p>
@@ -2382,7 +2382,7 @@
           <a:p>
             <a:fld id="{F6465CF2-20FA-4A27-B5DD-24B9293428AE}" type="datetimeFigureOut">
               <a:rPr lang="en-US" smtClean="0"/>
-              <a:t>4/11/2020</a:t>
+              <a:t>4/12/2020</a:t>
             </a:fld>
             <a:endParaRPr lang="en-US"/>
           </a:p>
@@ -2670,7 +2670,7 @@
           <a:p>
             <a:fld id="{F6465CF2-20FA-4A27-B5DD-24B9293428AE}" type="datetimeFigureOut">
               <a:rPr lang="en-US" smtClean="0"/>
-              <a:t>4/11/2020</a:t>
+              <a:t>4/12/2020</a:t>
             </a:fld>
             <a:endParaRPr lang="en-US"/>
           </a:p>
@@ -2911,7 +2911,7 @@
           <a:p>
             <a:fld id="{F6465CF2-20FA-4A27-B5DD-24B9293428AE}" type="datetimeFigureOut">
               <a:rPr lang="en-US" smtClean="0"/>
-              <a:t>4/11/2020</a:t>
+              <a:t>4/12/2020</a:t>
             </a:fld>
             <a:endParaRPr lang="en-US"/>
           </a:p>
@@ -10582,7 +10582,7 @@
 </file>
 
 <file path=ppt/slides/slide3.xml><?xml version="1.0" encoding="utf-8"?>
-<p:sld xmlns:a="http://schemas.openxmlformats.org/drawingml/2006/main" xmlns:r="http://schemas.openxmlformats.org/officeDocument/2006/relationships" xmlns:p="http://schemas.openxmlformats.org/presentationml/2006/main">
+<p:sld xmlns:a="http://schemas.openxmlformats.org/drawingml/2006/main" xmlns:r="http://schemas.openxmlformats.org/officeDocument/2006/relationships" xmlns:p="http://schemas.openxmlformats.org/presentationml/2006/main" show="0">
   <p:cSld>
     <p:spTree>
       <p:nvGrpSpPr>
@@ -12717,8 +12717,8 @@
         </p:nvSpPr>
         <p:spPr>
           <a:xfrm>
-            <a:off x="4148805" y="111289"/>
-            <a:ext cx="3875644" cy="385164"/>
+            <a:off x="3739153" y="101716"/>
+            <a:ext cx="5838574" cy="394738"/>
           </a:xfrm>
           <a:prstGeom prst="rect">
             <a:avLst/>
@@ -12900,7 +12900,7 @@
                   <a:srgbClr val="C0C0C0"/>
                 </a:highlight>
               </a:rPr>
-              <a:t>CRSP_COMP_8-K Merging Process</a:t>
+              <a:t>CRSP_COMP_8-K Merging Process (WIP!!!)</a:t>
             </a:r>
           </a:p>
         </p:txBody>
